--- a/03-creating_a_custom_resource.pptx
+++ b/03-creating_a_custom_resource.pptx
@@ -200,7 +200,7 @@
   </p:defaultTextStyle>
   <p:extLst>
     <p:ext uri="{EFAFB233-063F-42B5-8137-9DF3F51BA10A}">
-      <p15:sldGuideLst xmlns:p15="http://schemas.microsoft.com/office/powerpoint/2012/main">
+      <p15:sldGuideLst xmlns:p15="http://schemas.microsoft.com/office/powerpoint/2012/main" xmlns="">
         <p15:guide id="1" orient="horz" pos="894">
           <p15:clr>
             <a:srgbClr val="A4A3A4"/>
@@ -214,7 +214,7 @@
       </p15:sldGuideLst>
     </p:ext>
     <p:ext uri="{2D200454-40CA-4A62-9FC3-DE9A4176ACB9}">
-      <p15:notesGuideLst xmlns:p15="http://schemas.microsoft.com/office/powerpoint/2012/main"/>
+      <p15:notesGuideLst xmlns:p15="http://schemas.microsoft.com/office/powerpoint/2012/main" xmlns=""/>
     </p:ext>
   </p:extLst>
 </p:presentation>
@@ -331,7 +331,7 @@
               <a:pPr>
                 <a:defRPr/>
               </a:pPr>
-              <a:t>2016-09-18</a:t>
+              <a:t>9/19/16</a:t>
             </a:fld>
             <a:endParaRPr lang="en-US" dirty="0"/>
           </a:p>
@@ -514,7 +514,7 @@
               <a:pPr>
                 <a:defRPr/>
               </a:pPr>
-              <a:t>2016-09-18</a:t>
+              <a:t>9/19/16</a:t>
             </a:fld>
             <a:endParaRPr lang="en-US" dirty="0"/>
           </a:p>
@@ -3467,7 +3467,23 @@
           <a:p>
             <a:r>
               <a:rPr lang="en-US" baseline="0" dirty="0" smtClean="0"/>
-              <a:t>In this instance the cookbook's name is 'apache' and the ruby file is named '</a:t>
+              <a:t>In this instance the cookbook's name is </a:t>
+            </a:r>
+            <a:r>
+              <a:rPr lang="en-US" baseline="0" dirty="0" smtClean="0"/>
+              <a:t>'</a:t>
+            </a:r>
+            <a:r>
+              <a:rPr lang="en-US" baseline="0" dirty="0" err="1" smtClean="0"/>
+              <a:t>httpd</a:t>
+            </a:r>
+            <a:r>
+              <a:rPr lang="en-US" baseline="0" dirty="0" smtClean="0"/>
+              <a:t>' </a:t>
+            </a:r>
+            <a:r>
+              <a:rPr lang="en-US" baseline="0" dirty="0" smtClean="0"/>
+              <a:t>and the ruby file is named '</a:t>
             </a:r>
             <a:r>
               <a:rPr lang="en-US" baseline="0" dirty="0" err="1" smtClean="0"/>
@@ -3475,11 +3491,15 @@
             </a:r>
             <a:r>
               <a:rPr lang="en-US" baseline="0" dirty="0" smtClean="0"/>
-              <a:t>' so the default name for the resource is '</a:t>
+              <a:t>' so the default name for the resource is </a:t>
+            </a:r>
+            <a:r>
+              <a:rPr lang="en-US" baseline="0" dirty="0" smtClean="0"/>
+              <a:t>'</a:t>
             </a:r>
             <a:r>
               <a:rPr lang="en-US" baseline="0" dirty="0" err="1" smtClean="0"/>
-              <a:t>apache_vhost</a:t>
+              <a:t>httpd_vhost</a:t>
             </a:r>
             <a:r>
               <a:rPr lang="en-US" baseline="0" dirty="0" smtClean="0"/>
@@ -6285,11 +6305,15 @@
             </a:r>
             <a:r>
               <a:rPr lang="en-US" baseline="0" dirty="0" smtClean="0"/>
-              <a:t> recipe, within the '</a:t>
+              <a:t> recipe, within the </a:t>
+            </a:r>
+            <a:r>
+              <a:rPr lang="en-US" baseline="0" dirty="0" smtClean="0"/>
+              <a:t>'</a:t>
             </a:r>
             <a:r>
               <a:rPr lang="en-US" baseline="0" dirty="0" err="1" smtClean="0"/>
-              <a:t>apache_vhost</a:t>
+              <a:t>httpd_vhost</a:t>
             </a:r>
             <a:r>
               <a:rPr lang="en-US" baseline="0" dirty="0" smtClean="0"/>
@@ -6731,11 +6755,15 @@
             </a:r>
             <a:r>
               <a:rPr lang="en-US" baseline="0" dirty="0" smtClean="0"/>
-              <a:t> property developed the '</a:t>
+              <a:t> property developed the </a:t>
+            </a:r>
+            <a:r>
+              <a:rPr lang="en-US" baseline="0" dirty="0" smtClean="0"/>
+              <a:t>'</a:t>
             </a:r>
             <a:r>
               <a:rPr lang="en-US" baseline="0" dirty="0" err="1" smtClean="0"/>
-              <a:t>apache_vhost</a:t>
+              <a:t>httpd_vhost</a:t>
             </a:r>
             <a:r>
               <a:rPr lang="en-US" baseline="0" dirty="0" smtClean="0"/>
@@ -7192,7 +7220,19 @@
             </a:r>
             <a:r>
               <a:rPr lang="en-US" baseline="0" dirty="0" smtClean="0"/>
-              <a:t> generic files that apache deploys. Manipulating this resource is no longer important so we want to remove this resource.</a:t>
+              <a:t> generic files that </a:t>
+            </a:r>
+            <a:r>
+              <a:rPr lang="en-US" baseline="0" dirty="0" err="1" smtClean="0"/>
+              <a:t>httpd</a:t>
+            </a:r>
+            <a:r>
+              <a:rPr lang="en-US" baseline="0" dirty="0" smtClean="0"/>
+              <a:t> </a:t>
+            </a:r>
+            <a:r>
+              <a:rPr lang="en-US" baseline="0" dirty="0" smtClean="0"/>
+              <a:t>deploys. Manipulating this resource is no longer important so we want to remove this resource.</a:t>
             </a:r>
             <a:endParaRPr lang="en-US" dirty="0"/>
           </a:p>
@@ -7330,7 +7370,19 @@
           <a:p>
             <a:r>
               <a:rPr lang="en-US" dirty="0" smtClean="0"/>
-              <a:t>When apache initial</a:t>
+              <a:t>When </a:t>
+            </a:r>
+            <a:r>
+              <a:rPr lang="en-US" dirty="0" err="1" smtClean="0"/>
+              <a:t>httpd</a:t>
+            </a:r>
+            <a:r>
+              <a:rPr lang="en-US" dirty="0" smtClean="0"/>
+              <a:t> </a:t>
+            </a:r>
+            <a:r>
+              <a:rPr lang="en-US" dirty="0" smtClean="0"/>
+              <a:t>initial</a:t>
             </a:r>
             <a:r>
               <a:rPr lang="en-US" baseline="0" dirty="0" smtClean="0"/>
@@ -9689,7 +9741,7 @@
   <p:clrMapOvr>
     <a:masterClrMapping/>
   </p:clrMapOvr>
-  <p:transition spd="med">
+  <p:transition xmlns:p14="http://schemas.microsoft.com/office/powerpoint/2010/main" spd="med">
     <p:fade/>
   </p:transition>
 </p:sldLayout>
@@ -9984,7 +10036,7 @@
   <p:clrMapOvr>
     <a:overrideClrMapping bg1="lt1" tx1="dk1" bg2="lt2" tx2="dk2" accent1="accent1" accent2="accent2" accent3="accent3" accent4="accent4" accent5="accent5" accent6="accent6" hlink="hlink" folHlink="folHlink"/>
   </p:clrMapOvr>
-  <p:transition spd="med">
+  <p:transition xmlns:p14="http://schemas.microsoft.com/office/powerpoint/2010/main" spd="med">
     <p:fade/>
   </p:transition>
 </p:sldLayout>
@@ -10117,14 +10169,14 @@
           </a:ln>
           <a:extLst>
             <a:ext uri="{909E8E84-426E-40dd-AFC4-6F175D3DCCD1}">
-              <a14:hiddenFill xmlns:a14="http://schemas.microsoft.com/office/drawing/2010/main" xmlns="">
+              <a14:hiddenFill xmlns:a14="http://schemas.microsoft.com/office/drawing/2010/main">
                 <a:solidFill>
                   <a:srgbClr val="FFFFFF"/>
                 </a:solidFill>
               </a14:hiddenFill>
             </a:ext>
             <a:ext uri="{91240B29-F687-4f45-9708-019B960494DF}">
-              <a14:hiddenLine xmlns:a14="http://schemas.microsoft.com/office/drawing/2010/main" xmlns="" w="9525">
+              <a14:hiddenLine xmlns:a14="http://schemas.microsoft.com/office/drawing/2010/main" w="9525">
                 <a:solidFill>
                   <a:srgbClr val="000000"/>
                 </a:solidFill>
@@ -10272,14 +10324,14 @@
           </a:ln>
           <a:extLst>
             <a:ext uri="{909E8E84-426E-40dd-AFC4-6F175D3DCCD1}">
-              <a14:hiddenFill xmlns:a14="http://schemas.microsoft.com/office/drawing/2010/main" xmlns="">
+              <a14:hiddenFill xmlns:a14="http://schemas.microsoft.com/office/drawing/2010/main">
                 <a:solidFill>
                   <a:srgbClr val="FFFFFF"/>
                 </a:solidFill>
               </a14:hiddenFill>
             </a:ext>
             <a:ext uri="{91240B29-F687-4f45-9708-019B960494DF}">
-              <a14:hiddenLine xmlns:a14="http://schemas.microsoft.com/office/drawing/2010/main" xmlns="" w="9525">
+              <a14:hiddenLine xmlns:a14="http://schemas.microsoft.com/office/drawing/2010/main" w="9525">
                 <a:solidFill>
                   <a:srgbClr val="000000"/>
                 </a:solidFill>
@@ -10677,7 +10729,7 @@
   <p:clrMapOvr>
     <a:overrideClrMapping bg1="lt1" tx1="dk1" bg2="lt2" tx2="dk2" accent1="accent1" accent2="accent2" accent3="accent3" accent4="accent4" accent5="accent5" accent6="accent6" hlink="hlink" folHlink="folHlink"/>
   </p:clrMapOvr>
-  <p:transition spd="med">
+  <p:transition xmlns:p14="http://schemas.microsoft.com/office/powerpoint/2010/main" spd="med">
     <p:fade/>
   </p:transition>
 </p:sldLayout>
@@ -10735,14 +10787,14 @@
           </a:ln>
           <a:extLst>
             <a:ext uri="{909E8E84-426E-40dd-AFC4-6F175D3DCCD1}">
-              <a14:hiddenFill xmlns:a14="http://schemas.microsoft.com/office/drawing/2010/main" xmlns="">
+              <a14:hiddenFill xmlns:a14="http://schemas.microsoft.com/office/drawing/2010/main">
                 <a:solidFill>
                   <a:srgbClr val="FFFFFF"/>
                 </a:solidFill>
               </a14:hiddenFill>
             </a:ext>
             <a:ext uri="{91240B29-F687-4f45-9708-019B960494DF}">
-              <a14:hiddenLine xmlns:a14="http://schemas.microsoft.com/office/drawing/2010/main" xmlns="" w="9525">
+              <a14:hiddenLine xmlns:a14="http://schemas.microsoft.com/office/drawing/2010/main" w="9525">
                 <a:solidFill>
                   <a:srgbClr val="000000"/>
                 </a:solidFill>
@@ -10764,7 +10816,7 @@
   <p:clrMapOvr>
     <a:masterClrMapping/>
   </p:clrMapOvr>
-  <p:transition spd="med">
+  <p:transition xmlns:p14="http://schemas.microsoft.com/office/powerpoint/2010/main" spd="med">
     <p:fade/>
   </p:transition>
 </p:sldLayout>
@@ -10981,14 +11033,14 @@
           </a:ln>
           <a:extLst>
             <a:ext uri="{909E8E84-426E-40dd-AFC4-6F175D3DCCD1}">
-              <a14:hiddenFill xmlns:a14="http://schemas.microsoft.com/office/drawing/2010/main" xmlns="">
+              <a14:hiddenFill xmlns:a14="http://schemas.microsoft.com/office/drawing/2010/main">
                 <a:solidFill>
                   <a:srgbClr val="FFFFFF"/>
                 </a:solidFill>
               </a14:hiddenFill>
             </a:ext>
             <a:ext uri="{91240B29-F687-4f45-9708-019B960494DF}">
-              <a14:hiddenLine xmlns:a14="http://schemas.microsoft.com/office/drawing/2010/main" xmlns="" w="9525">
+              <a14:hiddenLine xmlns:a14="http://schemas.microsoft.com/office/drawing/2010/main" w="9525">
                 <a:solidFill>
                   <a:srgbClr val="000000"/>
                 </a:solidFill>
@@ -11185,7 +11237,7 @@
   <p:clrMapOvr>
     <a:masterClrMapping/>
   </p:clrMapOvr>
-  <p:transition spd="med">
+  <p:transition xmlns:p14="http://schemas.microsoft.com/office/powerpoint/2010/main" spd="med">
     <p:fade/>
   </p:transition>
 </p:sldLayout>
@@ -11473,7 +11525,7 @@
   <p:clrMapOvr>
     <a:masterClrMapping/>
   </p:clrMapOvr>
-  <p:transition spd="med">
+  <p:transition xmlns:p14="http://schemas.microsoft.com/office/powerpoint/2010/main" spd="med">
     <p:fade/>
   </p:transition>
 </p:sldLayout>
@@ -11760,7 +11812,7 @@
   <p:clrMapOvr>
     <a:masterClrMapping/>
   </p:clrMapOvr>
-  <p:transition spd="med">
+  <p:transition xmlns:p14="http://schemas.microsoft.com/office/powerpoint/2010/main" spd="med">
     <p:fade/>
   </p:transition>
 </p:sldLayout>
@@ -12047,7 +12099,7 @@
   <p:clrMapOvr>
     <a:masterClrMapping/>
   </p:clrMapOvr>
-  <p:transition spd="med">
+  <p:transition xmlns:p14="http://schemas.microsoft.com/office/powerpoint/2010/main" spd="med">
     <p:fade/>
   </p:transition>
 </p:sldLayout>
@@ -12396,7 +12448,7 @@
   <p:clrMapOvr>
     <a:masterClrMapping/>
   </p:clrMapOvr>
-  <p:transition spd="med">
+  <p:transition xmlns:p14="http://schemas.microsoft.com/office/powerpoint/2010/main" spd="med">
     <p:fade/>
   </p:transition>
 </p:sldLayout>
@@ -12683,7 +12735,7 @@
   <p:clrMapOvr>
     <a:masterClrMapping/>
   </p:clrMapOvr>
-  <p:transition spd="med">
+  <p:transition xmlns:p14="http://schemas.microsoft.com/office/powerpoint/2010/main" spd="med">
     <p:fade/>
   </p:transition>
 </p:sldLayout>
@@ -12900,14 +12952,14 @@
           </a:ln>
           <a:extLst>
             <a:ext uri="{909E8E84-426E-40dd-AFC4-6F175D3DCCD1}">
-              <a14:hiddenFill xmlns:a14="http://schemas.microsoft.com/office/drawing/2010/main" xmlns="">
+              <a14:hiddenFill xmlns:a14="http://schemas.microsoft.com/office/drawing/2010/main">
                 <a:solidFill>
                   <a:srgbClr val="FFFFFF"/>
                 </a:solidFill>
               </a14:hiddenFill>
             </a:ext>
             <a:ext uri="{91240B29-F687-4f45-9708-019B960494DF}">
-              <a14:hiddenLine xmlns:a14="http://schemas.microsoft.com/office/drawing/2010/main" xmlns="" w="9525">
+              <a14:hiddenLine xmlns:a14="http://schemas.microsoft.com/office/drawing/2010/main" w="9525">
                 <a:solidFill>
                   <a:srgbClr val="000000"/>
                 </a:solidFill>
@@ -13104,7 +13156,7 @@
   <p:clrMapOvr>
     <a:masterClrMapping/>
   </p:clrMapOvr>
-  <p:transition spd="med">
+  <p:transition xmlns:p14="http://schemas.microsoft.com/office/powerpoint/2010/main" spd="med">
     <p:fade/>
   </p:transition>
 </p:sldLayout>
@@ -13281,7 +13333,7 @@
   <p:clrMapOvr>
     <a:masterClrMapping/>
   </p:clrMapOvr>
-  <p:transition spd="med">
+  <p:transition xmlns:p14="http://schemas.microsoft.com/office/powerpoint/2010/main" spd="med">
     <p:fade/>
   </p:transition>
 </p:sldLayout>
@@ -13569,7 +13621,7 @@
   <p:clrMapOvr>
     <a:masterClrMapping/>
   </p:clrMapOvr>
-  <p:transition spd="med">
+  <p:transition xmlns:p14="http://schemas.microsoft.com/office/powerpoint/2010/main" spd="med">
     <p:fade/>
   </p:transition>
 </p:sldLayout>
@@ -13881,7 +13933,7 @@
   <p:clrMapOvr>
     <a:masterClrMapping/>
   </p:clrMapOvr>
-  <p:transition spd="med">
+  <p:transition xmlns:p14="http://schemas.microsoft.com/office/powerpoint/2010/main" spd="med">
     <p:fade/>
   </p:transition>
 </p:sldLayout>
@@ -14185,7 +14237,7 @@
   <p:clrMapOvr>
     <a:masterClrMapping/>
   </p:clrMapOvr>
-  <p:transition spd="med">
+  <p:transition xmlns:p14="http://schemas.microsoft.com/office/powerpoint/2010/main" spd="med">
     <p:fade/>
   </p:transition>
 </p:sldLayout>
@@ -14261,14 +14313,14 @@
           </a:ln>
           <a:extLst>
             <a:ext uri="{909E8E84-426E-40dd-AFC4-6F175D3DCCD1}">
-              <a14:hiddenFill xmlns:a14="http://schemas.microsoft.com/office/drawing/2010/main" xmlns="">
+              <a14:hiddenFill xmlns:a14="http://schemas.microsoft.com/office/drawing/2010/main">
                 <a:solidFill>
                   <a:srgbClr val="FFFFFF"/>
                 </a:solidFill>
               </a14:hiddenFill>
             </a:ext>
             <a:ext uri="{91240B29-F687-4f45-9708-019B960494DF}">
-              <a14:hiddenLine xmlns:a14="http://schemas.microsoft.com/office/drawing/2010/main" xmlns="" w="9525">
+              <a14:hiddenLine xmlns:a14="http://schemas.microsoft.com/office/drawing/2010/main" w="9525">
                 <a:solidFill>
                   <a:srgbClr val="000000"/>
                 </a:solidFill>
@@ -14548,7 +14600,7 @@
   <p:clrMapOvr>
     <a:overrideClrMapping bg1="lt1" tx1="dk1" bg2="lt2" tx2="dk2" accent1="accent1" accent2="accent2" accent3="accent3" accent4="accent4" accent5="accent5" accent6="accent6" hlink="hlink" folHlink="folHlink"/>
   </p:clrMapOvr>
-  <p:transition spd="med">
+  <p:transition xmlns:p14="http://schemas.microsoft.com/office/powerpoint/2010/main" spd="med">
     <p:fade/>
   </p:transition>
 </p:sldLayout>
@@ -14624,14 +14676,14 @@
           </a:ln>
           <a:extLst>
             <a:ext uri="{909E8E84-426E-40dd-AFC4-6F175D3DCCD1}">
-              <a14:hiddenFill xmlns:a14="http://schemas.microsoft.com/office/drawing/2010/main" xmlns="">
+              <a14:hiddenFill xmlns:a14="http://schemas.microsoft.com/office/drawing/2010/main">
                 <a:solidFill>
                   <a:srgbClr val="FFFFFF"/>
                 </a:solidFill>
               </a14:hiddenFill>
             </a:ext>
             <a:ext uri="{91240B29-F687-4f45-9708-019B960494DF}">
-              <a14:hiddenLine xmlns:a14="http://schemas.microsoft.com/office/drawing/2010/main" xmlns="" w="9525">
+              <a14:hiddenLine xmlns:a14="http://schemas.microsoft.com/office/drawing/2010/main" w="9525">
                 <a:solidFill>
                   <a:srgbClr val="000000"/>
                 </a:solidFill>
@@ -14881,7 +14933,7 @@
   <p:clrMapOvr>
     <a:overrideClrMapping bg1="lt1" tx1="dk1" bg2="lt2" tx2="dk2" accent1="accent1" accent2="accent2" accent3="accent3" accent4="accent4" accent5="accent5" accent6="accent6" hlink="hlink" folHlink="folHlink"/>
   </p:clrMapOvr>
-  <p:transition spd="med">
+  <p:transition xmlns:p14="http://schemas.microsoft.com/office/powerpoint/2010/main" spd="med">
     <p:fade/>
   </p:transition>
 </p:sldLayout>
@@ -14957,14 +15009,14 @@
           </a:ln>
           <a:extLst>
             <a:ext uri="{909E8E84-426E-40dd-AFC4-6F175D3DCCD1}">
-              <a14:hiddenFill xmlns:a14="http://schemas.microsoft.com/office/drawing/2010/main" xmlns="">
+              <a14:hiddenFill xmlns:a14="http://schemas.microsoft.com/office/drawing/2010/main">
                 <a:solidFill>
                   <a:srgbClr val="FFFFFF"/>
                 </a:solidFill>
               </a14:hiddenFill>
             </a:ext>
             <a:ext uri="{91240B29-F687-4f45-9708-019B960494DF}">
-              <a14:hiddenLine xmlns:a14="http://schemas.microsoft.com/office/drawing/2010/main" xmlns="" w="9525">
+              <a14:hiddenLine xmlns:a14="http://schemas.microsoft.com/office/drawing/2010/main" w="9525">
                 <a:solidFill>
                   <a:srgbClr val="000000"/>
                 </a:solidFill>
@@ -15205,7 +15257,7 @@
   <p:clrMapOvr>
     <a:overrideClrMapping bg1="lt1" tx1="dk1" bg2="lt2" tx2="dk2" accent1="accent1" accent2="accent2" accent3="accent3" accent4="accent4" accent5="accent5" accent6="accent6" hlink="hlink" folHlink="folHlink"/>
   </p:clrMapOvr>
-  <p:transition spd="med">
+  <p:transition xmlns:p14="http://schemas.microsoft.com/office/powerpoint/2010/main" spd="med">
     <p:fade/>
   </p:transition>
 </p:sldLayout>
@@ -15411,7 +15463,7 @@
   <p:clrMapOvr>
     <a:overrideClrMapping bg1="lt1" tx1="dk1" bg2="lt2" tx2="dk2" accent1="accent1" accent2="accent2" accent3="accent3" accent4="accent4" accent5="accent5" accent6="accent6" hlink="hlink" folHlink="folHlink"/>
   </p:clrMapOvr>
-  <p:transition spd="med">
+  <p:transition xmlns:p14="http://schemas.microsoft.com/office/powerpoint/2010/main" spd="med">
     <p:fade/>
   </p:transition>
 </p:sldLayout>
@@ -15487,14 +15539,14 @@
           </a:ln>
           <a:extLst>
             <a:ext uri="{909E8E84-426E-40dd-AFC4-6F175D3DCCD1}">
-              <a14:hiddenFill xmlns:a14="http://schemas.microsoft.com/office/drawing/2010/main" xmlns="">
+              <a14:hiddenFill xmlns:a14="http://schemas.microsoft.com/office/drawing/2010/main">
                 <a:solidFill>
                   <a:srgbClr val="FFFFFF"/>
                 </a:solidFill>
               </a14:hiddenFill>
             </a:ext>
             <a:ext uri="{91240B29-F687-4f45-9708-019B960494DF}">
-              <a14:hiddenLine xmlns:a14="http://schemas.microsoft.com/office/drawing/2010/main" xmlns="" w="9525">
+              <a14:hiddenLine xmlns:a14="http://schemas.microsoft.com/office/drawing/2010/main" w="9525">
                 <a:solidFill>
                   <a:srgbClr val="000000"/>
                 </a:solidFill>
@@ -15742,7 +15794,7 @@
   <p:clrMapOvr>
     <a:overrideClrMapping bg1="lt1" tx1="dk1" bg2="lt2" tx2="dk2" accent1="accent1" accent2="accent2" accent3="accent3" accent4="accent4" accent5="accent5" accent6="accent6" hlink="hlink" folHlink="folHlink"/>
   </p:clrMapOvr>
-  <p:transition spd="med">
+  <p:transition xmlns:p14="http://schemas.microsoft.com/office/powerpoint/2010/main" spd="med">
     <p:fade/>
   </p:transition>
 </p:sldLayout>
@@ -15950,7 +16002,7 @@
   <p:clrMapOvr>
     <a:overrideClrMapping bg1="lt1" tx1="dk1" bg2="lt2" tx2="dk2" accent1="accent1" accent2="accent2" accent3="accent3" accent4="accent4" accent5="accent5" accent6="accent6" hlink="hlink" folHlink="folHlink"/>
   </p:clrMapOvr>
-  <p:transition spd="med">
+  <p:transition xmlns:p14="http://schemas.microsoft.com/office/powerpoint/2010/main" spd="med">
     <p:fade/>
   </p:transition>
 </p:sldLayout>
@@ -16026,14 +16078,14 @@
           </a:ln>
           <a:extLst>
             <a:ext uri="{909E8E84-426E-40dd-AFC4-6F175D3DCCD1}">
-              <a14:hiddenFill xmlns:a14="http://schemas.microsoft.com/office/drawing/2010/main" xmlns="">
+              <a14:hiddenFill xmlns:a14="http://schemas.microsoft.com/office/drawing/2010/main">
                 <a:solidFill>
                   <a:srgbClr val="FFFFFF"/>
                 </a:solidFill>
               </a14:hiddenFill>
             </a:ext>
             <a:ext uri="{91240B29-F687-4f45-9708-019B960494DF}">
-              <a14:hiddenLine xmlns:a14="http://schemas.microsoft.com/office/drawing/2010/main" xmlns="" w="9525">
+              <a14:hiddenLine xmlns:a14="http://schemas.microsoft.com/office/drawing/2010/main" w="9525">
                 <a:solidFill>
                   <a:srgbClr val="000000"/>
                 </a:solidFill>
@@ -16301,7 +16353,7 @@
   <p:clrMapOvr>
     <a:overrideClrMapping bg1="lt1" tx1="dk1" bg2="lt2" tx2="dk2" accent1="accent1" accent2="accent2" accent3="accent3" accent4="accent4" accent5="accent5" accent6="accent6" hlink="hlink" folHlink="folHlink"/>
   </p:clrMapOvr>
-  <p:transition spd="med">
+  <p:transition xmlns:p14="http://schemas.microsoft.com/office/powerpoint/2010/main" spd="med">
     <p:fade/>
   </p:transition>
 </p:sldLayout>
@@ -16529,7 +16581,7 @@
   <p:clrMapOvr>
     <a:overrideClrMapping bg1="lt1" tx1="dk1" bg2="lt2" tx2="dk2" accent1="accent1" accent2="accent2" accent3="accent3" accent4="accent4" accent5="accent5" accent6="accent6" hlink="hlink" folHlink="folHlink"/>
   </p:clrMapOvr>
-  <p:transition spd="med">
+  <p:transition xmlns:p14="http://schemas.microsoft.com/office/powerpoint/2010/main" spd="med">
     <p:fade/>
   </p:transition>
 </p:sldLayout>
@@ -16817,7 +16869,7 @@
   <p:clrMapOvr>
     <a:overrideClrMapping bg1="lt1" tx1="dk1" bg2="lt2" tx2="dk2" accent1="accent1" accent2="accent2" accent3="accent3" accent4="accent4" accent5="accent5" accent6="accent6" hlink="hlink" folHlink="folHlink"/>
   </p:clrMapOvr>
-  <p:transition spd="med">
+  <p:transition xmlns:p14="http://schemas.microsoft.com/office/powerpoint/2010/main" spd="med">
     <p:fade/>
   </p:transition>
 </p:sldLayout>
@@ -16973,14 +17025,14 @@
           </a:ln>
           <a:extLst>
             <a:ext uri="{909E8E84-426E-40dd-AFC4-6F175D3DCCD1}">
-              <a14:hiddenFill xmlns:a14="http://schemas.microsoft.com/office/drawing/2010/main" xmlns="">
+              <a14:hiddenFill xmlns:a14="http://schemas.microsoft.com/office/drawing/2010/main">
                 <a:solidFill>
                   <a:srgbClr val="FFFFFF"/>
                 </a:solidFill>
               </a14:hiddenFill>
             </a:ext>
             <a:ext uri="{91240B29-F687-4f45-9708-019B960494DF}">
-              <a14:hiddenLine xmlns:a14="http://schemas.microsoft.com/office/drawing/2010/main" xmlns="" w="9525">
+              <a14:hiddenLine xmlns:a14="http://schemas.microsoft.com/office/drawing/2010/main" w="9525">
                 <a:solidFill>
                   <a:srgbClr val="000000"/>
                 </a:solidFill>
@@ -17221,13 +17273,13 @@
     <p:sldLayoutId id="2147483867" r:id="rId13"/>
     <p:sldLayoutId id="2147483870" r:id="rId14"/>
   </p:sldLayoutIdLst>
-  <p:transition spd="med">
+  <p:transition xmlns:p14="http://schemas.microsoft.com/office/powerpoint/2010/main" spd="med">
     <p:fade/>
   </p:transition>
   <p:timing>
     <p:tnLst>
       <p:par>
-        <p:cTn id="1" dur="indefinite" restart="never" nodeType="tmRoot"/>
+        <p:cTn xmlns:p14="http://schemas.microsoft.com/office/powerpoint/2010/main" id="1" dur="indefinite" restart="never" nodeType="tmRoot"/>
       </p:par>
     </p:tnLst>
   </p:timing>
@@ -17755,14 +17807,14 @@
           </a:ln>
           <a:extLst>
             <a:ext uri="{909E8E84-426E-40dd-AFC4-6F175D3DCCD1}">
-              <a14:hiddenFill xmlns:a14="http://schemas.microsoft.com/office/drawing/2010/main" xmlns="">
+              <a14:hiddenFill xmlns:a14="http://schemas.microsoft.com/office/drawing/2010/main">
                 <a:solidFill>
                   <a:srgbClr val="FFFFFF"/>
                 </a:solidFill>
               </a14:hiddenFill>
             </a:ext>
             <a:ext uri="{91240B29-F687-4f45-9708-019B960494DF}">
-              <a14:hiddenLine xmlns:a14="http://schemas.microsoft.com/office/drawing/2010/main" xmlns="" w="9525">
+              <a14:hiddenLine xmlns:a14="http://schemas.microsoft.com/office/drawing/2010/main" w="9525">
                 <a:solidFill>
                   <a:srgbClr val="000000"/>
                 </a:solidFill>
@@ -18074,13 +18126,13 @@
     <p:sldLayoutId id="2147483868" r:id="rId9"/>
     <p:sldLayoutId id="2147483869" r:id="rId10"/>
   </p:sldLayoutIdLst>
-  <p:transition spd="med">
+  <p:transition xmlns:p14="http://schemas.microsoft.com/office/powerpoint/2010/main" spd="med">
     <p:fade/>
   </p:transition>
   <p:timing>
     <p:tnLst>
       <p:par>
-        <p:cTn id="1" dur="indefinite" restart="never" nodeType="tmRoot"/>
+        <p:cTn xmlns:p14="http://schemas.microsoft.com/office/powerpoint/2010/main" id="1" dur="indefinite" restart="never" nodeType="tmRoot"/>
       </p:par>
     </p:tnLst>
   </p:timing>
@@ -18574,13 +18626,13 @@
   <p:clrMapOvr>
     <a:masterClrMapping/>
   </p:clrMapOvr>
-  <p:transition spd="med">
+  <p:transition xmlns:p14="http://schemas.microsoft.com/office/powerpoint/2010/main" spd="med">
     <p:fade/>
   </p:transition>
   <p:timing>
     <p:tnLst>
       <p:par>
-        <p:cTn id="1" dur="indefinite" restart="never" nodeType="tmRoot"/>
+        <p:cTn xmlns:p14="http://schemas.microsoft.com/office/powerpoint/2010/main" id="1" dur="indefinite" restart="never" nodeType="tmRoot"/>
       </p:par>
     </p:tnLst>
   </p:timing>
@@ -18712,7 +18764,11 @@
             </a:r>
             <a:r>
               <a:rPr lang="en-US" sz="2000" dirty="0" smtClean="0"/>
-              <a:t>/apache/admins/html')</a:t>
+              <a:t>/apache/</a:t>
+            </a:r>
+            <a:r>
+              <a:rPr lang="en-US" sz="2000" dirty="0" smtClean="0"/>
+              <a:t>admins/html')</a:t>
             </a:r>
             <a:endParaRPr lang="en-US" sz="2000" dirty="0"/>
           </a:p>
@@ -18857,7 +18913,11 @@
             </a:r>
             <a:r>
               <a:rPr lang="en-US" sz="2000" dirty="0" smtClean="0"/>
-              <a:t>/apache/admins/html/</a:t>
+              <a:t>/apache/</a:t>
+            </a:r>
+            <a:r>
+              <a:rPr lang="en-US" sz="2000" dirty="0" smtClean="0"/>
+              <a:t>admins/html/</a:t>
             </a:r>
             <a:r>
               <a:rPr lang="en-US" sz="2000" dirty="0" err="1" smtClean="0"/>
@@ -18918,7 +18978,23 @@
           <a:p>
             <a:r>
               <a:rPr lang="en-US" dirty="0" smtClean="0"/>
-              <a:t>~/apache/spec/unit/recipes/</a:t>
+              <a:t>~</a:t>
+            </a:r>
+            <a:r>
+              <a:rPr lang="en-US" dirty="0" smtClean="0"/>
+              <a:t>/</a:t>
+            </a:r>
+            <a:r>
+              <a:rPr lang="en-US" dirty="0" err="1" smtClean="0"/>
+              <a:t>httpd</a:t>
+            </a:r>
+            <a:r>
+              <a:rPr lang="en-US" dirty="0" smtClean="0"/>
+              <a:t>/</a:t>
+            </a:r>
+            <a:r>
+              <a:rPr lang="en-US" dirty="0" smtClean="0"/>
+              <a:t>spec/unit/recipes/</a:t>
             </a:r>
             <a:r>
               <a:rPr lang="en-US" dirty="0" err="1" smtClean="0"/>
@@ -18938,13 +19014,13 @@
   <p:clrMapOvr>
     <a:masterClrMapping/>
   </p:clrMapOvr>
-  <p:transition spd="med">
+  <p:transition xmlns:p14="http://schemas.microsoft.com/office/powerpoint/2010/main" spd="med">
     <p:fade/>
   </p:transition>
   <p:timing>
     <p:tnLst>
       <p:par>
-        <p:cTn id="1" dur="indefinite" restart="never" nodeType="tmRoot"/>
+        <p:cTn xmlns:p14="http://schemas.microsoft.com/office/powerpoint/2010/main" id="1" dur="indefinite" restart="never" nodeType="tmRoot"/>
       </p:par>
     </p:tnLst>
   </p:timing>
@@ -19036,12 +19112,28 @@
           <a:p>
             <a:r>
               <a:rPr lang="en-US" sz="2000" dirty="0" smtClean="0"/>
-              <a:t>end # describe 'apache::default</a:t>
-            </a:r>
-            <a:r>
-              <a:rPr lang="en-US" sz="2000" dirty="0"/>
+              <a:t>end # describe </a:t>
+            </a:r>
+            <a:r>
+              <a:rPr lang="en-US" sz="2000" dirty="0" smtClean="0"/>
               <a:t>'</a:t>
             </a:r>
+            <a:r>
+              <a:rPr lang="en-US" sz="2000" dirty="0" err="1" smtClean="0"/>
+              <a:t>httpd</a:t>
+            </a:r>
+            <a:r>
+              <a:rPr lang="en-US" sz="2000" dirty="0" smtClean="0"/>
+              <a:t>:</a:t>
+            </a:r>
+            <a:r>
+              <a:rPr lang="en-US" sz="2000" dirty="0" smtClean="0"/>
+              <a:t>:default</a:t>
+            </a:r>
+            <a:r>
+              <a:rPr lang="en-US" sz="2000" dirty="0"/>
+              <a:t>'</a:t>
+            </a:r>
             <a:endParaRPr lang="en-US" sz="2000" dirty="0" smtClean="0"/>
           </a:p>
         </p:txBody>
@@ -19063,7 +19155,23 @@
           <a:p>
             <a:r>
               <a:rPr lang="en-US" dirty="0" smtClean="0"/>
-              <a:t>~/apache/spec/unit/recipes/</a:t>
+              <a:t>~</a:t>
+            </a:r>
+            <a:r>
+              <a:rPr lang="en-US" dirty="0" smtClean="0"/>
+              <a:t>/</a:t>
+            </a:r>
+            <a:r>
+              <a:rPr lang="en-US" dirty="0" err="1" smtClean="0"/>
+              <a:t>httpd</a:t>
+            </a:r>
+            <a:r>
+              <a:rPr lang="en-US" dirty="0" smtClean="0"/>
+              <a:t>/</a:t>
+            </a:r>
+            <a:r>
+              <a:rPr lang="en-US" dirty="0" smtClean="0"/>
+              <a:t>spec/unit/recipes/</a:t>
             </a:r>
             <a:r>
               <a:rPr lang="en-US" dirty="0" err="1" smtClean="0"/>
@@ -19083,13 +19191,13 @@
   <p:clrMapOvr>
     <a:masterClrMapping/>
   </p:clrMapOvr>
-  <p:transition spd="med">
+  <p:transition xmlns:p14="http://schemas.microsoft.com/office/powerpoint/2010/main" spd="med">
     <p:fade/>
   </p:transition>
   <p:timing>
     <p:tnLst>
       <p:par>
-        <p:cTn id="1" dur="indefinite" restart="never" nodeType="tmRoot"/>
+        <p:cTn xmlns:p14="http://schemas.microsoft.com/office/powerpoint/2010/main" id="1" dur="indefinite" restart="never" nodeType="tmRoot"/>
       </p:par>
     </p:tnLst>
   </p:timing>
@@ -19130,81 +19238,16 @@
           <a:p>
             <a:r>
               <a:rPr lang="en-US" dirty="0"/>
-              <a:t>/opt/</a:t>
-            </a:r>
-            <a:r>
-              <a:rPr lang="en-US" dirty="0" err="1"/>
-              <a:t>chefdk</a:t>
-            </a:r>
+              <a:t>........</a:t>
+            </a:r>
+          </a:p>
+          <a:p>
+            <a:endParaRPr lang="en-US" dirty="0"/>
+          </a:p>
+          <a:p>
             <a:r>
               <a:rPr lang="en-US" dirty="0"/>
-              <a:t>/embedded/lib/ruby/gems/2.1.0/gems/httpclient-2.6.0.1/lib/</a:t>
-            </a:r>
-            <a:r>
-              <a:rPr lang="en-US" dirty="0" err="1"/>
-              <a:t>httpclient</a:t>
-            </a:r>
-            <a:r>
-              <a:rPr lang="en-US" dirty="0"/>
-              <a:t>/webagent-cookie.rb:458: warning: already initialized constant </a:t>
-            </a:r>
-            <a:r>
-              <a:rPr lang="en-US" dirty="0" err="1"/>
-              <a:t>HTTPClient</a:t>
-            </a:r>
-            <a:r>
-              <a:rPr lang="en-US" dirty="0"/>
-              <a:t>::</a:t>
-            </a:r>
-            <a:r>
-              <a:rPr lang="en-US" dirty="0" err="1"/>
-              <a:t>CookieManager</a:t>
-            </a:r>
-            <a:endParaRPr lang="en-US" dirty="0"/>
-          </a:p>
-          <a:p>
-            <a:r>
-              <a:rPr lang="en-US" dirty="0"/>
-              <a:t>/opt/</a:t>
-            </a:r>
-            <a:r>
-              <a:rPr lang="en-US" dirty="0" err="1"/>
-              <a:t>chefdk</a:t>
-            </a:r>
-            <a:r>
-              <a:rPr lang="en-US" dirty="0"/>
-              <a:t>/embedded/lib/ruby/gems/2.1.0/gems/httpclient-2.6.0.1/lib/</a:t>
-            </a:r>
-            <a:r>
-              <a:rPr lang="en-US" dirty="0" err="1"/>
-              <a:t>httpclient</a:t>
-            </a:r>
-            <a:r>
-              <a:rPr lang="en-US" dirty="0"/>
-              <a:t>/cookie.rb:8: warning: previous definition of </a:t>
-            </a:r>
-            <a:r>
-              <a:rPr lang="en-US" dirty="0" err="1"/>
-              <a:t>CookieManager</a:t>
-            </a:r>
-            <a:r>
-              <a:rPr lang="en-US" dirty="0"/>
-              <a:t> was here</a:t>
-            </a:r>
-          </a:p>
-          <a:p>
-            <a:r>
-              <a:rPr lang="en-US" dirty="0"/>
-              <a:t>........</a:t>
-            </a:r>
-          </a:p>
-          <a:p>
-            <a:endParaRPr lang="en-US" dirty="0"/>
-          </a:p>
-          <a:p>
-            <a:r>
-              <a:rPr lang="en-US" dirty="0"/>
-              <a:t>Finished in 1.09 seconds (files took 8.8 seconds to load)</a:t>
+              <a:t>Finished in 0.92866 seconds (files took 2.76 seconds to load)</a:t>
             </a:r>
           </a:p>
           <a:p>
@@ -19212,6 +19255,7 @@
               <a:rPr lang="en-US" dirty="0"/>
               <a:t>8 examples, 0 failures</a:t>
             </a:r>
+            <a:endParaRPr lang="en-US" dirty="0"/>
           </a:p>
         </p:txBody>
       </p:sp>
@@ -19275,7 +19319,7 @@
   <p:clrMapOvr>
     <a:masterClrMapping/>
   </p:clrMapOvr>
-  <p:transition spd="med">
+  <p:transition xmlns:p14="http://schemas.microsoft.com/office/powerpoint/2010/main" spd="med">
     <p:fade/>
   </p:transition>
 </p:sld>
@@ -19416,13 +19460,13 @@
   <p:clrMapOvr>
     <a:masterClrMapping/>
   </p:clrMapOvr>
-  <p:transition spd="med">
+  <p:transition xmlns:p14="http://schemas.microsoft.com/office/powerpoint/2010/main" spd="med">
     <p:fade/>
   </p:transition>
   <p:timing>
     <p:tnLst>
       <p:par>
-        <p:cTn id="1" dur="indefinite" restart="never" nodeType="tmRoot"/>
+        <p:cTn xmlns:p14="http://schemas.microsoft.com/office/powerpoint/2010/main" id="1" dur="indefinite" restart="never" nodeType="tmRoot"/>
       </p:par>
     </p:tnLst>
   </p:timing>
@@ -19492,7 +19536,7 @@
               </a:lnSpc>
             </a:pPr>
             <a:r>
-              <a:rPr lang="en-US" sz="2000" dirty="0"/>
+              <a:rPr lang="en-US" sz="2400" dirty="0"/>
               <a:t>#</a:t>
             </a:r>
           </a:p>
@@ -19503,9 +19547,14 @@
               </a:lnSpc>
             </a:pPr>
             <a:r>
-              <a:rPr lang="en-US" sz="2000" dirty="0"/>
-              <a:t># Cookbook Name:: apache</a:t>
-            </a:r>
+              <a:rPr lang="en-US" sz="2400" dirty="0"/>
+              <a:t># Cookbook Name:: </a:t>
+            </a:r>
+            <a:r>
+              <a:rPr lang="en-US" sz="2400" dirty="0" err="1" smtClean="0"/>
+              <a:t>httpd</a:t>
+            </a:r>
+            <a:endParaRPr lang="en-US" sz="2400" dirty="0"/>
           </a:p>
           <a:p>
             <a:pPr>
@@ -19514,7 +19563,7 @@
               </a:lnSpc>
             </a:pPr>
             <a:r>
-              <a:rPr lang="en-US" sz="2000" dirty="0"/>
+              <a:rPr lang="en-US" sz="2400" dirty="0"/>
               <a:t># Recipe:: default</a:t>
             </a:r>
           </a:p>
@@ -19525,7 +19574,7 @@
               </a:lnSpc>
             </a:pPr>
             <a:r>
-              <a:rPr lang="en-US" sz="2000" dirty="0"/>
+              <a:rPr lang="en-US" sz="2400" dirty="0"/>
               <a:t>#</a:t>
             </a:r>
           </a:p>
@@ -19536,7 +19585,7 @@
               </a:lnSpc>
             </a:pPr>
             <a:r>
-              <a:rPr lang="en-US" sz="2000" dirty="0"/>
+              <a:rPr lang="en-US" sz="2400" dirty="0"/>
               <a:t># Copyright (c) 2016 The Authors, All Rights Reserved.</a:t>
             </a:r>
           </a:p>
@@ -19547,15 +19596,15 @@
               </a:lnSpc>
             </a:pPr>
             <a:r>
-              <a:rPr lang="en-US" sz="2000" dirty="0"/>
+              <a:rPr lang="en-US" sz="2400" dirty="0"/>
               <a:t>package '</a:t>
             </a:r>
             <a:r>
-              <a:rPr lang="en-US" sz="2000" dirty="0" err="1"/>
+              <a:rPr lang="en-US" sz="2400" dirty="0" err="1"/>
               <a:t>httpd</a:t>
             </a:r>
             <a:r>
-              <a:rPr lang="en-US" sz="2000" dirty="0" smtClean="0"/>
+              <a:rPr lang="en-US" sz="2400" dirty="0" smtClean="0"/>
               <a:t>'</a:t>
             </a:r>
           </a:p>
@@ -19565,7 +19614,7 @@
                 <a:spcPct val="80000"/>
               </a:lnSpc>
             </a:pPr>
-            <a:endParaRPr lang="en-US" sz="2000" dirty="0" smtClean="0"/>
+            <a:endParaRPr lang="en-US" sz="2400" dirty="0" smtClean="0"/>
           </a:p>
           <a:p>
             <a:pPr>
@@ -19574,23 +19623,23 @@
               </a:lnSpc>
             </a:pPr>
             <a:r>
-              <a:rPr lang="en-US" sz="2000" dirty="0"/>
+              <a:rPr lang="en-US" sz="2400" dirty="0"/>
               <a:t>file '/</a:t>
             </a:r>
             <a:r>
-              <a:rPr lang="en-US" sz="2000" dirty="0" err="1"/>
+              <a:rPr lang="en-US" sz="2400" dirty="0" err="1"/>
               <a:t>var</a:t>
             </a:r>
             <a:r>
-              <a:rPr lang="en-US" sz="2000" dirty="0"/>
+              <a:rPr lang="en-US" sz="2400" dirty="0"/>
               <a:t>/www/html/</a:t>
             </a:r>
             <a:r>
-              <a:rPr lang="en-US" sz="2000" dirty="0" err="1"/>
+              <a:rPr lang="en-US" sz="2400" dirty="0" err="1"/>
               <a:t>index.html</a:t>
             </a:r>
             <a:r>
-              <a:rPr lang="en-US" sz="2000" dirty="0"/>
+              <a:rPr lang="en-US" sz="2400" dirty="0"/>
               <a:t>' do</a:t>
             </a:r>
           </a:p>
@@ -19601,15 +19650,15 @@
               </a:lnSpc>
             </a:pPr>
             <a:r>
-              <a:rPr lang="en-US" sz="2000" dirty="0"/>
+              <a:rPr lang="en-US" sz="2400" dirty="0"/>
               <a:t>  content '&lt;</a:t>
             </a:r>
             <a:r>
-              <a:rPr lang="en-US" sz="2000" dirty="0" smtClean="0"/>
+              <a:rPr lang="en-US" sz="2400" dirty="0" smtClean="0"/>
               <a:t>h1&gt;Welcome home!&lt;/</a:t>
             </a:r>
             <a:r>
-              <a:rPr lang="en-US" sz="2000" dirty="0"/>
+              <a:rPr lang="en-US" sz="2400" dirty="0"/>
               <a:t>h1&gt;'</a:t>
             </a:r>
           </a:p>
@@ -19620,7 +19669,7 @@
               </a:lnSpc>
             </a:pPr>
             <a:r>
-              <a:rPr lang="en-US" sz="2000" dirty="0"/>
+              <a:rPr lang="en-US" sz="2400" dirty="0"/>
               <a:t>end</a:t>
             </a:r>
           </a:p>
@@ -19630,7 +19679,7 @@
                 <a:spcPct val="80000"/>
               </a:lnSpc>
             </a:pPr>
-            <a:endParaRPr lang="en-US" sz="2000" dirty="0"/>
+            <a:endParaRPr lang="en-US" sz="2400" dirty="0"/>
           </a:p>
           <a:p>
             <a:pPr>
@@ -19639,10 +19688,10 @@
               </a:lnSpc>
             </a:pPr>
             <a:r>
-              <a:rPr lang="en-US" sz="2000" dirty="0" smtClean="0"/>
+              <a:rPr lang="en-US" sz="2400" dirty="0" smtClean="0"/>
               <a:t># ... CONTINUES ON THE NEXT SLIDE ...</a:t>
             </a:r>
-            <a:endParaRPr lang="en-US" sz="2000" dirty="0"/>
+            <a:endParaRPr lang="en-US" sz="2400" dirty="0"/>
           </a:p>
         </p:txBody>
       </p:sp>
@@ -19663,7 +19712,23 @@
           <a:p>
             <a:r>
               <a:rPr lang="en-US" dirty="0" smtClean="0"/>
-              <a:t>~/apache/recipes/</a:t>
+              <a:t>~</a:t>
+            </a:r>
+            <a:r>
+              <a:rPr lang="en-US" dirty="0" smtClean="0"/>
+              <a:t>/</a:t>
+            </a:r>
+            <a:r>
+              <a:rPr lang="en-US" dirty="0" err="1" smtClean="0"/>
+              <a:t>httpd</a:t>
+            </a:r>
+            <a:r>
+              <a:rPr lang="en-US" dirty="0" smtClean="0"/>
+              <a:t>/</a:t>
+            </a:r>
+            <a:r>
+              <a:rPr lang="en-US" dirty="0" smtClean="0"/>
+              <a:t>recipes/</a:t>
             </a:r>
             <a:r>
               <a:rPr lang="en-US" dirty="0" err="1" smtClean="0"/>
@@ -19683,7 +19748,7 @@
   <p:clrMapOvr>
     <a:masterClrMapping/>
   </p:clrMapOvr>
-  <p:transition spd="med">
+  <p:transition xmlns:p14="http://schemas.microsoft.com/office/powerpoint/2010/main" spd="med">
     <p:fade/>
   </p:transition>
 </p:sld>
@@ -19922,19 +19987,23 @@
             </a:r>
             <a:r>
               <a:rPr lang="en-US" sz="2000" dirty="0" smtClean="0"/>
-              <a:t>(:</a:t>
-            </a:r>
-            <a:r>
-              <a:rPr lang="en-US" sz="2000" dirty="0" err="1"/>
+              <a:t>(</a:t>
+            </a:r>
+            <a:r>
+              <a:rPr lang="en-US" sz="2000" dirty="0" err="1" smtClean="0"/>
               <a:t>document_root</a:t>
             </a:r>
             <a:r>
               <a:rPr lang="en-US" sz="2000" dirty="0"/>
-              <a:t> =&gt; </a:t>
+              <a:t>:</a:t>
             </a:r>
             <a:r>
               <a:rPr lang="en-US" sz="2000" dirty="0" smtClean="0"/>
-              <a:t>'/</a:t>
+              <a:t>'</a:t>
+            </a:r>
+            <a:r>
+              <a:rPr lang="en-US" sz="2000" dirty="0" smtClean="0"/>
+              <a:t>/</a:t>
             </a:r>
             <a:r>
               <a:rPr lang="en-US" sz="2000" dirty="0" err="1" smtClean="0"/>
@@ -19942,11 +20011,11 @@
             </a:r>
             <a:r>
               <a:rPr lang="en-US" sz="2000" dirty="0" smtClean="0"/>
-              <a:t>/apache/admins/html', :</a:t>
-            </a:r>
-            <a:r>
-              <a:rPr lang="en-US" sz="2000" dirty="0"/>
-              <a:t>port =&gt; </a:t>
+              <a:t>/apache/admins/html', </a:t>
+            </a:r>
+            <a:r>
+              <a:rPr lang="en-US" sz="2000" dirty="0" smtClean="0"/>
+              <a:t>port: </a:t>
             </a:r>
             <a:r>
               <a:rPr lang="en-US" sz="2000" dirty="0" smtClean="0"/>
@@ -20089,7 +20158,23 @@
           <a:p>
             <a:r>
               <a:rPr lang="en-US" dirty="0" smtClean="0"/>
-              <a:t>~/apache/recipes/</a:t>
+              <a:t>~</a:t>
+            </a:r>
+            <a:r>
+              <a:rPr lang="en-US" dirty="0" smtClean="0"/>
+              <a:t>/</a:t>
+            </a:r>
+            <a:r>
+              <a:rPr lang="en-US" dirty="0" err="1" smtClean="0"/>
+              <a:t>httpd</a:t>
+            </a:r>
+            <a:r>
+              <a:rPr lang="en-US" dirty="0" smtClean="0"/>
+              <a:t>/</a:t>
+            </a:r>
+            <a:r>
+              <a:rPr lang="en-US" dirty="0" smtClean="0"/>
+              <a:t>recipes/</a:t>
             </a:r>
             <a:r>
               <a:rPr lang="en-US" dirty="0" err="1" smtClean="0"/>
@@ -20109,13 +20194,13 @@
   <p:clrMapOvr>
     <a:masterClrMapping/>
   </p:clrMapOvr>
-  <p:transition spd="med">
+  <p:transition xmlns:p14="http://schemas.microsoft.com/office/powerpoint/2010/main" spd="med">
     <p:fade/>
   </p:transition>
   <p:timing>
     <p:tnLst>
       <p:par>
-        <p:cTn id="1" dur="indefinite" restart="never" nodeType="tmRoot"/>
+        <p:cTn xmlns:p14="http://schemas.microsoft.com/office/powerpoint/2010/main" id="1" dur="indefinite" restart="never" nodeType="tmRoot"/>
       </p:par>
     </p:tnLst>
   </p:timing>
@@ -20273,7 +20358,23 @@
           <a:p>
             <a:r>
               <a:rPr lang="en-US" dirty="0" smtClean="0"/>
-              <a:t>~/apache/recipes/</a:t>
+              <a:t>~</a:t>
+            </a:r>
+            <a:r>
+              <a:rPr lang="en-US" dirty="0" smtClean="0"/>
+              <a:t>/</a:t>
+            </a:r>
+            <a:r>
+              <a:rPr lang="en-US" dirty="0" err="1" smtClean="0"/>
+              <a:t>httpd</a:t>
+            </a:r>
+            <a:r>
+              <a:rPr lang="en-US" dirty="0" smtClean="0"/>
+              <a:t>/</a:t>
+            </a:r>
+            <a:r>
+              <a:rPr lang="en-US" dirty="0" smtClean="0"/>
+              <a:t>recipes/</a:t>
             </a:r>
             <a:r>
               <a:rPr lang="en-US" dirty="0" err="1" smtClean="0"/>
@@ -20293,13 +20394,13 @@
   <p:clrMapOvr>
     <a:masterClrMapping/>
   </p:clrMapOvr>
-  <p:transition spd="med">
+  <p:transition xmlns:p14="http://schemas.microsoft.com/office/powerpoint/2010/main" spd="med">
     <p:fade/>
   </p:transition>
   <p:timing>
     <p:tnLst>
       <p:par>
-        <p:cTn id="1" dur="indefinite" restart="never" nodeType="tmRoot"/>
+        <p:cTn xmlns:p14="http://schemas.microsoft.com/office/powerpoint/2010/main" id="1" dur="indefinite" restart="never" nodeType="tmRoot"/>
       </p:par>
     </p:tnLst>
   </p:timing>
@@ -20441,13 +20542,13 @@
   <p:clrMapOvr>
     <a:masterClrMapping/>
   </p:clrMapOvr>
-  <p:transition spd="med">
+  <p:transition xmlns:p14="http://schemas.microsoft.com/office/powerpoint/2010/main" spd="med">
     <p:fade/>
   </p:transition>
   <p:timing>
     <p:tnLst>
       <p:par>
-        <p:cTn id="1" dur="indefinite" restart="never" nodeType="tmRoot"/>
+        <p:cTn xmlns:p14="http://schemas.microsoft.com/office/powerpoint/2010/main" id="1" dur="indefinite" restart="never" nodeType="tmRoot"/>
       </p:par>
     </p:tnLst>
   </p:timing>
@@ -20572,13 +20673,13 @@
   <p:clrMapOvr>
     <a:masterClrMapping/>
   </p:clrMapOvr>
-  <p:transition spd="med">
+  <p:transition xmlns:p14="http://schemas.microsoft.com/office/powerpoint/2010/main" spd="med">
     <p:fade/>
   </p:transition>
   <p:timing>
     <p:tnLst>
       <p:par>
-        <p:cTn id="1" dur="indefinite" restart="never" nodeType="tmRoot"/>
+        <p:cTn xmlns:p14="http://schemas.microsoft.com/office/powerpoint/2010/main" id="1" dur="indefinite" restart="never" nodeType="tmRoot"/>
       </p:par>
     </p:tnLst>
   </p:timing>
@@ -20652,7 +20753,23 @@
             </a:r>
             <a:r>
               <a:rPr lang="en-US" sz="2000" dirty="0"/>
-              <a:t>/scratch/extending-cookbook/apache/resources] action create</a:t>
+              <a:t>/scratch/extending-cookbook</a:t>
+            </a:r>
+            <a:r>
+              <a:rPr lang="en-US" sz="2000" dirty="0" smtClean="0"/>
+              <a:t>/</a:t>
+            </a:r>
+            <a:r>
+              <a:rPr lang="en-US" sz="2000" dirty="0" err="1" smtClean="0"/>
+              <a:t>httpd</a:t>
+            </a:r>
+            <a:r>
+              <a:rPr lang="en-US" sz="2000" dirty="0" smtClean="0"/>
+              <a:t>/</a:t>
+            </a:r>
+            <a:r>
+              <a:rPr lang="en-US" sz="2000" dirty="0"/>
+              <a:t>resources] action create</a:t>
             </a:r>
           </a:p>
           <a:p>
@@ -20666,7 +20783,23 @@
             </a:r>
             <a:r>
               <a:rPr lang="en-US" sz="2000" dirty="0"/>
-              <a:t>/scratch/extending-cookbook/apache/resources</a:t>
+              <a:t>/scratch/extending-cookbook</a:t>
+            </a:r>
+            <a:r>
+              <a:rPr lang="en-US" sz="2000" dirty="0" smtClean="0"/>
+              <a:t>/</a:t>
+            </a:r>
+            <a:r>
+              <a:rPr lang="en-US" sz="2000" dirty="0" err="1" smtClean="0"/>
+              <a:t>httpd</a:t>
+            </a:r>
+            <a:r>
+              <a:rPr lang="en-US" sz="2000" dirty="0" smtClean="0"/>
+              <a:t>/</a:t>
+            </a:r>
+            <a:r>
+              <a:rPr lang="en-US" sz="2000" dirty="0"/>
+              <a:t>resources</a:t>
             </a:r>
           </a:p>
           <a:p>
@@ -20680,7 +20813,23 @@
             </a:r>
             <a:r>
               <a:rPr lang="en-US" sz="2000" dirty="0"/>
-              <a:t>/scratch/extending-cookbook/apache/resources/</a:t>
+              <a:t>/scratch/extending-cookbook</a:t>
+            </a:r>
+            <a:r>
+              <a:rPr lang="en-US" sz="2000" dirty="0" smtClean="0"/>
+              <a:t>/</a:t>
+            </a:r>
+            <a:r>
+              <a:rPr lang="en-US" sz="2000" dirty="0" err="1" smtClean="0"/>
+              <a:t>httpd</a:t>
+            </a:r>
+            <a:r>
+              <a:rPr lang="en-US" sz="2000" dirty="0" smtClean="0"/>
+              <a:t>/</a:t>
+            </a:r>
+            <a:r>
+              <a:rPr lang="en-US" sz="2000" dirty="0"/>
+              <a:t>resources/</a:t>
             </a:r>
             <a:r>
               <a:rPr lang="en-US" sz="2000" dirty="0" err="1"/>
@@ -20702,7 +20851,23 @@
             </a:r>
             <a:r>
               <a:rPr lang="en-US" sz="2000" dirty="0"/>
-              <a:t>/scratch/extending-cookbook/apache/resources/</a:t>
+              <a:t>/scratch/extending-cookbook</a:t>
+            </a:r>
+            <a:r>
+              <a:rPr lang="en-US" sz="2000" dirty="0" smtClean="0"/>
+              <a:t>/</a:t>
+            </a:r>
+            <a:r>
+              <a:rPr lang="en-US" sz="2000" dirty="0" err="1" smtClean="0"/>
+              <a:t>httpd</a:t>
+            </a:r>
+            <a:r>
+              <a:rPr lang="en-US" sz="2000" dirty="0" smtClean="0"/>
+              <a:t>/</a:t>
+            </a:r>
+            <a:r>
+              <a:rPr lang="en-US" sz="2000" dirty="0"/>
+              <a:t>resources/</a:t>
             </a:r>
             <a:r>
               <a:rPr lang="en-US" sz="2000" dirty="0" err="1"/>
@@ -20721,7 +20886,23 @@
             </a:r>
             <a:r>
               <a:rPr lang="en-US" sz="2000" dirty="0"/>
-              <a:t>/scratch/extending-cookbook/apache/resources/</a:t>
+              <a:t>/scratch/extending-cookbook</a:t>
+            </a:r>
+            <a:r>
+              <a:rPr lang="en-US" sz="2000" dirty="0" smtClean="0"/>
+              <a:t>/</a:t>
+            </a:r>
+            <a:r>
+              <a:rPr lang="en-US" sz="2000" dirty="0" err="1" smtClean="0"/>
+              <a:t>httpd</a:t>
+            </a:r>
+            <a:r>
+              <a:rPr lang="en-US" sz="2000" dirty="0" smtClean="0"/>
+              <a:t>/</a:t>
+            </a:r>
+            <a:r>
+              <a:rPr lang="en-US" sz="2000" dirty="0"/>
+              <a:t>resources/</a:t>
             </a:r>
             <a:r>
               <a:rPr lang="en-US" sz="2000" dirty="0" err="1"/>
@@ -20757,7 +20938,23 @@
             </a:r>
             <a:r>
               <a:rPr lang="en-US" sz="2000" dirty="0"/>
-              <a:t>/scratch/extending-cookbook/apache/providers] action </a:t>
+              <a:t>/scratch/extending-cookbook</a:t>
+            </a:r>
+            <a:r>
+              <a:rPr lang="en-US" sz="2000" dirty="0" smtClean="0"/>
+              <a:t>/</a:t>
+            </a:r>
+            <a:r>
+              <a:rPr lang="en-US" sz="2000" dirty="0" err="1" smtClean="0"/>
+              <a:t>httpd</a:t>
+            </a:r>
+            <a:r>
+              <a:rPr lang="en-US" sz="2000" dirty="0" smtClean="0"/>
+              <a:t>/</a:t>
+            </a:r>
+            <a:r>
+              <a:rPr lang="en-US" sz="2000" dirty="0"/>
+              <a:t>providers] action </a:t>
             </a:r>
             <a:r>
               <a:rPr lang="en-US" sz="2000" dirty="0" smtClean="0"/>
@@ -20859,7 +21056,7 @@
   <p:clrMapOvr>
     <a:masterClrMapping/>
   </p:clrMapOvr>
-  <p:transition spd="med">
+  <p:transition xmlns:p14="http://schemas.microsoft.com/office/powerpoint/2010/main" spd="med">
     <p:fade/>
   </p:transition>
 </p:sld>
@@ -20969,11 +21166,7 @@
             </a:pPr>
             <a:r>
               <a:rPr lang="en-US"/>
-              <a:t>Create custom </a:t>
-            </a:r>
-            <a:r>
-              <a:rPr lang="en-US"/>
-              <a:t>resource </a:t>
+              <a:t>Create custom resource </a:t>
             </a:r>
             <a:r>
               <a:rPr lang="en-US" smtClean="0"/>
@@ -20993,13 +21186,13 @@
   <p:clrMapOvr>
     <a:masterClrMapping/>
   </p:clrMapOvr>
-  <p:transition spd="med">
+  <p:transition xmlns:p14="http://schemas.microsoft.com/office/powerpoint/2010/main" spd="med">
     <p:fade/>
   </p:transition>
   <p:timing>
     <p:tnLst>
       <p:par>
-        <p:cTn id="1" dur="indefinite" restart="never" nodeType="tmRoot"/>
+        <p:cTn xmlns:p14="http://schemas.microsoft.com/office/powerpoint/2010/main" id="1" dur="indefinite" restart="never" nodeType="tmRoot"/>
       </p:par>
     </p:tnLst>
   </p:timing>
@@ -21114,7 +21307,7 @@
   <p:clrMapOvr>
     <a:masterClrMapping/>
   </p:clrMapOvr>
-  <p:transition spd="med">
+  <p:transition xmlns:p14="http://schemas.microsoft.com/office/powerpoint/2010/main" spd="med">
     <p:fade/>
   </p:transition>
 </p:sld>
@@ -21209,7 +21402,23 @@
           <a:p>
             <a:r>
               <a:rPr lang="en-US" dirty="0" smtClean="0"/>
-              <a:t>~/apache/resources/</a:t>
+              <a:t>~</a:t>
+            </a:r>
+            <a:r>
+              <a:rPr lang="en-US" dirty="0" smtClean="0"/>
+              <a:t>/</a:t>
+            </a:r>
+            <a:r>
+              <a:rPr lang="en-US" dirty="0" err="1" smtClean="0"/>
+              <a:t>httpd</a:t>
+            </a:r>
+            <a:r>
+              <a:rPr lang="en-US" dirty="0" smtClean="0"/>
+              <a:t>/</a:t>
+            </a:r>
+            <a:r>
+              <a:rPr lang="en-US" dirty="0" smtClean="0"/>
+              <a:t>resources/</a:t>
             </a:r>
             <a:r>
               <a:rPr lang="en-US" dirty="0" err="1" smtClean="0"/>
@@ -21253,7 +21462,7 @@
   <p:clrMapOvr>
     <a:masterClrMapping/>
   </p:clrMapOvr>
-  <p:transition spd="med">
+  <p:transition xmlns:p14="http://schemas.microsoft.com/office/powerpoint/2010/main" spd="med">
     <p:fade/>
   </p:transition>
 </p:sld>
@@ -21483,19 +21692,23 @@
             </a:r>
             <a:r>
               <a:rPr lang="en-US" sz="2000" dirty="0" smtClean="0"/>
-              <a:t>(:</a:t>
-            </a:r>
-            <a:r>
-              <a:rPr lang="en-US" sz="2000" dirty="0" err="1"/>
+              <a:t>(</a:t>
+            </a:r>
+            <a:r>
+              <a:rPr lang="en-US" sz="2000" dirty="0" err="1" smtClean="0"/>
               <a:t>document_root</a:t>
             </a:r>
             <a:r>
-              <a:rPr lang="en-US" sz="2000" dirty="0"/>
-              <a:t> =&gt; </a:t>
-            </a:r>
-            <a:r>
               <a:rPr lang="en-US" sz="2000" dirty="0" smtClean="0"/>
-              <a:t>'/</a:t>
+              <a:t>: </a:t>
+            </a:r>
+            <a:r>
+              <a:rPr lang="en-US" sz="2000" dirty="0" smtClean="0"/>
+              <a:t>'</a:t>
+            </a:r>
+            <a:r>
+              <a:rPr lang="en-US" sz="2000" dirty="0" smtClean="0"/>
+              <a:t>/</a:t>
             </a:r>
             <a:r>
               <a:rPr lang="en-US" sz="2000" dirty="0" err="1" smtClean="0"/>
@@ -21507,19 +21720,23 @@
             </a:r>
             <a:r>
               <a:rPr lang="en-US" sz="2000" dirty="0" err="1" smtClean="0"/>
-              <a:t>html',:</a:t>
-            </a:r>
-            <a:r>
-              <a:rPr lang="en-US" sz="2000" dirty="0" err="1"/>
-              <a:t>port</a:t>
-            </a:r>
-            <a:r>
-              <a:rPr lang="en-US" sz="2000" dirty="0"/>
-              <a:t> =&gt; </a:t>
+              <a:t>html'</a:t>
+            </a:r>
+            <a:r>
+              <a:rPr lang="en-US" sz="2000" dirty="0" err="1" smtClean="0"/>
+              <a:t>,port</a:t>
             </a:r>
             <a:r>
               <a:rPr lang="en-US" sz="2000" dirty="0" smtClean="0"/>
-              <a:t>8080)</a:t>
+              <a:t>: </a:t>
+            </a:r>
+            <a:r>
+              <a:rPr lang="en-US" sz="2000" dirty="0" smtClean="0"/>
+              <a:t>8080</a:t>
+            </a:r>
+            <a:r>
+              <a:rPr lang="en-US" sz="2000" dirty="0" smtClean="0"/>
+              <a:t>)</a:t>
             </a:r>
             <a:endParaRPr lang="en-US" sz="2000" dirty="0"/>
           </a:p>
@@ -21658,7 +21875,23 @@
           <a:p>
             <a:r>
               <a:rPr lang="en-US" dirty="0" smtClean="0"/>
-              <a:t>~/apache/resources/</a:t>
+              <a:t>~</a:t>
+            </a:r>
+            <a:r>
+              <a:rPr lang="en-US" dirty="0" smtClean="0"/>
+              <a:t>/</a:t>
+            </a:r>
+            <a:r>
+              <a:rPr lang="en-US" dirty="0" err="1" smtClean="0"/>
+              <a:t>httpd</a:t>
+            </a:r>
+            <a:r>
+              <a:rPr lang="en-US" dirty="0" smtClean="0"/>
+              <a:t>/</a:t>
+            </a:r>
+            <a:r>
+              <a:rPr lang="en-US" dirty="0" smtClean="0"/>
+              <a:t>resources/</a:t>
             </a:r>
             <a:r>
               <a:rPr lang="en-US" dirty="0" err="1" smtClean="0"/>
@@ -21702,7 +21935,7 @@
   <p:clrMapOvr>
     <a:masterClrMapping/>
   </p:clrMapOvr>
-  <p:transition spd="med">
+  <p:transition xmlns:p14="http://schemas.microsoft.com/office/powerpoint/2010/main" spd="med">
     <p:fade/>
   </p:transition>
 </p:sld>
@@ -21783,8 +22016,13 @@
             </a:pPr>
             <a:r>
               <a:rPr lang="en-US" sz="2000" dirty="0" smtClean="0"/>
-              <a:t># Cookbook Name:: apache</a:t>
-            </a:r>
+              <a:t># Cookbook Name:: </a:t>
+            </a:r>
+            <a:r>
+              <a:rPr lang="en-US" sz="2000" dirty="0" err="1" smtClean="0"/>
+              <a:t>httpd</a:t>
+            </a:r>
+            <a:endParaRPr lang="en-US" sz="2000" dirty="0" smtClean="0"/>
           </a:p>
           <a:p>
             <a:pPr>
@@ -22030,7 +22268,23 @@
           <a:p>
             <a:r>
               <a:rPr lang="en-US" dirty="0" smtClean="0"/>
-              <a:t>~/apache/recipes/</a:t>
+              <a:t>~</a:t>
+            </a:r>
+            <a:r>
+              <a:rPr lang="en-US" dirty="0" smtClean="0"/>
+              <a:t>/</a:t>
+            </a:r>
+            <a:r>
+              <a:rPr lang="en-US" dirty="0" err="1" smtClean="0"/>
+              <a:t>httpd</a:t>
+            </a:r>
+            <a:r>
+              <a:rPr lang="en-US" dirty="0" smtClean="0"/>
+              <a:t>/</a:t>
+            </a:r>
+            <a:r>
+              <a:rPr lang="en-US" dirty="0" smtClean="0"/>
+              <a:t>recipes/</a:t>
             </a:r>
             <a:r>
               <a:rPr lang="en-US" dirty="0" err="1" smtClean="0"/>
@@ -22074,7 +22328,7 @@
   <p:clrMapOvr>
     <a:masterClrMapping/>
   </p:clrMapOvr>
-  <p:transition spd="med">
+  <p:transition xmlns:p14="http://schemas.microsoft.com/office/powerpoint/2010/main" spd="med">
     <p:fade/>
   </p:transition>
 </p:sld>
@@ -22236,19 +22490,23 @@
             </a:pPr>
             <a:r>
               <a:rPr lang="en-US" sz="2000" dirty="0"/>
-              <a:t>    :</a:t>
-            </a:r>
-            <a:r>
-              <a:rPr lang="en-US" sz="2000" dirty="0" err="1"/>
+              <a:t>    </a:t>
+            </a:r>
+            <a:r>
+              <a:rPr lang="en-US" sz="2000" dirty="0" err="1" smtClean="0"/>
               <a:t>document_root</a:t>
             </a:r>
             <a:r>
-              <a:rPr lang="en-US" sz="2000" dirty="0"/>
-              <a:t> =&gt; </a:t>
-            </a:r>
-            <a:r>
               <a:rPr lang="en-US" sz="2000" dirty="0" smtClean="0"/>
-              <a:t>'/</a:t>
+              <a:t>: </a:t>
+            </a:r>
+            <a:r>
+              <a:rPr lang="en-US" sz="2000" dirty="0" smtClean="0"/>
+              <a:t>'</a:t>
+            </a:r>
+            <a:r>
+              <a:rPr lang="en-US" sz="2000" dirty="0" smtClean="0"/>
+              <a:t>/</a:t>
             </a:r>
             <a:r>
               <a:rPr lang="en-US" sz="2000" dirty="0" err="1" smtClean="0"/>
@@ -22268,8 +22526,13 @@
             </a:pPr>
             <a:r>
               <a:rPr lang="en-US" sz="2000" dirty="0"/>
-              <a:t>    :port =&gt; 8080</a:t>
-            </a:r>
+              <a:t>    </a:t>
+            </a:r>
+            <a:r>
+              <a:rPr lang="en-US" sz="2000" dirty="0" smtClean="0"/>
+              <a:t>port: 8080</a:t>
+            </a:r>
+            <a:endParaRPr lang="en-US" sz="2000" dirty="0"/>
           </a:p>
           <a:p>
             <a:pPr>
@@ -22449,7 +22712,23 @@
           <a:p>
             <a:r>
               <a:rPr lang="en-US" dirty="0" smtClean="0"/>
-              <a:t>~/apache/recipes/</a:t>
+              <a:t>~</a:t>
+            </a:r>
+            <a:r>
+              <a:rPr lang="en-US" dirty="0" smtClean="0"/>
+              <a:t>/</a:t>
+            </a:r>
+            <a:r>
+              <a:rPr lang="en-US" dirty="0" err="1" smtClean="0"/>
+              <a:t>httpd</a:t>
+            </a:r>
+            <a:r>
+              <a:rPr lang="en-US" dirty="0" smtClean="0"/>
+              <a:t>/</a:t>
+            </a:r>
+            <a:r>
+              <a:rPr lang="en-US" dirty="0" smtClean="0"/>
+              <a:t>recipes/</a:t>
             </a:r>
             <a:r>
               <a:rPr lang="en-US" dirty="0" err="1" smtClean="0"/>
@@ -22493,7 +22772,7 @@
   <p:clrMapOvr>
     <a:masterClrMapping/>
   </p:clrMapOvr>
-  <p:transition spd="med">
+  <p:transition xmlns:p14="http://schemas.microsoft.com/office/powerpoint/2010/main" spd="med">
     <p:fade/>
   </p:transition>
 </p:sld>
@@ -22654,11 +22933,11 @@
               </a:lnSpc>
             </a:pPr>
             <a:r>
-              <a:rPr lang="en-US" sz="2000" dirty="0" err="1"/>
-              <a:t>apache_vhost</a:t>
-            </a:r>
-            <a:r>
-              <a:rPr lang="en-US" sz="2000" dirty="0"/>
+              <a:rPr lang="en-US" sz="2000" dirty="0" err="1" smtClean="0"/>
+              <a:t>httpd_vhost</a:t>
+            </a:r>
+            <a:r>
+              <a:rPr lang="en-US" sz="2000" dirty="0" smtClean="0"/>
               <a:t> </a:t>
             </a:r>
             <a:r>
@@ -22760,7 +23039,23 @@
           <a:p>
             <a:r>
               <a:rPr lang="en-US" dirty="0" smtClean="0"/>
-              <a:t>~/apache/recipes/</a:t>
+              <a:t>~</a:t>
+            </a:r>
+            <a:r>
+              <a:rPr lang="en-US" dirty="0" smtClean="0"/>
+              <a:t>/</a:t>
+            </a:r>
+            <a:r>
+              <a:rPr lang="en-US" dirty="0" err="1" smtClean="0"/>
+              <a:t>httpd</a:t>
+            </a:r>
+            <a:r>
+              <a:rPr lang="en-US" dirty="0" smtClean="0"/>
+              <a:t>/</a:t>
+            </a:r>
+            <a:r>
+              <a:rPr lang="en-US" dirty="0" smtClean="0"/>
+              <a:t>recipes/</a:t>
             </a:r>
             <a:r>
               <a:rPr lang="en-US" dirty="0" err="1" smtClean="0"/>
@@ -22804,7 +23099,7 @@
   <p:clrMapOvr>
     <a:masterClrMapping/>
   </p:clrMapOvr>
-  <p:transition spd="med">
+  <p:transition xmlns:p14="http://schemas.microsoft.com/office/powerpoint/2010/main" spd="med">
     <p:fade/>
   </p:transition>
 </p:sld>
@@ -22844,7 +23139,7 @@
           <a:p>
             <a:r>
               <a:rPr lang="en-US" sz="2000" dirty="0"/>
-              <a:t>Finished in 1.21 seconds (files took 7.65 seconds to load)</a:t>
+              <a:t>Finished in 0.9673 seconds (files took 2.72 seconds to load)</a:t>
             </a:r>
           </a:p>
           <a:p>
@@ -22872,7 +23167,15 @@
             </a:r>
             <a:r>
               <a:rPr lang="en-US" sz="2000" dirty="0"/>
-              <a:t> ./spec/unit/recipes/default_spec.rb:39 # apache::default When all attributes are default, on an unspecified platform for the admin site creates the admin directory</a:t>
+              <a:t> ./spec/unit/recipes/default_spec.rb:39 # </a:t>
+            </a:r>
+            <a:r>
+              <a:rPr lang="en-US" sz="2000" dirty="0" err="1"/>
+              <a:t>httpd</a:t>
+            </a:r>
+            <a:r>
+              <a:rPr lang="en-US" sz="2000" dirty="0"/>
+              <a:t>::default When all attributes are default, on an unspecified platform for the admin site creates the directory</a:t>
             </a:r>
           </a:p>
           <a:p>
@@ -22882,7 +23185,23 @@
             </a:r>
             <a:r>
               <a:rPr lang="en-US" sz="2000" dirty="0"/>
-              <a:t> ./spec/unit/recipes/default_spec.rb:43 # apache::default When all attributes are default, on an unspecified platform for the admin site creates an admin configuration</a:t>
+              <a:t> ./spec/unit/recipes/default_spec.rb:43 # </a:t>
+            </a:r>
+            <a:r>
+              <a:rPr lang="en-US" sz="2000" dirty="0" err="1"/>
+              <a:t>httpd</a:t>
+            </a:r>
+            <a:r>
+              <a:rPr lang="en-US" sz="2000" dirty="0"/>
+              <a:t>::default When all attributes are default, on an unspecified platform for the admin site </a:t>
+            </a:r>
+            <a:r>
+              <a:rPr lang="en-US" sz="2000" dirty="0" err="1"/>
+              <a:t>creats</a:t>
+            </a:r>
+            <a:r>
+              <a:rPr lang="en-US" sz="2000" dirty="0"/>
+              <a:t> the configuration</a:t>
             </a:r>
           </a:p>
           <a:p>
@@ -22892,8 +23211,17 @@
             </a:r>
             <a:r>
               <a:rPr lang="en-US" sz="2000" dirty="0"/>
-              <a:t> ./spec/unit/recipes/default_spec.rb:47 # apache::default When all attributes are default, on an unspecified platform for the admin site creates a new home page</a:t>
-            </a:r>
+              <a:t> ./spec/unit/recipes/default_spec.rb:47 # </a:t>
+            </a:r>
+            <a:r>
+              <a:rPr lang="en-US" sz="2000" dirty="0" err="1"/>
+              <a:t>httpd</a:t>
+            </a:r>
+            <a:r>
+              <a:rPr lang="en-US" sz="2000" dirty="0"/>
+              <a:t>::default When all attributes are default, on an unspecified platform for the admin site creates a new home page</a:t>
+            </a:r>
+            <a:endParaRPr lang="en-US" sz="2000" dirty="0"/>
           </a:p>
         </p:txBody>
       </p:sp>
@@ -22981,7 +23309,7 @@
   <p:clrMapOvr>
     <a:masterClrMapping/>
   </p:clrMapOvr>
-  <p:transition spd="med">
+  <p:transition xmlns:p14="http://schemas.microsoft.com/office/powerpoint/2010/main" spd="med">
     <p:fade/>
   </p:transition>
 </p:sld>
@@ -23065,7 +23393,23 @@
           <a:p>
             <a:r>
               <a:rPr lang="en-US" dirty="0"/>
-              <a:t>describe 'apache::default' do</a:t>
+              <a:t>describe </a:t>
+            </a:r>
+            <a:r>
+              <a:rPr lang="en-US" dirty="0" smtClean="0"/>
+              <a:t>'</a:t>
+            </a:r>
+            <a:r>
+              <a:rPr lang="en-US" dirty="0" err="1" smtClean="0"/>
+              <a:t>httpd</a:t>
+            </a:r>
+            <a:r>
+              <a:rPr lang="en-US" dirty="0" smtClean="0"/>
+              <a:t>:</a:t>
+            </a:r>
+            <a:r>
+              <a:rPr lang="en-US" dirty="0"/>
+              <a:t>:default' do</a:t>
             </a:r>
           </a:p>
           <a:p>
@@ -23115,11 +23459,15 @@
             </a:r>
             <a:r>
               <a:rPr lang="en-US" dirty="0" smtClean="0"/>
-              <a:t>: ['</a:t>
+              <a:t>: [</a:t>
+            </a:r>
+            <a:r>
+              <a:rPr lang="en-US" dirty="0" smtClean="0"/>
+              <a:t>'</a:t>
             </a:r>
             <a:r>
               <a:rPr lang="en-US" dirty="0" err="1" smtClean="0"/>
-              <a:t>apache_vhost</a:t>
+              <a:t>httpd_vhost</a:t>
             </a:r>
             <a:r>
               <a:rPr lang="en-US" dirty="0" smtClean="0"/>
@@ -23231,7 +23579,23 @@
           <a:p>
             <a:r>
               <a:rPr lang="en-US" dirty="0" smtClean="0"/>
-              <a:t>~/apache/spec/unit/recipes/</a:t>
+              <a:t>~</a:t>
+            </a:r>
+            <a:r>
+              <a:rPr lang="en-US" dirty="0" smtClean="0"/>
+              <a:t>/</a:t>
+            </a:r>
+            <a:r>
+              <a:rPr lang="en-US" dirty="0" err="1" smtClean="0"/>
+              <a:t>httpd</a:t>
+            </a:r>
+            <a:r>
+              <a:rPr lang="en-US" dirty="0" smtClean="0"/>
+              <a:t>/</a:t>
+            </a:r>
+            <a:r>
+              <a:rPr lang="en-US" dirty="0" smtClean="0"/>
+              <a:t>spec/unit/recipes/</a:t>
             </a:r>
             <a:r>
               <a:rPr lang="en-US" dirty="0" err="1" smtClean="0"/>
@@ -23275,7 +23639,7 @@
   <p:clrMapOvr>
     <a:masterClrMapping/>
   </p:clrMapOvr>
-  <p:transition spd="med">
+  <p:transition xmlns:p14="http://schemas.microsoft.com/office/powerpoint/2010/main" spd="med">
     <p:fade/>
   </p:transition>
 </p:sld>
@@ -23314,25 +23678,25 @@
           <a:lstStyle/>
           <a:p>
             <a:r>
-              <a:rPr lang="en-US" sz="2000" dirty="0" smtClean="0"/>
+              <a:rPr lang="en-US" sz="2000" dirty="0"/>
               <a:t>........</a:t>
             </a:r>
+          </a:p>
+          <a:p>
             <a:endParaRPr lang="en-US" sz="2000" dirty="0"/>
           </a:p>
           <a:p>
+            <a:r>
+              <a:rPr lang="en-US" sz="2000" dirty="0"/>
+              <a:t>Finished in 0.98788 seconds (files took 2.95 seconds to load)</a:t>
+            </a:r>
+          </a:p>
+          <a:p>
+            <a:r>
+              <a:rPr lang="en-US" sz="2000" dirty="0"/>
+              <a:t>8 examples, 0 failures</a:t>
+            </a:r>
             <a:endParaRPr lang="en-US" sz="2000" dirty="0"/>
-          </a:p>
-          <a:p>
-            <a:r>
-              <a:rPr lang="en-US" sz="2000" dirty="0"/>
-              <a:t>Finished in 1.22 seconds (files took 7.58 seconds to load)</a:t>
-            </a:r>
-          </a:p>
-          <a:p>
-            <a:r>
-              <a:rPr lang="en-US" sz="2000" dirty="0"/>
-              <a:t>8 examples, 0 failures</a:t>
-            </a:r>
           </a:p>
         </p:txBody>
       </p:sp>
@@ -23420,13 +23784,13 @@
   <p:clrMapOvr>
     <a:masterClrMapping/>
   </p:clrMapOvr>
-  <p:transition spd="med">
+  <p:transition xmlns:p14="http://schemas.microsoft.com/office/powerpoint/2010/main" spd="med">
     <p:fade/>
   </p:transition>
   <p:timing>
     <p:tnLst>
       <p:par>
-        <p:cTn id="1" dur="indefinite" restart="never" nodeType="tmRoot"/>
+        <p:cTn xmlns:p14="http://schemas.microsoft.com/office/powerpoint/2010/main" id="1" dur="indefinite" restart="never" nodeType="tmRoot"/>
       </p:par>
     </p:tnLst>
   </p:timing>
@@ -23626,13 +23990,13 @@
   <p:clrMapOvr>
     <a:masterClrMapping/>
   </p:clrMapOvr>
-  <p:transition spd="med">
+  <p:transition xmlns:p14="http://schemas.microsoft.com/office/powerpoint/2010/main" spd="med">
     <p:fade/>
   </p:transition>
   <p:timing>
     <p:tnLst>
       <p:par>
-        <p:cTn id="1" dur="indefinite" restart="never" nodeType="tmRoot"/>
+        <p:cTn xmlns:p14="http://schemas.microsoft.com/office/powerpoint/2010/main" id="1" dur="indefinite" restart="never" nodeType="tmRoot"/>
       </p:par>
     </p:tnLst>
   </p:timing>
@@ -23774,13 +24138,13 @@
   <p:clrMapOvr>
     <a:masterClrMapping/>
   </p:clrMapOvr>
-  <p:transition spd="med">
+  <p:transition xmlns:p14="http://schemas.microsoft.com/office/powerpoint/2010/main" spd="med">
     <p:fade/>
   </p:transition>
   <p:timing>
     <p:tnLst>
       <p:par>
-        <p:cTn id="1" dur="indefinite" restart="never" nodeType="tmRoot"/>
+        <p:cTn xmlns:p14="http://schemas.microsoft.com/office/powerpoint/2010/main" id="1" dur="indefinite" restart="never" nodeType="tmRoot"/>
       </p:par>
     </p:tnLst>
   </p:timing>
@@ -23826,11 +24190,7 @@
             </a:pPr>
             <a:r>
               <a:rPr lang="en-US" sz="2000" dirty="0"/>
-              <a:t>-----&gt; Setting up &lt;default-centos-67&gt;..</a:t>
-            </a:r>
-            <a:r>
-              <a:rPr lang="en-US" sz="2000" dirty="0" smtClean="0"/>
-              <a:t>.</a:t>
+              <a:t>-----&gt; Starting Kitchen (v1.11.1)</a:t>
             </a:r>
           </a:p>
           <a:p>
@@ -23840,12 +24200,8 @@
               </a:lnSpc>
             </a:pPr>
             <a:r>
-              <a:rPr lang="en-US" sz="2000" dirty="0" smtClean="0"/>
-              <a:t>-</a:t>
-            </a:r>
-            <a:r>
-              <a:rPr lang="en-US" sz="2000" dirty="0"/>
-              <a:t>----&gt; Verifying &lt;default-centos-67&gt;...</a:t>
+              <a:rPr lang="en-US" sz="2000" dirty="0"/>
+              <a:t>-----&gt; Setting up &lt;default-centos-67&gt;...</a:t>
             </a:r>
           </a:p>
           <a:p>
@@ -23855,12 +24211,8 @@
               </a:lnSpc>
             </a:pPr>
             <a:r>
-              <a:rPr lang="en-US" sz="2000" dirty="0" smtClean="0"/>
-              <a:t>-</a:t>
-            </a:r>
-            <a:r>
-              <a:rPr lang="en-US" sz="2000" dirty="0"/>
-              <a:t>----&gt; Busser installation detected (busser)</a:t>
+              <a:rPr lang="en-US" sz="2000" dirty="0"/>
+              <a:t>       Finished setting up &lt;default-centos-67&gt; (0m0.00s).</a:t>
             </a:r>
           </a:p>
           <a:p>
@@ -23870,20 +24222,8 @@
               </a:lnSpc>
             </a:pPr>
             <a:r>
-              <a:rPr lang="en-US" sz="2000" dirty="0" smtClean="0"/>
-              <a:t>-</a:t>
-            </a:r>
-            <a:r>
-              <a:rPr lang="en-US" sz="2000" dirty="0"/>
-              <a:t>----&gt; Running </a:t>
-            </a:r>
-            <a:r>
-              <a:rPr lang="en-US" sz="2000" dirty="0" err="1"/>
-              <a:t>serverspec</a:t>
-            </a:r>
-            <a:r>
-              <a:rPr lang="en-US" sz="2000" dirty="0"/>
-              <a:t> test suite</a:t>
+              <a:rPr lang="en-US" sz="2000" dirty="0"/>
+              <a:t>-----&gt; Verifying &lt;default-centos-67&gt;...</a:t>
             </a:r>
           </a:p>
           <a:p>
@@ -23893,8 +24233,24 @@
               </a:lnSpc>
             </a:pPr>
             <a:r>
-              <a:rPr lang="en-US" sz="2000" dirty="0" smtClean="0"/>
-              <a:t>       apache::default</a:t>
+              <a:rPr lang="en-US" sz="2000" dirty="0"/>
+              <a:t>       Use `/Users/</a:t>
+            </a:r>
+            <a:r>
+              <a:rPr lang="en-US" sz="2000" dirty="0" err="1"/>
+              <a:t>franklinwebber</a:t>
+            </a:r>
+            <a:r>
+              <a:rPr lang="en-US" sz="2000" dirty="0"/>
+              <a:t>/scratch/</a:t>
+            </a:r>
+            <a:r>
+              <a:rPr lang="en-US" sz="2000" dirty="0" err="1"/>
+              <a:t>httpd</a:t>
+            </a:r>
+            <a:r>
+              <a:rPr lang="en-US" sz="2000" dirty="0"/>
+              <a:t>/test/recipes/default` for testing</a:t>
             </a:r>
           </a:p>
           <a:p>
@@ -23903,22 +24259,7 @@
                 <a:spcPct val="80000"/>
               </a:lnSpc>
             </a:pPr>
-            <a:r>
-              <a:rPr lang="en-US" sz="2000" dirty="0" smtClean="0"/>
-              <a:t>         </a:t>
-            </a:r>
-            <a:r>
-              <a:rPr lang="en-US" sz="2000" dirty="0"/>
-              <a:t>Command "curl http://</a:t>
-            </a:r>
-            <a:r>
-              <a:rPr lang="en-US" sz="2000" dirty="0" err="1"/>
-              <a:t>localhost</a:t>
-            </a:r>
-            <a:r>
-              <a:rPr lang="en-US" sz="2000" dirty="0"/>
-              <a:t>"</a:t>
-            </a:r>
+            <a:endParaRPr lang="en-US" sz="2000" dirty="0" smtClean="0"/>
           </a:p>
           <a:p>
             <a:pPr>
@@ -23927,14 +24268,21 @@
               </a:lnSpc>
             </a:pPr>
             <a:r>
-              <a:rPr lang="en-US" sz="2000" dirty="0"/>
-              <a:t>           </a:t>
+              <a:rPr lang="en-US" sz="2000" dirty="0" smtClean="0"/>
+              <a:t>Target</a:t>
+            </a:r>
+            <a:r>
+              <a:rPr lang="en-US" sz="2000" dirty="0"/>
+              <a:t>:  </a:t>
             </a:r>
             <a:r>
               <a:rPr lang="en-US" sz="2000" dirty="0" err="1"/>
-              <a:t>stdout</a:t>
-            </a:r>
-            <a:endParaRPr lang="en-US" sz="2000" dirty="0"/>
+              <a:t>ssh</a:t>
+            </a:r>
+            <a:r>
+              <a:rPr lang="en-US" sz="2000" dirty="0"/>
+              <a:t>://vagrant@127.0.0.1:2222</a:t>
+            </a:r>
           </a:p>
           <a:p>
             <a:pPr>
@@ -23942,10 +24290,7 @@
                 <a:spcPct val="80000"/>
               </a:lnSpc>
             </a:pPr>
-            <a:r>
-              <a:rPr lang="en-US" sz="2000" dirty="0"/>
-              <a:t>             should match /Welcome Home/</a:t>
-            </a:r>
+            <a:endParaRPr lang="en-US" sz="2000" dirty="0"/>
           </a:p>
           <a:p>
             <a:pPr>
@@ -23955,7 +24300,23 @@
             </a:pPr>
             <a:r>
               <a:rPr lang="en-US" sz="2000" dirty="0"/>
-              <a:t>         Command "curl http://localhost:8080"</a:t>
+              <a:t>  ✔  Command curl http://</a:t>
+            </a:r>
+            <a:r>
+              <a:rPr lang="en-US" sz="2000" dirty="0" err="1"/>
+              <a:t>localhost</a:t>
+            </a:r>
+            <a:r>
+              <a:rPr lang="en-US" sz="2000" dirty="0"/>
+              <a:t> </a:t>
+            </a:r>
+            <a:r>
+              <a:rPr lang="en-US" sz="2000" dirty="0" err="1"/>
+              <a:t>stdout</a:t>
+            </a:r>
+            <a:r>
+              <a:rPr lang="en-US" sz="2000" dirty="0"/>
+              <a:t> should match /Welcome home/</a:t>
             </a:r>
           </a:p>
           <a:p>
@@ -23966,13 +24327,16 @@
             </a:pPr>
             <a:r>
               <a:rPr lang="en-US" sz="2000" dirty="0"/>
-              <a:t>           </a:t>
+              <a:t>  ✔  Command curl http://localhost:8080 </a:t>
             </a:r>
             <a:r>
               <a:rPr lang="en-US" sz="2000" dirty="0" err="1"/>
               <a:t>stdout</a:t>
             </a:r>
-            <a:endParaRPr lang="en-US" sz="2000" dirty="0"/>
+            <a:r>
+              <a:rPr lang="en-US" sz="2000" dirty="0"/>
+              <a:t> should match /Welcome admins/</a:t>
+            </a:r>
           </a:p>
           <a:p>
             <a:pPr>
@@ -23980,14 +24344,6 @@
                 <a:spcPct val="80000"/>
               </a:lnSpc>
             </a:pPr>
-            <a:r>
-              <a:rPr lang="en-US" sz="2000" dirty="0"/>
-              <a:t>             should match </a:t>
-            </a:r>
-            <a:r>
-              <a:rPr lang="en-US" sz="2000" dirty="0" smtClean="0"/>
-              <a:t>/Welcome admins/</a:t>
-            </a:r>
             <a:endParaRPr lang="en-US" sz="2000" dirty="0"/>
           </a:p>
           <a:p>
@@ -23996,7 +24352,10 @@
                 <a:spcPct val="80000"/>
               </a:lnSpc>
             </a:pPr>
-            <a:endParaRPr lang="en-US" sz="2000" dirty="0"/>
+            <a:r>
+              <a:rPr lang="en-US" sz="2000" dirty="0"/>
+              <a:t>Summary: 2 successful, 0 failures, 0 skipped</a:t>
+            </a:r>
           </a:p>
           <a:p>
             <a:pPr>
@@ -24006,7 +24365,7 @@
             </a:pPr>
             <a:r>
               <a:rPr lang="en-US" sz="2000" dirty="0"/>
-              <a:t>       Finished in 0.04736 seconds (files took 0.24203 seconds to load)</a:t>
+              <a:t>       Finished verifying &lt;default-centos-67&gt; (0m0.70s).</a:t>
             </a:r>
           </a:p>
           <a:p>
@@ -24017,20 +24376,7 @@
             </a:pPr>
             <a:r>
               <a:rPr lang="en-US" sz="2000" dirty="0"/>
-              <a:t>       2 examples, 0 failures</a:t>
-            </a:r>
-          </a:p>
-          <a:p>
-            <a:endParaRPr lang="en-US" sz="2000" dirty="0"/>
-          </a:p>
-          <a:p>
-            <a:r>
-              <a:rPr lang="en-US" sz="2000" dirty="0"/>
-              <a:t>       Finished verifying &lt;default-centos-67&gt; (0m2.08s)</a:t>
-            </a:r>
-            <a:r>
-              <a:rPr lang="en-US" sz="2000" dirty="0" smtClean="0"/>
-              <a:t>.</a:t>
+              <a:t>-----&gt; Kitchen is finished. (0m1.82s)</a:t>
             </a:r>
             <a:endParaRPr lang="en-US" sz="2000" dirty="0"/>
           </a:p>
@@ -24071,7 +24417,7 @@
         </p:nvSpPr>
         <p:spPr>
           <a:xfrm>
-            <a:off x="1127883" y="6322680"/>
+            <a:off x="1127883" y="4989179"/>
             <a:ext cx="14420850" cy="865511"/>
           </a:xfrm>
         </p:spPr>
@@ -24116,7 +24462,7 @@
   <p:clrMapOvr>
     <a:masterClrMapping/>
   </p:clrMapOvr>
-  <p:transition spd="med">
+  <p:transition xmlns:p14="http://schemas.microsoft.com/office/powerpoint/2010/main" spd="med">
     <p:fade/>
   </p:transition>
 </p:sld>
@@ -24160,12 +24506,20 @@
               </a:lnSpc>
             </a:pPr>
             <a:r>
-              <a:rPr lang="en-US" sz="2000" dirty="0"/>
-              <a:t>-----&gt; Setting up &lt;default-centos-67&gt;..</a:t>
-            </a:r>
-            <a:r>
               <a:rPr lang="en-US" sz="2000" dirty="0" smtClean="0"/>
-              <a:t>.</a:t>
+              <a:t>Target</a:t>
+            </a:r>
+            <a:r>
+              <a:rPr lang="en-US" sz="2000" dirty="0"/>
+              <a:t>:  </a:t>
+            </a:r>
+            <a:r>
+              <a:rPr lang="en-US" sz="2000" dirty="0" err="1"/>
+              <a:t>ssh</a:t>
+            </a:r>
+            <a:r>
+              <a:rPr lang="en-US" sz="2000" dirty="0"/>
+              <a:t>://vagrant@127.0.0.1:2222</a:t>
             </a:r>
           </a:p>
           <a:p>
@@ -24174,14 +24528,7 @@
                 <a:spcPct val="80000"/>
               </a:lnSpc>
             </a:pPr>
-            <a:r>
-              <a:rPr lang="en-US" sz="2000" dirty="0" smtClean="0"/>
-              <a:t>-</a:t>
-            </a:r>
-            <a:r>
-              <a:rPr lang="en-US" sz="2000" dirty="0"/>
-              <a:t>----&gt; Verifying &lt;default-centos-67&gt;...</a:t>
-            </a:r>
+            <a:endParaRPr lang="en-US" sz="2000" dirty="0"/>
           </a:p>
           <a:p>
             <a:pPr>
@@ -24190,12 +24537,24 @@
               </a:lnSpc>
             </a:pPr>
             <a:r>
-              <a:rPr lang="en-US" sz="2000" dirty="0" smtClean="0"/>
-              <a:t>-</a:t>
-            </a:r>
-            <a:r>
-              <a:rPr lang="en-US" sz="2000" dirty="0"/>
-              <a:t>----&gt; Busser installation detected (busser)</a:t>
+              <a:rPr lang="en-US" sz="2000" dirty="0"/>
+              <a:t>  ✔  Command curl http://</a:t>
+            </a:r>
+            <a:r>
+              <a:rPr lang="en-US" sz="2000" dirty="0" err="1"/>
+              <a:t>localhost</a:t>
+            </a:r>
+            <a:r>
+              <a:rPr lang="en-US" sz="2000" dirty="0"/>
+              <a:t> </a:t>
+            </a:r>
+            <a:r>
+              <a:rPr lang="en-US" sz="2000" dirty="0" err="1"/>
+              <a:t>stdout</a:t>
+            </a:r>
+            <a:r>
+              <a:rPr lang="en-US" sz="2000" dirty="0"/>
+              <a:t> should match /Welcome home/</a:t>
             </a:r>
           </a:p>
           <a:p>
@@ -24205,20 +24564,16 @@
               </a:lnSpc>
             </a:pPr>
             <a:r>
-              <a:rPr lang="en-US" sz="2000" dirty="0" smtClean="0"/>
-              <a:t>-</a:t>
-            </a:r>
-            <a:r>
-              <a:rPr lang="en-US" sz="2000" dirty="0"/>
-              <a:t>----&gt; Running </a:t>
+              <a:rPr lang="en-US" sz="2000" dirty="0"/>
+              <a:t>  ✔  Command curl http://localhost:8080 </a:t>
             </a:r>
             <a:r>
               <a:rPr lang="en-US" sz="2000" dirty="0" err="1"/>
-              <a:t>serverspec</a:t>
-            </a:r>
-            <a:r>
-              <a:rPr lang="en-US" sz="2000" dirty="0"/>
-              <a:t> test suite</a:t>
+              <a:t>stdout</a:t>
+            </a:r>
+            <a:r>
+              <a:rPr lang="en-US" sz="2000" dirty="0"/>
+              <a:t> should match /Welcome admins/</a:t>
             </a:r>
           </a:p>
           <a:p>
@@ -24227,10 +24582,7 @@
                 <a:spcPct val="80000"/>
               </a:lnSpc>
             </a:pPr>
-            <a:r>
-              <a:rPr lang="en-US" sz="2000" dirty="0" smtClean="0"/>
-              <a:t>       apache::default</a:t>
-            </a:r>
+            <a:endParaRPr lang="en-US" sz="2000" dirty="0"/>
           </a:p>
           <a:p>
             <a:pPr>
@@ -24239,20 +24591,8 @@
               </a:lnSpc>
             </a:pPr>
             <a:r>
-              <a:rPr lang="en-US" sz="2000" dirty="0" smtClean="0"/>
-              <a:t>         </a:t>
-            </a:r>
-            <a:r>
-              <a:rPr lang="en-US" sz="2000" dirty="0"/>
-              <a:t>Command "curl http://</a:t>
-            </a:r>
-            <a:r>
-              <a:rPr lang="en-US" sz="2000" dirty="0" err="1"/>
-              <a:t>localhost</a:t>
-            </a:r>
-            <a:r>
-              <a:rPr lang="en-US" sz="2000" dirty="0"/>
-              <a:t>"</a:t>
+              <a:rPr lang="en-US" sz="2000" dirty="0"/>
+              <a:t>Summary: 2 successful, 0 failures, 0 skipped</a:t>
             </a:r>
           </a:p>
           <a:p>
@@ -24263,13 +24603,16 @@
             </a:pPr>
             <a:r>
               <a:rPr lang="en-US" sz="2000" dirty="0"/>
-              <a:t>           </a:t>
-            </a:r>
-            <a:r>
-              <a:rPr lang="en-US" sz="2000" dirty="0" err="1"/>
-              <a:t>stdout</a:t>
-            </a:r>
-            <a:endParaRPr lang="en-US" sz="2000" dirty="0"/>
+              <a:t> </a:t>
+            </a:r>
+            <a:r>
+              <a:rPr lang="en-US" sz="2000" dirty="0" smtClean="0"/>
+              <a:t>      Finished </a:t>
+            </a:r>
+            <a:r>
+              <a:rPr lang="en-US" sz="2000" dirty="0"/>
+              <a:t>verifying &lt;default-centos-67&gt; (0m0.70s).</a:t>
+            </a:r>
           </a:p>
           <a:p>
             <a:pPr>
@@ -24279,7 +24622,7 @@
             </a:pPr>
             <a:r>
               <a:rPr lang="en-US" sz="2000" dirty="0"/>
-              <a:t>             should match /Welcome Home/</a:t>
+              <a:t>-----&gt; Destroying &lt;default-centos-67&gt;...</a:t>
             </a:r>
           </a:p>
           <a:p>
@@ -24290,7 +24633,7 @@
             </a:pPr>
             <a:r>
               <a:rPr lang="en-US" sz="2000" dirty="0"/>
-              <a:t>         Command "curl http://localhost:8080"</a:t>
+              <a:t>       ==&gt; default: Forcing shutdown of VM...</a:t>
             </a:r>
           </a:p>
           <a:p>
@@ -24301,13 +24644,8 @@
             </a:pPr>
             <a:r>
               <a:rPr lang="en-US" sz="2000" dirty="0"/>
-              <a:t>           </a:t>
-            </a:r>
-            <a:r>
-              <a:rPr lang="en-US" sz="2000" dirty="0" err="1"/>
-              <a:t>stdout</a:t>
-            </a:r>
-            <a:endParaRPr lang="en-US" sz="2000" dirty="0"/>
+              <a:t>       ==&gt; default: Destroying VM and associated drives...</a:t>
+            </a:r>
           </a:p>
           <a:p>
             <a:pPr>
@@ -24317,13 +24655,8 @@
             </a:pPr>
             <a:r>
               <a:rPr lang="en-US" sz="2000" dirty="0"/>
-              <a:t>             should match </a:t>
-            </a:r>
-            <a:r>
-              <a:rPr lang="en-US" sz="2000" dirty="0" smtClean="0"/>
-              <a:t>/Welcome admins/</a:t>
-            </a:r>
-            <a:endParaRPr lang="en-US" sz="2000" dirty="0"/>
+              <a:t>       Vagrant instance &lt;default-centos-67&gt; destroyed.</a:t>
+            </a:r>
           </a:p>
           <a:p>
             <a:pPr>
@@ -24331,7 +24664,10 @@
                 <a:spcPct val="80000"/>
               </a:lnSpc>
             </a:pPr>
-            <a:endParaRPr lang="en-US" sz="2000" dirty="0"/>
+            <a:r>
+              <a:rPr lang="en-US" sz="2000" dirty="0"/>
+              <a:t>       Finished destroying &lt;default-centos-67&gt; (0m4.09s).</a:t>
+            </a:r>
           </a:p>
           <a:p>
             <a:pPr>
@@ -24341,7 +24677,7 @@
             </a:pPr>
             <a:r>
               <a:rPr lang="en-US" sz="2000" dirty="0"/>
-              <a:t>       Finished in 0.04736 seconds (files took 0.24203 seconds to load)</a:t>
+              <a:t>       Finished testing &lt;default-centos-67&gt; (2m21.40s).</a:t>
             </a:r>
           </a:p>
           <a:p>
@@ -24352,20 +24688,7 @@
             </a:pPr>
             <a:r>
               <a:rPr lang="en-US" sz="2000" dirty="0"/>
-              <a:t>       2 examples, 0 failures</a:t>
-            </a:r>
-          </a:p>
-          <a:p>
-            <a:endParaRPr lang="en-US" sz="2000" dirty="0"/>
-          </a:p>
-          <a:p>
-            <a:r>
-              <a:rPr lang="en-US" sz="2000" dirty="0"/>
-              <a:t>       Finished verifying &lt;default-centos-67&gt; (0m2.08s)</a:t>
-            </a:r>
-            <a:r>
-              <a:rPr lang="en-US" sz="2000" dirty="0" smtClean="0"/>
-              <a:t>.</a:t>
+              <a:t>-----&gt; Kitchen is finished. (2m22.49s)</a:t>
             </a:r>
             <a:endParaRPr lang="en-US" sz="2000" dirty="0"/>
           </a:p>
@@ -24406,7 +24729,7 @@
         </p:nvSpPr>
         <p:spPr>
           <a:xfrm>
-            <a:off x="1127883" y="6322680"/>
+            <a:off x="1127883" y="2872513"/>
             <a:ext cx="14420850" cy="865511"/>
           </a:xfrm>
         </p:spPr>
@@ -24451,7 +24774,7 @@
   <p:clrMapOvr>
     <a:masterClrMapping/>
   </p:clrMapOvr>
-  <p:transition spd="med">
+  <p:transition xmlns:p14="http://schemas.microsoft.com/office/powerpoint/2010/main" spd="med">
     <p:fade/>
   </p:transition>
 </p:sld>
@@ -24574,13 +24897,13 @@
   <p:clrMapOvr>
     <a:masterClrMapping/>
   </p:clrMapOvr>
-  <p:transition spd="med">
+  <p:transition xmlns:p14="http://schemas.microsoft.com/office/powerpoint/2010/main" spd="med">
     <p:fade/>
   </p:transition>
   <p:timing>
     <p:tnLst>
       <p:par>
-        <p:cTn id="1" dur="indefinite" restart="never" nodeType="tmRoot"/>
+        <p:cTn xmlns:p14="http://schemas.microsoft.com/office/powerpoint/2010/main" id="1" dur="indefinite" restart="never" nodeType="tmRoot"/>
       </p:par>
     </p:tnLst>
   </p:timing>
@@ -24860,15 +25183,19 @@
             </a:r>
             <a:r>
               <a:rPr lang="en-US" sz="2000" dirty="0" smtClean="0"/>
-              <a:t>(:</a:t>
-            </a:r>
-            <a:r>
-              <a:rPr lang="en-US" sz="2000" dirty="0" err="1"/>
+              <a:t>(</a:t>
+            </a:r>
+            <a:r>
+              <a:rPr lang="en-US" sz="2000" dirty="0" err="1" smtClean="0"/>
               <a:t>document_root</a:t>
             </a:r>
             <a:r>
-              <a:rPr lang="en-US" sz="2000" dirty="0"/>
-              <a:t> =&gt; "/</a:t>
+              <a:rPr lang="en-US" sz="2000" dirty="0" smtClean="0"/>
+              <a:t>: </a:t>
+            </a:r>
+            <a:r>
+              <a:rPr lang="en-US" sz="2000" dirty="0"/>
+              <a:t>"/</a:t>
             </a:r>
             <a:r>
               <a:rPr lang="en-US" sz="2000" dirty="0" err="1"/>
@@ -24888,11 +25215,11 @@
             </a:r>
             <a:r>
               <a:rPr lang="en-US" sz="2000" dirty="0" smtClean="0"/>
-              <a:t>, :</a:t>
-            </a:r>
-            <a:r>
-              <a:rPr lang="en-US" sz="2000" dirty="0"/>
-              <a:t>port =&gt; </a:t>
+              <a:t>, </a:t>
+            </a:r>
+            <a:r>
+              <a:rPr lang="en-US" sz="2000" dirty="0" smtClean="0"/>
+              <a:t>port: </a:t>
             </a:r>
             <a:r>
               <a:rPr lang="en-US" sz="2000" dirty="0" smtClean="0"/>
@@ -24979,7 +25306,23 @@
           <a:p>
             <a:r>
               <a:rPr lang="en-US" dirty="0" smtClean="0"/>
-              <a:t>~/apache/resource/</a:t>
+              <a:t>~</a:t>
+            </a:r>
+            <a:r>
+              <a:rPr lang="en-US" dirty="0" smtClean="0"/>
+              <a:t>/</a:t>
+            </a:r>
+            <a:r>
+              <a:rPr lang="en-US" dirty="0" err="1" smtClean="0"/>
+              <a:t>httpd</a:t>
+            </a:r>
+            <a:r>
+              <a:rPr lang="en-US" dirty="0" smtClean="0"/>
+              <a:t>/</a:t>
+            </a:r>
+            <a:r>
+              <a:rPr lang="en-US" dirty="0" smtClean="0"/>
+              <a:t>resource/</a:t>
             </a:r>
             <a:r>
               <a:rPr lang="en-US" dirty="0" err="1" smtClean="0"/>
@@ -25023,7 +25366,7 @@
   <p:clrMapOvr>
     <a:masterClrMapping/>
   </p:clrMapOvr>
-  <p:transition spd="med">
+  <p:transition xmlns:p14="http://schemas.microsoft.com/office/powerpoint/2010/main" spd="med">
     <p:fade/>
   </p:transition>
 </p:sld>
@@ -25285,15 +25628,19 @@
             </a:r>
             <a:r>
               <a:rPr lang="en-US" sz="2000" dirty="0" smtClean="0"/>
-              <a:t>(:</a:t>
-            </a:r>
-            <a:r>
-              <a:rPr lang="en-US" sz="2000" dirty="0" err="1"/>
+              <a:t>(</a:t>
+            </a:r>
+            <a:r>
+              <a:rPr lang="en-US" sz="2000" dirty="0" err="1" smtClean="0"/>
               <a:t>document_root</a:t>
             </a:r>
             <a:r>
-              <a:rPr lang="en-US" sz="2000" dirty="0"/>
-              <a:t> =&gt; "/</a:t>
+              <a:rPr lang="en-US" sz="2000" dirty="0" smtClean="0"/>
+              <a:t>: </a:t>
+            </a:r>
+            <a:r>
+              <a:rPr lang="en-US" sz="2000" dirty="0"/>
+              <a:t>"/</a:t>
             </a:r>
             <a:r>
               <a:rPr lang="en-US" sz="2000" dirty="0" err="1"/>
@@ -25313,11 +25660,11 @@
             </a:r>
             <a:r>
               <a:rPr lang="en-US" sz="2000" dirty="0" smtClean="0"/>
-              <a:t>, :</a:t>
-            </a:r>
-            <a:r>
-              <a:rPr lang="en-US" sz="2000" dirty="0"/>
-              <a:t>port =&gt; </a:t>
+              <a:t>, </a:t>
+            </a:r>
+            <a:r>
+              <a:rPr lang="en-US" sz="2000" dirty="0" smtClean="0"/>
+              <a:t>port: </a:t>
             </a:r>
             <a:r>
               <a:rPr lang="en-US" sz="2000" dirty="0" smtClean="0"/>
@@ -25456,7 +25803,23 @@
           <a:p>
             <a:r>
               <a:rPr lang="en-US" dirty="0" smtClean="0"/>
-              <a:t>~/apache/resource/</a:t>
+              <a:t>~</a:t>
+            </a:r>
+            <a:r>
+              <a:rPr lang="en-US" dirty="0" smtClean="0"/>
+              <a:t>/</a:t>
+            </a:r>
+            <a:r>
+              <a:rPr lang="en-US" dirty="0" err="1" smtClean="0"/>
+              <a:t>httpd</a:t>
+            </a:r>
+            <a:r>
+              <a:rPr lang="en-US" dirty="0" smtClean="0"/>
+              <a:t>/</a:t>
+            </a:r>
+            <a:r>
+              <a:rPr lang="en-US" dirty="0" smtClean="0"/>
+              <a:t>resource/</a:t>
             </a:r>
             <a:r>
               <a:rPr lang="en-US" dirty="0" err="1" smtClean="0"/>
@@ -25695,7 +26058,7 @@
   <p:clrMapOvr>
     <a:masterClrMapping/>
   </p:clrMapOvr>
-  <p:transition spd="med">
+  <p:transition xmlns:p14="http://schemas.microsoft.com/office/powerpoint/2010/main" spd="med">
     <p:fade/>
   </p:transition>
 </p:sld>
@@ -25823,11 +26186,11 @@
           </a:p>
           <a:p>
             <a:r>
-              <a:rPr lang="en-US" dirty="0" err="1"/>
-              <a:t>apache_vhost</a:t>
-            </a:r>
-            <a:r>
-              <a:rPr lang="en-US" dirty="0"/>
+              <a:rPr lang="en-US" dirty="0" err="1" smtClean="0"/>
+              <a:t>httpd_vhost</a:t>
+            </a:r>
+            <a:r>
+              <a:rPr lang="en-US" dirty="0" smtClean="0"/>
               <a:t> </a:t>
             </a:r>
             <a:r>
@@ -25917,7 +26280,23 @@
           <a:p>
             <a:r>
               <a:rPr lang="en-US" dirty="0" smtClean="0"/>
-              <a:t>~/apache/recipes/</a:t>
+              <a:t>~</a:t>
+            </a:r>
+            <a:r>
+              <a:rPr lang="en-US" dirty="0" smtClean="0"/>
+              <a:t>/</a:t>
+            </a:r>
+            <a:r>
+              <a:rPr lang="en-US" dirty="0" err="1" smtClean="0"/>
+              <a:t>httpd</a:t>
+            </a:r>
+            <a:r>
+              <a:rPr lang="en-US" dirty="0" smtClean="0"/>
+              <a:t>/</a:t>
+            </a:r>
+            <a:r>
+              <a:rPr lang="en-US" dirty="0" smtClean="0"/>
+              <a:t>recipes/</a:t>
             </a:r>
             <a:r>
               <a:rPr lang="en-US" dirty="0" err="1" smtClean="0"/>
@@ -25961,7 +26340,7 @@
   <p:clrMapOvr>
     <a:masterClrMapping/>
   </p:clrMapOvr>
-  <p:transition spd="med">
+  <p:transition xmlns:p14="http://schemas.microsoft.com/office/powerpoint/2010/main" spd="med">
     <p:fade/>
   </p:transition>
 </p:sld>
@@ -26106,13 +26485,13 @@
   <p:clrMapOvr>
     <a:masterClrMapping/>
   </p:clrMapOvr>
-  <p:transition spd="med">
+  <p:transition xmlns:p14="http://schemas.microsoft.com/office/powerpoint/2010/main" spd="med">
     <p:fade/>
   </p:transition>
   <p:timing>
     <p:tnLst>
       <p:par>
-        <p:cTn id="1" dur="indefinite" restart="never" nodeType="tmRoot"/>
+        <p:cTn xmlns:p14="http://schemas.microsoft.com/office/powerpoint/2010/main" id="1" dur="indefinite" restart="never" nodeType="tmRoot"/>
       </p:par>
     </p:tnLst>
   </p:timing>
@@ -26158,11 +26537,7 @@
             </a:pPr>
             <a:r>
               <a:rPr lang="en-US" sz="2000" dirty="0"/>
-              <a:t>-----&gt; Setting up &lt;default-centos-67&gt;..</a:t>
-            </a:r>
-            <a:r>
-              <a:rPr lang="en-US" sz="2000" dirty="0" smtClean="0"/>
-              <a:t>.</a:t>
+              <a:t>-----&gt; Verifying &lt;default-centos-67&gt;...</a:t>
             </a:r>
           </a:p>
           <a:p>
@@ -26172,12 +26547,24 @@
               </a:lnSpc>
             </a:pPr>
             <a:r>
-              <a:rPr lang="en-US" sz="2000" dirty="0" smtClean="0"/>
-              <a:t>-</a:t>
-            </a:r>
-            <a:r>
-              <a:rPr lang="en-US" sz="2000" dirty="0"/>
-              <a:t>----&gt; Verifying &lt;default-centos-67&gt;...</a:t>
+              <a:rPr lang="en-US" sz="2000" dirty="0"/>
+              <a:t>       Use `/Users/</a:t>
+            </a:r>
+            <a:r>
+              <a:rPr lang="en-US" sz="2000" dirty="0" err="1"/>
+              <a:t>franklinwebber</a:t>
+            </a:r>
+            <a:r>
+              <a:rPr lang="en-US" sz="2000" dirty="0"/>
+              <a:t>/scratch/</a:t>
+            </a:r>
+            <a:r>
+              <a:rPr lang="en-US" sz="2000" dirty="0" err="1"/>
+              <a:t>httpd</a:t>
+            </a:r>
+            <a:r>
+              <a:rPr lang="en-US" sz="2000" dirty="0"/>
+              <a:t>/test/recipes/default` for testing</a:t>
             </a:r>
           </a:p>
           <a:p>
@@ -26186,14 +26573,7 @@
                 <a:spcPct val="80000"/>
               </a:lnSpc>
             </a:pPr>
-            <a:r>
-              <a:rPr lang="en-US" sz="2000" dirty="0" smtClean="0"/>
-              <a:t>-</a:t>
-            </a:r>
-            <a:r>
-              <a:rPr lang="en-US" sz="2000" dirty="0"/>
-              <a:t>----&gt; Busser installation detected (busser)</a:t>
-            </a:r>
+            <a:endParaRPr lang="en-US" sz="2000" dirty="0"/>
           </a:p>
           <a:p>
             <a:pPr>
@@ -26202,20 +26582,16 @@
               </a:lnSpc>
             </a:pPr>
             <a:r>
-              <a:rPr lang="en-US" sz="2000" dirty="0" smtClean="0"/>
-              <a:t>-</a:t>
-            </a:r>
-            <a:r>
-              <a:rPr lang="en-US" sz="2000" dirty="0"/>
-              <a:t>----&gt; Running </a:t>
+              <a:rPr lang="en-US" sz="2000" dirty="0"/>
+              <a:t>Target:  </a:t>
             </a:r>
             <a:r>
               <a:rPr lang="en-US" sz="2000" dirty="0" err="1"/>
-              <a:t>serverspec</a:t>
-            </a:r>
-            <a:r>
-              <a:rPr lang="en-US" sz="2000" dirty="0"/>
-              <a:t> test suite</a:t>
+              <a:t>ssh</a:t>
+            </a:r>
+            <a:r>
+              <a:rPr lang="en-US" sz="2000" dirty="0"/>
+              <a:t>://vagrant@127.0.0.1:2222</a:t>
             </a:r>
           </a:p>
           <a:p>
@@ -26224,10 +26600,7 @@
                 <a:spcPct val="80000"/>
               </a:lnSpc>
             </a:pPr>
-            <a:r>
-              <a:rPr lang="en-US" sz="2000" dirty="0" smtClean="0"/>
-              <a:t>       apache::default</a:t>
-            </a:r>
+            <a:endParaRPr lang="en-US" sz="2000" dirty="0"/>
           </a:p>
           <a:p>
             <a:pPr>
@@ -26236,12 +26609,8 @@
               </a:lnSpc>
             </a:pPr>
             <a:r>
-              <a:rPr lang="en-US" sz="2000" dirty="0" smtClean="0"/>
-              <a:t>         </a:t>
-            </a:r>
-            <a:r>
-              <a:rPr lang="en-US" sz="2000" dirty="0"/>
-              <a:t>Command "curl http://</a:t>
+              <a:rPr lang="en-US" sz="2000" dirty="0"/>
+              <a:t>  ✔  Command curl http://</a:t>
             </a:r>
             <a:r>
               <a:rPr lang="en-US" sz="2000" dirty="0" err="1"/>
@@ -26249,7 +26618,15 @@
             </a:r>
             <a:r>
               <a:rPr lang="en-US" sz="2000" dirty="0"/>
-              <a:t>"</a:t>
+              <a:t> </a:t>
+            </a:r>
+            <a:r>
+              <a:rPr lang="en-US" sz="2000" dirty="0" err="1"/>
+              <a:t>stdout</a:t>
+            </a:r>
+            <a:r>
+              <a:rPr lang="en-US" sz="2000" dirty="0"/>
+              <a:t> should match /Welcome home/</a:t>
             </a:r>
           </a:p>
           <a:p>
@@ -26260,13 +26637,16 @@
             </a:pPr>
             <a:r>
               <a:rPr lang="en-US" sz="2000" dirty="0"/>
-              <a:t>           </a:t>
+              <a:t>  ✔  Command curl http://localhost:8080 </a:t>
             </a:r>
             <a:r>
               <a:rPr lang="en-US" sz="2000" dirty="0" err="1"/>
               <a:t>stdout</a:t>
             </a:r>
-            <a:endParaRPr lang="en-US" sz="2000" dirty="0"/>
+            <a:r>
+              <a:rPr lang="en-US" sz="2000" dirty="0"/>
+              <a:t> should match /Welcome admins/</a:t>
+            </a:r>
           </a:p>
           <a:p>
             <a:pPr>
@@ -26274,10 +26654,7 @@
                 <a:spcPct val="80000"/>
               </a:lnSpc>
             </a:pPr>
-            <a:r>
-              <a:rPr lang="en-US" sz="2000" dirty="0"/>
-              <a:t>             should match /Welcome Home/</a:t>
-            </a:r>
+            <a:endParaRPr lang="en-US" sz="2000" dirty="0"/>
           </a:p>
           <a:p>
             <a:pPr>
@@ -26287,7 +26664,7 @@
             </a:pPr>
             <a:r>
               <a:rPr lang="en-US" sz="2000" dirty="0"/>
-              <a:t>         Command "curl http://localhost:8080"</a:t>
+              <a:t>Summary: 2 successful, 0 failures, 0 skipped</a:t>
             </a:r>
           </a:p>
           <a:p>
@@ -26298,13 +26675,8 @@
             </a:pPr>
             <a:r>
               <a:rPr lang="en-US" sz="2000" dirty="0"/>
-              <a:t>           </a:t>
-            </a:r>
-            <a:r>
-              <a:rPr lang="en-US" sz="2000" dirty="0" err="1"/>
-              <a:t>stdout</a:t>
-            </a:r>
-            <a:endParaRPr lang="en-US" sz="2000" dirty="0"/>
+              <a:t>       Finished verifying &lt;default-centos-67&gt; (0m0.77s).</a:t>
+            </a:r>
           </a:p>
           <a:p>
             <a:pPr>
@@ -26314,55 +26686,7 @@
             </a:pPr>
             <a:r>
               <a:rPr lang="en-US" sz="2000" dirty="0"/>
-              <a:t>             should match </a:t>
-            </a:r>
-            <a:r>
-              <a:rPr lang="en-US" sz="2000" dirty="0" smtClean="0"/>
-              <a:t>/Welcome admins/</a:t>
-            </a:r>
-            <a:endParaRPr lang="en-US" sz="2000" dirty="0"/>
-          </a:p>
-          <a:p>
-            <a:pPr>
-              <a:lnSpc>
-                <a:spcPct val="80000"/>
-              </a:lnSpc>
-            </a:pPr>
-            <a:endParaRPr lang="en-US" sz="2000" dirty="0"/>
-          </a:p>
-          <a:p>
-            <a:pPr>
-              <a:lnSpc>
-                <a:spcPct val="80000"/>
-              </a:lnSpc>
-            </a:pPr>
-            <a:r>
-              <a:rPr lang="en-US" sz="2000" dirty="0"/>
-              <a:t>       Finished in 0.04736 seconds (files took 0.24203 seconds to load)</a:t>
-            </a:r>
-          </a:p>
-          <a:p>
-            <a:pPr>
-              <a:lnSpc>
-                <a:spcPct val="80000"/>
-              </a:lnSpc>
-            </a:pPr>
-            <a:r>
-              <a:rPr lang="en-US" sz="2000" dirty="0"/>
-              <a:t>       2 examples, 0 failures</a:t>
-            </a:r>
-          </a:p>
-          <a:p>
-            <a:endParaRPr lang="en-US" sz="2000" dirty="0"/>
-          </a:p>
-          <a:p>
-            <a:r>
-              <a:rPr lang="en-US" sz="2000" dirty="0"/>
-              <a:t>       Finished verifying &lt;default-centos-67&gt; (0m2.08s)</a:t>
-            </a:r>
-            <a:r>
-              <a:rPr lang="en-US" sz="2000" dirty="0" smtClean="0"/>
-              <a:t>.</a:t>
+              <a:t>-----&gt; Kitchen is finished. (2m42.37s)</a:t>
             </a:r>
             <a:endParaRPr lang="en-US" sz="2000" dirty="0"/>
           </a:p>
@@ -26403,7 +26727,7 @@
         </p:nvSpPr>
         <p:spPr>
           <a:xfrm>
-            <a:off x="1127883" y="6322680"/>
+            <a:off x="1127883" y="3994347"/>
             <a:ext cx="14420850" cy="865511"/>
           </a:xfrm>
         </p:spPr>
@@ -26450,7 +26774,7 @@
   <p:clrMapOvr>
     <a:masterClrMapping/>
   </p:clrMapOvr>
-  <p:transition spd="med">
+  <p:transition xmlns:p14="http://schemas.microsoft.com/office/powerpoint/2010/main" spd="med">
     <p:fade/>
   </p:transition>
 </p:sld>
@@ -26571,13 +26895,13 @@
   <p:clrMapOvr>
     <a:masterClrMapping/>
   </p:clrMapOvr>
-  <p:transition spd="med">
+  <p:transition xmlns:p14="http://schemas.microsoft.com/office/powerpoint/2010/main" spd="med">
     <p:fade/>
   </p:transition>
   <p:timing>
     <p:tnLst>
       <p:par>
-        <p:cTn id="1" dur="indefinite" restart="never" nodeType="tmRoot"/>
+        <p:cTn xmlns:p14="http://schemas.microsoft.com/office/powerpoint/2010/main" id="1" dur="indefinite" restart="never" nodeType="tmRoot"/>
       </p:par>
     </p:tnLst>
   </p:timing>
@@ -26619,16 +26943,16 @@
           <a:lstStyle/>
           <a:p>
             <a:r>
-              <a:rPr lang="en-US" dirty="0" smtClean="0"/>
-              <a:t>Apache </a:t>
-            </a:r>
-            <a:r>
               <a:rPr lang="en-US" dirty="0" err="1" smtClean="0"/>
-              <a:t>Vhost</a:t>
-            </a:r>
-            <a:r>
-              <a:rPr lang="en-US" dirty="0" smtClean="0"/>
-              <a:t> - </a:t>
+              <a:t>httpd_vhost</a:t>
+            </a:r>
+            <a:r>
+              <a:rPr lang="en-US" dirty="0" smtClean="0"/>
+              <a:t> </a:t>
+            </a:r>
+            <a:r>
+              <a:rPr lang="en-US" dirty="0" smtClean="0"/>
+              <a:t>- </a:t>
             </a:r>
             <a:r>
               <a:rPr lang="en-US" dirty="0" err="1"/>
@@ -26727,7 +27051,7 @@
   <p:clrMapOvr>
     <a:masterClrMapping/>
   </p:clrMapOvr>
-  <p:transition spd="med">
+  <p:transition xmlns:p14="http://schemas.microsoft.com/office/powerpoint/2010/main" spd="med">
     <p:fade/>
   </p:transition>
 </p:sld>
@@ -26789,31 +27113,12 @@
           <a:lstStyle/>
           <a:p>
             <a:r>
+              <a:rPr lang="en-US" dirty="0" smtClean="0"/>
+              <a:t>describe </a:t>
+            </a:r>
+            <a:r>
               <a:rPr lang="en-US" dirty="0"/>
-              <a:t>require '</a:t>
-            </a:r>
-            <a:r>
-              <a:rPr lang="en-US" dirty="0" err="1"/>
-              <a:t>spec_helper</a:t>
-            </a:r>
-            <a:r>
-              <a:rPr lang="en-US" dirty="0"/>
-              <a:t>'</a:t>
-            </a:r>
-          </a:p>
-          <a:p>
-            <a:endParaRPr lang="en-US" dirty="0"/>
-          </a:p>
-          <a:p>
-            <a:r>
-              <a:rPr lang="en-US" dirty="0"/>
-              <a:t>describe 'apache::default' do</a:t>
-            </a:r>
-          </a:p>
-          <a:p>
-            <a:r>
-              <a:rPr lang="en-US" dirty="0"/>
-              <a:t>  describe command('curl http://</a:t>
+              <a:t>command('curl http://</a:t>
             </a:r>
             <a:r>
               <a:rPr lang="en-US" dirty="0" err="1"/>
@@ -26827,7 +27132,15 @@
           <a:p>
             <a:r>
               <a:rPr lang="en-US" dirty="0"/>
-              <a:t>    its(:</a:t>
+              <a:t>  </a:t>
+            </a:r>
+            <a:r>
+              <a:rPr lang="en-US" dirty="0" smtClean="0"/>
+              <a:t>its</a:t>
+            </a:r>
+            <a:r>
+              <a:rPr lang="en-US" dirty="0"/>
+              <a:t>(:</a:t>
             </a:r>
             <a:r>
               <a:rPr lang="en-US" dirty="0" err="1"/>
@@ -26849,22 +27162,39 @@
           <a:p>
             <a:r>
               <a:rPr lang="en-US" dirty="0"/>
-              <a:t>  end</a:t>
-            </a:r>
-          </a:p>
-          <a:p>
+              <a:t> </a:t>
+            </a:r>
+            <a:r>
+              <a:rPr lang="en-US" dirty="0" smtClean="0"/>
+              <a:t>end</a:t>
+            </a:r>
             <a:endParaRPr lang="en-US" dirty="0"/>
           </a:p>
           <a:p>
+            <a:endParaRPr lang="en-US" dirty="0"/>
+          </a:p>
+          <a:p>
+            <a:r>
+              <a:rPr lang="en-US" dirty="0" smtClean="0"/>
+              <a:t>describe </a:t>
+            </a:r>
             <a:r>
               <a:rPr lang="en-US" dirty="0"/>
-              <a:t>  describe command('curl http://localhost:8080') do</a:t>
+              <a:t>command('curl http://localhost:8080') do</a:t>
             </a:r>
           </a:p>
           <a:p>
             <a:r>
               <a:rPr lang="en-US" dirty="0"/>
-              <a:t>    its(:</a:t>
+              <a:t> </a:t>
+            </a:r>
+            <a:r>
+              <a:rPr lang="en-US" dirty="0" smtClean="0"/>
+              <a:t> </a:t>
+            </a:r>
+            <a:r>
+              <a:rPr lang="en-US" dirty="0"/>
+              <a:t>its(:</a:t>
             </a:r>
             <a:r>
               <a:rPr lang="en-US" dirty="0" err="1"/>
@@ -26885,17 +27215,9 @@
           </a:p>
           <a:p>
             <a:r>
-              <a:rPr lang="en-US" dirty="0"/>
-              <a:t>  end</a:t>
-            </a:r>
-          </a:p>
-          <a:p>
-            <a:r>
-              <a:rPr lang="en-US" dirty="0"/>
+              <a:rPr lang="en-US" dirty="0" smtClean="0"/>
               <a:t>end</a:t>
             </a:r>
-          </a:p>
-          <a:p>
             <a:endParaRPr lang="en-US" dirty="0"/>
           </a:p>
         </p:txBody>
@@ -26917,19 +27239,27 @@
           <a:p>
             <a:r>
               <a:rPr lang="en-US" dirty="0" smtClean="0"/>
-              <a:t>~/apache/test/integration/default/</a:t>
+              <a:t>~</a:t>
+            </a:r>
+            <a:r>
+              <a:rPr lang="en-US" dirty="0" smtClean="0"/>
+              <a:t>/</a:t>
             </a:r>
             <a:r>
               <a:rPr lang="en-US" dirty="0" err="1" smtClean="0"/>
-              <a:t>serverspec</a:t>
+              <a:t>httpd</a:t>
             </a:r>
             <a:r>
               <a:rPr lang="en-US" dirty="0" smtClean="0"/>
               <a:t>/</a:t>
             </a:r>
             <a:r>
+              <a:rPr lang="en-US" dirty="0" smtClean="0"/>
+              <a:t>test/recipes/</a:t>
+            </a:r>
+            <a:r>
               <a:rPr lang="en-US" dirty="0" err="1" smtClean="0"/>
-              <a:t>default_spec.rb</a:t>
+              <a:t>default_test.rb</a:t>
             </a:r>
             <a:endParaRPr lang="en-US" dirty="0"/>
           </a:p>
@@ -26945,13 +27275,13 @@
   <p:clrMapOvr>
     <a:masterClrMapping/>
   </p:clrMapOvr>
-  <p:transition spd="med">
+  <p:transition xmlns:p14="http://schemas.microsoft.com/office/powerpoint/2010/main" spd="med">
     <p:fade/>
   </p:transition>
   <p:timing>
     <p:tnLst>
       <p:par>
-        <p:cTn id="1" dur="indefinite" restart="never" nodeType="tmRoot"/>
+        <p:cTn xmlns:p14="http://schemas.microsoft.com/office/powerpoint/2010/main" id="1" dur="indefinite" restart="never" nodeType="tmRoot"/>
       </p:par>
     </p:tnLst>
   </p:timing>
@@ -27237,15 +27567,19 @@
             </a:pPr>
             <a:r>
               <a:rPr lang="en-US" sz="2000" dirty="0"/>
-              <a:t>    variables(:</a:t>
-            </a:r>
-            <a:r>
-              <a:rPr lang="en-US" sz="2000" dirty="0" err="1"/>
+              <a:t>    variables</a:t>
+            </a:r>
+            <a:r>
+              <a:rPr lang="en-US" sz="2000" dirty="0" smtClean="0"/>
+              <a:t>(</a:t>
+            </a:r>
+            <a:r>
+              <a:rPr lang="en-US" sz="2000" dirty="0" err="1" smtClean="0"/>
               <a:t>document_root</a:t>
             </a:r>
             <a:r>
-              <a:rPr lang="en-US" sz="2000" dirty="0"/>
-              <a:t> =&gt; </a:t>
+              <a:rPr lang="en-US" sz="2000" dirty="0" smtClean="0"/>
+              <a:t>: </a:t>
             </a:r>
             <a:r>
               <a:rPr lang="en-US" sz="2000" dirty="0" smtClean="0"/>
@@ -27268,8 +27602,8 @@
               <a:t>}/html", </a:t>
             </a:r>
             <a:r>
-              <a:rPr lang="en-US" sz="2000" dirty="0"/>
-              <a:t>:port =&gt; </a:t>
+              <a:rPr lang="en-US" sz="2000" dirty="0" smtClean="0"/>
+              <a:t>port: </a:t>
             </a:r>
             <a:r>
               <a:rPr lang="en-US" sz="2000" dirty="0" err="1" smtClean="0"/>
@@ -27350,7 +27684,23 @@
           <a:p>
             <a:r>
               <a:rPr lang="en-US" dirty="0" smtClean="0"/>
-              <a:t>~/apache/resource/</a:t>
+              <a:t>~</a:t>
+            </a:r>
+            <a:r>
+              <a:rPr lang="en-US" dirty="0" smtClean="0"/>
+              <a:t>/</a:t>
+            </a:r>
+            <a:r>
+              <a:rPr lang="en-US" dirty="0" err="1" smtClean="0"/>
+              <a:t>httpd</a:t>
+            </a:r>
+            <a:r>
+              <a:rPr lang="en-US" dirty="0" smtClean="0"/>
+              <a:t>/</a:t>
+            </a:r>
+            <a:r>
+              <a:rPr lang="en-US" dirty="0" smtClean="0"/>
+              <a:t>resource/</a:t>
             </a:r>
             <a:r>
               <a:rPr lang="en-US" dirty="0" err="1" smtClean="0"/>
@@ -27459,7 +27809,7 @@
   <p:clrMapOvr>
     <a:masterClrMapping/>
   </p:clrMapOvr>
-  <p:transition spd="med">
+  <p:transition xmlns:p14="http://schemas.microsoft.com/office/powerpoint/2010/main" spd="med">
     <p:fade/>
   </p:transition>
 </p:sld>
@@ -27587,11 +27937,11 @@
           </a:p>
           <a:p>
             <a:r>
-              <a:rPr lang="en-US" dirty="0" err="1"/>
-              <a:t>apache_vhost</a:t>
-            </a:r>
-            <a:r>
-              <a:rPr lang="en-US" dirty="0"/>
+              <a:rPr lang="en-US" dirty="0" err="1" smtClean="0"/>
+              <a:t>httpd_vhost</a:t>
+            </a:r>
+            <a:r>
+              <a:rPr lang="en-US" dirty="0" smtClean="0"/>
               <a:t> </a:t>
             </a:r>
             <a:r>
@@ -27699,7 +28049,23 @@
           <a:p>
             <a:r>
               <a:rPr lang="en-US" dirty="0" smtClean="0"/>
-              <a:t>~/apache/recipes/</a:t>
+              <a:t>~</a:t>
+            </a:r>
+            <a:r>
+              <a:rPr lang="en-US" dirty="0" smtClean="0"/>
+              <a:t>/</a:t>
+            </a:r>
+            <a:r>
+              <a:rPr lang="en-US" dirty="0" err="1" smtClean="0"/>
+              <a:t>httpd</a:t>
+            </a:r>
+            <a:r>
+              <a:rPr lang="en-US" dirty="0" smtClean="0"/>
+              <a:t>/</a:t>
+            </a:r>
+            <a:r>
+              <a:rPr lang="en-US" dirty="0" smtClean="0"/>
+              <a:t>recipes/</a:t>
             </a:r>
             <a:r>
               <a:rPr lang="en-US" dirty="0" err="1" smtClean="0"/>
@@ -27743,7 +28109,7 @@
   <p:clrMapOvr>
     <a:masterClrMapping/>
   </p:clrMapOvr>
-  <p:transition spd="med">
+  <p:transition xmlns:p14="http://schemas.microsoft.com/office/powerpoint/2010/main" spd="med">
     <p:fade/>
   </p:transition>
 </p:sld>
@@ -27888,13 +28254,13 @@
   <p:clrMapOvr>
     <a:masterClrMapping/>
   </p:clrMapOvr>
-  <p:transition spd="med">
+  <p:transition xmlns:p14="http://schemas.microsoft.com/office/powerpoint/2010/main" spd="med">
     <p:fade/>
   </p:transition>
   <p:timing>
     <p:tnLst>
       <p:par>
-        <p:cTn id="1" dur="indefinite" restart="never" nodeType="tmRoot"/>
+        <p:cTn xmlns:p14="http://schemas.microsoft.com/office/powerpoint/2010/main" id="1" dur="indefinite" restart="never" nodeType="tmRoot"/>
       </p:par>
     </p:tnLst>
   </p:timing>
@@ -27940,11 +28306,7 @@
             </a:pPr>
             <a:r>
               <a:rPr lang="en-US" sz="2000" dirty="0"/>
-              <a:t>-----&gt; Setting up &lt;default-centos-67&gt;..</a:t>
-            </a:r>
-            <a:r>
-              <a:rPr lang="en-US" sz="2000" dirty="0" smtClean="0"/>
-              <a:t>.</a:t>
+              <a:t>-----&gt; Verifying &lt;default-centos-67&gt;...</a:t>
             </a:r>
           </a:p>
           <a:p>
@@ -27954,12 +28316,24 @@
               </a:lnSpc>
             </a:pPr>
             <a:r>
-              <a:rPr lang="en-US" sz="2000" dirty="0" smtClean="0"/>
-              <a:t>-</a:t>
-            </a:r>
-            <a:r>
-              <a:rPr lang="en-US" sz="2000" dirty="0"/>
-              <a:t>----&gt; Verifying &lt;default-centos-67&gt;...</a:t>
+              <a:rPr lang="en-US" sz="2000" dirty="0"/>
+              <a:t>       Use `/Users/</a:t>
+            </a:r>
+            <a:r>
+              <a:rPr lang="en-US" sz="2000" dirty="0" err="1"/>
+              <a:t>franklinwebber</a:t>
+            </a:r>
+            <a:r>
+              <a:rPr lang="en-US" sz="2000" dirty="0"/>
+              <a:t>/scratch/</a:t>
+            </a:r>
+            <a:r>
+              <a:rPr lang="en-US" sz="2000" dirty="0" err="1"/>
+              <a:t>httpd</a:t>
+            </a:r>
+            <a:r>
+              <a:rPr lang="en-US" sz="2000" dirty="0"/>
+              <a:t>/test/recipes/default` for testing</a:t>
             </a:r>
           </a:p>
           <a:p>
@@ -27968,14 +28342,7 @@
                 <a:spcPct val="80000"/>
               </a:lnSpc>
             </a:pPr>
-            <a:r>
-              <a:rPr lang="en-US" sz="2000" dirty="0" smtClean="0"/>
-              <a:t>-</a:t>
-            </a:r>
-            <a:r>
-              <a:rPr lang="en-US" sz="2000" dirty="0"/>
-              <a:t>----&gt; Busser installation detected (busser)</a:t>
-            </a:r>
+            <a:endParaRPr lang="en-US" sz="2000" dirty="0"/>
           </a:p>
           <a:p>
             <a:pPr>
@@ -27984,20 +28351,16 @@
               </a:lnSpc>
             </a:pPr>
             <a:r>
-              <a:rPr lang="en-US" sz="2000" dirty="0" smtClean="0"/>
-              <a:t>-</a:t>
-            </a:r>
-            <a:r>
-              <a:rPr lang="en-US" sz="2000" dirty="0"/>
-              <a:t>----&gt; Running </a:t>
+              <a:rPr lang="en-US" sz="2000" dirty="0"/>
+              <a:t>Target:  </a:t>
             </a:r>
             <a:r>
               <a:rPr lang="en-US" sz="2000" dirty="0" err="1"/>
-              <a:t>serverspec</a:t>
-            </a:r>
-            <a:r>
-              <a:rPr lang="en-US" sz="2000" dirty="0"/>
-              <a:t> test suite</a:t>
+              <a:t>ssh</a:t>
+            </a:r>
+            <a:r>
+              <a:rPr lang="en-US" sz="2000" dirty="0"/>
+              <a:t>://vagrant@127.0.0.1:2222</a:t>
             </a:r>
           </a:p>
           <a:p>
@@ -28006,10 +28369,7 @@
                 <a:spcPct val="80000"/>
               </a:lnSpc>
             </a:pPr>
-            <a:r>
-              <a:rPr lang="en-US" sz="2000" dirty="0" smtClean="0"/>
-              <a:t>       apache::default</a:t>
-            </a:r>
+            <a:endParaRPr lang="en-US" sz="2000" dirty="0"/>
           </a:p>
           <a:p>
             <a:pPr>
@@ -28018,12 +28378,8 @@
               </a:lnSpc>
             </a:pPr>
             <a:r>
-              <a:rPr lang="en-US" sz="2000" dirty="0" smtClean="0"/>
-              <a:t>         </a:t>
-            </a:r>
-            <a:r>
-              <a:rPr lang="en-US" sz="2000" dirty="0"/>
-              <a:t>Command "curl http://</a:t>
+              <a:rPr lang="en-US" sz="2000" dirty="0"/>
+              <a:t>  ✔  Command curl http://</a:t>
             </a:r>
             <a:r>
               <a:rPr lang="en-US" sz="2000" dirty="0" err="1"/>
@@ -28031,7 +28387,15 @@
             </a:r>
             <a:r>
               <a:rPr lang="en-US" sz="2000" dirty="0"/>
-              <a:t>"</a:t>
+              <a:t> </a:t>
+            </a:r>
+            <a:r>
+              <a:rPr lang="en-US" sz="2000" dirty="0" err="1"/>
+              <a:t>stdout</a:t>
+            </a:r>
+            <a:r>
+              <a:rPr lang="en-US" sz="2000" dirty="0"/>
+              <a:t> should match /Welcome home/</a:t>
             </a:r>
           </a:p>
           <a:p>
@@ -28042,13 +28406,16 @@
             </a:pPr>
             <a:r>
               <a:rPr lang="en-US" sz="2000" dirty="0"/>
-              <a:t>           </a:t>
+              <a:t>  ✔  Command curl http://localhost:8080 </a:t>
             </a:r>
             <a:r>
               <a:rPr lang="en-US" sz="2000" dirty="0" err="1"/>
               <a:t>stdout</a:t>
             </a:r>
-            <a:endParaRPr lang="en-US" sz="2000" dirty="0"/>
+            <a:r>
+              <a:rPr lang="en-US" sz="2000" dirty="0"/>
+              <a:t> should match /Welcome admins/</a:t>
+            </a:r>
           </a:p>
           <a:p>
             <a:pPr>
@@ -28056,10 +28423,7 @@
                 <a:spcPct val="80000"/>
               </a:lnSpc>
             </a:pPr>
-            <a:r>
-              <a:rPr lang="en-US" sz="2000" dirty="0"/>
-              <a:t>             should match /Welcome Home/</a:t>
-            </a:r>
+            <a:endParaRPr lang="en-US" sz="2000" dirty="0"/>
           </a:p>
           <a:p>
             <a:pPr>
@@ -28069,7 +28433,7 @@
             </a:pPr>
             <a:r>
               <a:rPr lang="en-US" sz="2000" dirty="0"/>
-              <a:t>         Command "curl http://localhost:8080"</a:t>
+              <a:t>Summary: 2 successful, 0 failures, 0 skipped</a:t>
             </a:r>
           </a:p>
           <a:p>
@@ -28080,13 +28444,8 @@
             </a:pPr>
             <a:r>
               <a:rPr lang="en-US" sz="2000" dirty="0"/>
-              <a:t>           </a:t>
-            </a:r>
-            <a:r>
-              <a:rPr lang="en-US" sz="2000" dirty="0" err="1"/>
-              <a:t>stdout</a:t>
-            </a:r>
-            <a:endParaRPr lang="en-US" sz="2000" dirty="0"/>
+              <a:t>       Finished verifying &lt;default-centos-67&gt; (0m0.77s).</a:t>
+            </a:r>
           </a:p>
           <a:p>
             <a:pPr>
@@ -28096,55 +28455,7 @@
             </a:pPr>
             <a:r>
               <a:rPr lang="en-US" sz="2000" dirty="0"/>
-              <a:t>             should match </a:t>
-            </a:r>
-            <a:r>
-              <a:rPr lang="en-US" sz="2000" dirty="0" smtClean="0"/>
-              <a:t>/Welcome admins/</a:t>
-            </a:r>
-            <a:endParaRPr lang="en-US" sz="2000" dirty="0"/>
-          </a:p>
-          <a:p>
-            <a:pPr>
-              <a:lnSpc>
-                <a:spcPct val="80000"/>
-              </a:lnSpc>
-            </a:pPr>
-            <a:endParaRPr lang="en-US" sz="2000" dirty="0"/>
-          </a:p>
-          <a:p>
-            <a:pPr>
-              <a:lnSpc>
-                <a:spcPct val="80000"/>
-              </a:lnSpc>
-            </a:pPr>
-            <a:r>
-              <a:rPr lang="en-US" sz="2000" dirty="0"/>
-              <a:t>       Finished in 0.04736 seconds (files took 0.24203 seconds to load)</a:t>
-            </a:r>
-          </a:p>
-          <a:p>
-            <a:pPr>
-              <a:lnSpc>
-                <a:spcPct val="80000"/>
-              </a:lnSpc>
-            </a:pPr>
-            <a:r>
-              <a:rPr lang="en-US" sz="2000" dirty="0"/>
-              <a:t>       2 examples, 0 failures</a:t>
-            </a:r>
-          </a:p>
-          <a:p>
-            <a:endParaRPr lang="en-US" sz="2000" dirty="0"/>
-          </a:p>
-          <a:p>
-            <a:r>
-              <a:rPr lang="en-US" sz="2000" dirty="0"/>
-              <a:t>       Finished verifying &lt;default-centos-67&gt; (0m2.08s)</a:t>
-            </a:r>
-            <a:r>
-              <a:rPr lang="en-US" sz="2000" dirty="0" smtClean="0"/>
-              <a:t>.</a:t>
+              <a:t>-----&gt; Kitchen is finished. (2m42.37s)</a:t>
             </a:r>
             <a:endParaRPr lang="en-US" sz="2000" dirty="0"/>
           </a:p>
@@ -28185,7 +28496,7 @@
         </p:nvSpPr>
         <p:spPr>
           <a:xfrm>
-            <a:off x="1127883" y="6322680"/>
+            <a:off x="1127883" y="3930847"/>
             <a:ext cx="14420850" cy="865511"/>
           </a:xfrm>
         </p:spPr>
@@ -28232,7 +28543,7 @@
   <p:clrMapOvr>
     <a:masterClrMapping/>
   </p:clrMapOvr>
-  <p:transition spd="med">
+  <p:transition xmlns:p14="http://schemas.microsoft.com/office/powerpoint/2010/main" spd="med">
     <p:fade/>
   </p:transition>
 </p:sld>
@@ -28273,16 +28584,28 @@
           <a:lstStyle/>
           <a:p>
             <a:r>
+              <a:rPr lang="en-US" dirty="0" err="1" smtClean="0"/>
+              <a:t>httpd</a:t>
+            </a:r>
+            <a:r>
+              <a:rPr lang="en-US" dirty="0" err="1" smtClean="0"/>
+              <a:t>_</a:t>
+            </a:r>
+            <a:r>
+              <a:rPr lang="en-US" dirty="0" err="1"/>
+              <a:t>v</a:t>
+            </a:r>
+            <a:r>
+              <a:rPr lang="en-US" dirty="0" err="1" smtClean="0"/>
+              <a:t>host</a:t>
+            </a:r>
+            <a:r>
+              <a:rPr lang="en-US" dirty="0" smtClean="0"/>
+              <a:t> </a:t>
+            </a:r>
+            <a:r>
               <a:rPr lang="en-US" dirty="0"/>
-              <a:t>Apache </a:t>
-            </a:r>
-            <a:r>
-              <a:rPr lang="en-US" dirty="0" err="1"/>
-              <a:t>Vhost</a:t>
-            </a:r>
-            <a:r>
-              <a:rPr lang="en-US" dirty="0"/>
-              <a:t> - </a:t>
+              <a:t>- </a:t>
             </a:r>
             <a:r>
               <a:rPr lang="en-US" dirty="0" err="1" smtClean="0"/>
@@ -28381,7 +28704,7 @@
   <p:clrMapOvr>
     <a:masterClrMapping/>
   </p:clrMapOvr>
-  <p:transition spd="med">
+  <p:transition xmlns:p14="http://schemas.microsoft.com/office/powerpoint/2010/main" spd="med">
     <p:fade/>
   </p:transition>
 </p:sld>
@@ -28422,16 +28745,28 @@
           <a:lstStyle/>
           <a:p>
             <a:r>
-              <a:rPr lang="en-US" dirty="0" smtClean="0"/>
-              <a:t>Apache </a:t>
-            </a:r>
-            <a:r>
               <a:rPr lang="en-US" dirty="0" err="1" smtClean="0"/>
-              <a:t>Vhost</a:t>
-            </a:r>
-            <a:r>
-              <a:rPr lang="en-US" dirty="0" smtClean="0"/>
-              <a:t> Remove Action</a:t>
+              <a:t>httpd</a:t>
+            </a:r>
+            <a:r>
+              <a:rPr lang="en-US" dirty="0" err="1" smtClean="0"/>
+              <a:t>_</a:t>
+            </a:r>
+            <a:r>
+              <a:rPr lang="en-US" dirty="0" err="1"/>
+              <a:t>v</a:t>
+            </a:r>
+            <a:r>
+              <a:rPr lang="en-US" dirty="0" err="1" smtClean="0"/>
+              <a:t>host</a:t>
+            </a:r>
+            <a:r>
+              <a:rPr lang="en-US" dirty="0" smtClean="0"/>
+              <a:t> </a:t>
+            </a:r>
+            <a:r>
+              <a:rPr lang="en-US" dirty="0" smtClean="0"/>
+              <a:t>Remove Action</a:t>
             </a:r>
             <a:endParaRPr lang="en-US" dirty="0"/>
           </a:p>
@@ -28468,11 +28803,15 @@
             </a:r>
             <a:r>
               <a:rPr lang="en-US" dirty="0" err="1" smtClean="0"/>
-              <a:t>apache_vhost</a:t>
-            </a:r>
-            <a:r>
-              <a:rPr lang="en-US" dirty="0" smtClean="0"/>
-              <a:t> resource that:</a:t>
+              <a:t>httpd_vhost</a:t>
+            </a:r>
+            <a:r>
+              <a:rPr lang="en-US" dirty="0" smtClean="0"/>
+              <a:t> </a:t>
+            </a:r>
+            <a:r>
+              <a:rPr lang="en-US" dirty="0" smtClean="0"/>
+              <a:t>resource that:</a:t>
             </a:r>
           </a:p>
           <a:p>
@@ -28487,34 +28826,79 @@
                   <a:schemeClr val="tx1"/>
                 </a:solidFill>
               </a:rPr>
-              <a:t>Removes the directory that is created</a:t>
-            </a:r>
-          </a:p>
-          <a:p>
-            <a:pPr lvl="1" algn="l">
-              <a:lnSpc>
-                <a:spcPct val="150000"/>
-              </a:lnSpc>
-            </a:pPr>
+              <a:t>Removes the directory that is </a:t>
+            </a:r>
             <a:r>
               <a:rPr lang="en-US" sz="2400" i="1" dirty="0" smtClean="0">
                 <a:solidFill>
                   <a:schemeClr val="tx1"/>
                 </a:solidFill>
               </a:rPr>
-              <a:t>Removes the configuration file</a:t>
-            </a:r>
-            <a:endParaRPr lang="en-US" i="1" dirty="0" smtClean="0"/>
-          </a:p>
-          <a:p>
-            <a:pPr>
+              <a:t>created </a:t>
+            </a:r>
+            <a:r>
+              <a:rPr lang="en-US" sz="2400" i="1" dirty="0" smtClean="0">
+                <a:solidFill>
+                  <a:schemeClr val="tx1"/>
+                </a:solidFill>
+              </a:rPr>
+              <a:t>with the directory resource</a:t>
+            </a:r>
+            <a:endParaRPr lang="en-US" sz="2400" i="1" dirty="0" smtClean="0">
+              <a:solidFill>
+                <a:schemeClr val="tx1"/>
+              </a:solidFill>
+            </a:endParaRPr>
+          </a:p>
+          <a:p>
+            <a:pPr lvl="1" algn="l">
               <a:lnSpc>
                 <a:spcPct val="150000"/>
               </a:lnSpc>
             </a:pPr>
             <a:r>
-              <a:rPr lang="en-US" dirty="0" smtClean="0"/>
-              <a:t>Remove the default site by removing the 'welcome' apache </a:t>
+              <a:rPr lang="en-US" sz="2400" i="1" dirty="0" smtClean="0">
+                <a:solidFill>
+                  <a:schemeClr val="tx1"/>
+                </a:solidFill>
+              </a:rPr>
+              <a:t>Removes the configuration </a:t>
+            </a:r>
+            <a:r>
+              <a:rPr lang="en-US" sz="2400" i="1" dirty="0" smtClean="0">
+                <a:solidFill>
+                  <a:schemeClr val="tx1"/>
+                </a:solidFill>
+              </a:rPr>
+              <a:t>file that is created with the template resourc</a:t>
+            </a:r>
+            <a:r>
+              <a:rPr lang="en-US" sz="2400" i="1" dirty="0">
+                <a:solidFill>
+                  <a:schemeClr val="tx1"/>
+                </a:solidFill>
+              </a:rPr>
+              <a:t>e</a:t>
+            </a:r>
+            <a:endParaRPr lang="en-US" i="1" dirty="0" smtClean="0"/>
+          </a:p>
+          <a:p>
+            <a:pPr>
+              <a:lnSpc>
+                <a:spcPct val="150000"/>
+              </a:lnSpc>
+            </a:pPr>
+            <a:r>
+              <a:rPr lang="en-US" dirty="0" smtClean="0"/>
+              <a:t>Remove the default site by removing the 'welcome' </a:t>
+            </a:r>
+            <a:r>
+              <a:rPr lang="en-US" dirty="0" err="1" smtClean="0"/>
+              <a:t>httpd</a:t>
+            </a:r>
+            <a:r>
+              <a:rPr lang="en-US" dirty="0" smtClean="0"/>
+              <a:t> </a:t>
             </a:r>
             <a:r>
               <a:rPr lang="en-US" dirty="0" err="1" smtClean="0"/>
@@ -28565,7 +28949,15 @@
             </a:pPr>
             <a:r>
               <a:rPr lang="en-US" dirty="0" smtClean="0"/>
-              <a:t>Add a 'users' apache </a:t>
+              <a:t>Add a 'users' </a:t>
+            </a:r>
+            <a:r>
+              <a:rPr lang="en-US" dirty="0" err="1" smtClean="0"/>
+              <a:t>httpd</a:t>
+            </a:r>
+            <a:r>
+              <a:rPr lang="en-US" dirty="0" smtClean="0"/>
+              <a:t> </a:t>
             </a:r>
             <a:r>
               <a:rPr lang="en-US" dirty="0" err="1" smtClean="0"/>
@@ -28620,7 +29012,7 @@
   <p:clrMapOvr>
     <a:masterClrMapping/>
   </p:clrMapOvr>
-  <p:transition spd="med">
+  <p:transition xmlns:p14="http://schemas.microsoft.com/office/powerpoint/2010/main" spd="med">
     <p:fade/>
   </p:transition>
 </p:sld>
@@ -28835,7 +29227,23 @@
           <a:p>
             <a:r>
               <a:rPr lang="en-US" dirty="0" smtClean="0"/>
-              <a:t>~/apache/resources/</a:t>
+              <a:t>~</a:t>
+            </a:r>
+            <a:r>
+              <a:rPr lang="en-US" dirty="0" smtClean="0"/>
+              <a:t>/</a:t>
+            </a:r>
+            <a:r>
+              <a:rPr lang="en-US" dirty="0" err="1" smtClean="0"/>
+              <a:t>httpd</a:t>
+            </a:r>
+            <a:r>
+              <a:rPr lang="en-US" dirty="0" smtClean="0"/>
+              <a:t>/</a:t>
+            </a:r>
+            <a:r>
+              <a:rPr lang="en-US" dirty="0" smtClean="0"/>
+              <a:t>resources/</a:t>
             </a:r>
             <a:r>
               <a:rPr lang="en-US" dirty="0" err="1" smtClean="0"/>
@@ -28879,7 +29287,7 @@
   <p:clrMapOvr>
     <a:masterClrMapping/>
   </p:clrMapOvr>
-  <p:transition spd="med">
+  <p:transition xmlns:p14="http://schemas.microsoft.com/office/powerpoint/2010/main" spd="med">
     <p:fade/>
   </p:transition>
 </p:sld>
@@ -29040,11 +29448,11 @@
               </a:lnSpc>
             </a:pPr>
             <a:r>
-              <a:rPr lang="en-US" sz="2000" dirty="0" err="1"/>
-              <a:t>apache_vhost</a:t>
-            </a:r>
-            <a:r>
-              <a:rPr lang="en-US" sz="2000" dirty="0"/>
+              <a:rPr lang="en-US" sz="2000" dirty="0" err="1" smtClean="0"/>
+              <a:t>httpd_vhost</a:t>
+            </a:r>
+            <a:r>
+              <a:rPr lang="en-US" sz="2000" dirty="0" smtClean="0"/>
               <a:t> </a:t>
             </a:r>
             <a:r>
@@ -29197,7 +29605,23 @@
           <a:p>
             <a:r>
               <a:rPr lang="en-US" dirty="0" smtClean="0"/>
-              <a:t>~/apache/recipes/</a:t>
+              <a:t>~</a:t>
+            </a:r>
+            <a:r>
+              <a:rPr lang="en-US" dirty="0" smtClean="0"/>
+              <a:t>/</a:t>
+            </a:r>
+            <a:r>
+              <a:rPr lang="en-US" dirty="0" err="1" smtClean="0"/>
+              <a:t>httpd</a:t>
+            </a:r>
+            <a:r>
+              <a:rPr lang="en-US" dirty="0" smtClean="0"/>
+              <a:t>/</a:t>
+            </a:r>
+            <a:r>
+              <a:rPr lang="en-US" dirty="0" smtClean="0"/>
+              <a:t>recipes/</a:t>
             </a:r>
             <a:r>
               <a:rPr lang="en-US" dirty="0" err="1" smtClean="0"/>
@@ -29241,7 +29665,7 @@
   <p:clrMapOvr>
     <a:masterClrMapping/>
   </p:clrMapOvr>
-  <p:transition spd="med">
+  <p:transition xmlns:p14="http://schemas.microsoft.com/office/powerpoint/2010/main" spd="med">
     <p:fade/>
   </p:transition>
 </p:sld>
@@ -29339,12 +29763,16 @@
               </a:lnSpc>
             </a:pPr>
             <a:r>
-              <a:rPr lang="en-US" sz="2000" dirty="0" err="1"/>
-              <a:t>apache_vhost</a:t>
-            </a:r>
-            <a:r>
-              <a:rPr lang="en-US" sz="2000" dirty="0"/>
-              <a:t> 'welcome' </a:t>
+              <a:rPr lang="en-US" sz="2000" dirty="0" err="1" smtClean="0"/>
+              <a:t>httpd_vhost</a:t>
+            </a:r>
+            <a:r>
+              <a:rPr lang="en-US" sz="2000" dirty="0" smtClean="0"/>
+              <a:t> </a:t>
+            </a:r>
+            <a:r>
+              <a:rPr lang="en-US" sz="2000" dirty="0"/>
+              <a:t>'welcome' </a:t>
             </a:r>
             <a:r>
               <a:rPr lang="en-US" sz="2000" dirty="0" smtClean="0"/>
@@ -29409,11 +29837,15 @@
             </a:pPr>
             <a:r>
               <a:rPr lang="en-US" sz="2000" dirty="0" err="1" smtClean="0"/>
-              <a:t>apache_vhost</a:t>
+              <a:t>httpd_vhost</a:t>
             </a:r>
             <a:r>
               <a:rPr lang="en-US" sz="2000" dirty="0" smtClean="0"/>
-              <a:t> 'admins' </a:t>
+              <a:t> </a:t>
+            </a:r>
+            <a:r>
+              <a:rPr lang="en-US" sz="2000" dirty="0" smtClean="0"/>
+              <a:t>'admins' </a:t>
             </a:r>
             <a:r>
               <a:rPr lang="en-US" sz="2000" dirty="0"/>
@@ -29553,7 +29985,23 @@
           <a:p>
             <a:r>
               <a:rPr lang="en-US" dirty="0" smtClean="0"/>
-              <a:t>~/apache/recipes/</a:t>
+              <a:t>~</a:t>
+            </a:r>
+            <a:r>
+              <a:rPr lang="en-US" dirty="0" smtClean="0"/>
+              <a:t>/</a:t>
+            </a:r>
+            <a:r>
+              <a:rPr lang="en-US" dirty="0" err="1" smtClean="0"/>
+              <a:t>httpd</a:t>
+            </a:r>
+            <a:r>
+              <a:rPr lang="en-US" dirty="0" smtClean="0"/>
+              <a:t>/</a:t>
+            </a:r>
+            <a:r>
+              <a:rPr lang="en-US" dirty="0" smtClean="0"/>
+              <a:t>recipes/</a:t>
             </a:r>
             <a:r>
               <a:rPr lang="en-US" dirty="0" err="1" smtClean="0"/>
@@ -29601,7 +30049,7 @@
   <p:clrMapOvr>
     <a:masterClrMapping/>
   </p:clrMapOvr>
-  <p:transition spd="med">
+  <p:transition xmlns:p14="http://schemas.microsoft.com/office/powerpoint/2010/main" spd="med">
     <p:fade/>
   </p:transition>
 </p:sld>
@@ -29668,7 +30116,7 @@
           <a:p>
             <a:r>
               <a:rPr lang="en-US" sz="2000" dirty="0" err="1" smtClean="0"/>
-              <a:t>apache_vhost</a:t>
+              <a:t>httpd_vhost</a:t>
             </a:r>
             <a:r>
               <a:rPr lang="en-US" sz="2000" dirty="0" smtClean="0"/>
@@ -29715,11 +30163,15 @@
           <a:p>
             <a:r>
               <a:rPr lang="en-US" sz="2000" dirty="0" err="1" smtClean="0"/>
-              <a:t>apache_vhost</a:t>
+              <a:t>httpd_vhost</a:t>
             </a:r>
             <a:r>
               <a:rPr lang="en-US" sz="2000" dirty="0" smtClean="0"/>
-              <a:t> 'users' do</a:t>
+              <a:t> </a:t>
+            </a:r>
+            <a:r>
+              <a:rPr lang="en-US" sz="2000" dirty="0" smtClean="0"/>
+              <a:t>'users' do</a:t>
             </a:r>
           </a:p>
           <a:p>
@@ -29776,11 +30228,15 @@
           <a:p>
             <a:r>
               <a:rPr lang="en-US" sz="2000" dirty="0" err="1" smtClean="0"/>
-              <a:t>apache_vhost</a:t>
+              <a:t>httpd_vhost</a:t>
             </a:r>
             <a:r>
               <a:rPr lang="en-US" sz="2000" dirty="0" smtClean="0"/>
-              <a:t> 'admins' </a:t>
+              <a:t> </a:t>
+            </a:r>
+            <a:r>
+              <a:rPr lang="en-US" sz="2000" dirty="0" smtClean="0"/>
+              <a:t>'admins' </a:t>
             </a:r>
             <a:r>
               <a:rPr lang="en-US" sz="2000" dirty="0"/>
@@ -29830,7 +30286,23 @@
           <a:p>
             <a:r>
               <a:rPr lang="en-US" dirty="0" smtClean="0"/>
-              <a:t>~/apache/recipes/</a:t>
+              <a:t>~</a:t>
+            </a:r>
+            <a:r>
+              <a:rPr lang="en-US" dirty="0" smtClean="0"/>
+              <a:t>/</a:t>
+            </a:r>
+            <a:r>
+              <a:rPr lang="en-US" dirty="0" err="1" smtClean="0"/>
+              <a:t>httpd</a:t>
+            </a:r>
+            <a:r>
+              <a:rPr lang="en-US" dirty="0" smtClean="0"/>
+              <a:t>/</a:t>
+            </a:r>
+            <a:r>
+              <a:rPr lang="en-US" dirty="0" smtClean="0"/>
+              <a:t>recipes/</a:t>
             </a:r>
             <a:r>
               <a:rPr lang="en-US" dirty="0" err="1" smtClean="0"/>
@@ -29874,7 +30346,7 @@
   <p:clrMapOvr>
     <a:masterClrMapping/>
   </p:clrMapOvr>
-  <p:transition spd="med">
+  <p:transition xmlns:p14="http://schemas.microsoft.com/office/powerpoint/2010/main" spd="med">
     <p:fade/>
   </p:transition>
 </p:sld>
@@ -29913,18 +30385,25 @@
           <a:lstStyle/>
           <a:p>
             <a:r>
-              <a:rPr lang="en-US" dirty="0" smtClean="0"/>
-              <a:t>      apache::default</a:t>
-            </a:r>
-          </a:p>
-          <a:p>
-            <a:r>
-              <a:rPr lang="en-US" dirty="0" smtClean="0"/>
-              <a:t>         </a:t>
-            </a:r>
-            <a:r>
               <a:rPr lang="en-US" dirty="0"/>
-              <a:t>Command "curl http://</a:t>
+              <a:t>Target:  </a:t>
+            </a:r>
+            <a:r>
+              <a:rPr lang="en-US" dirty="0" err="1"/>
+              <a:t>ssh</a:t>
+            </a:r>
+            <a:r>
+              <a:rPr lang="en-US" dirty="0"/>
+              <a:t>://vagrant@127.0.0.1:2222</a:t>
+            </a:r>
+          </a:p>
+          <a:p>
+            <a:endParaRPr lang="en-US" dirty="0"/>
+          </a:p>
+          <a:p>
+            <a:r>
+              <a:rPr lang="en-US" dirty="0"/>
+              <a:t>  ✔  Command curl http://</a:t>
             </a:r>
             <a:r>
               <a:rPr lang="en-US" dirty="0" err="1"/>
@@ -29932,88 +30411,50 @@
             </a:r>
             <a:r>
               <a:rPr lang="en-US" dirty="0"/>
-              <a:t>"</a:t>
-            </a:r>
-          </a:p>
-          <a:p>
-            <a:r>
-              <a:rPr lang="en-US" dirty="0"/>
-              <a:t>           </a:t>
+              <a:t> </a:t>
             </a:r>
             <a:r>
               <a:rPr lang="en-US" dirty="0" err="1"/>
               <a:t>stdout</a:t>
             </a:r>
-            <a:endParaRPr lang="en-US" dirty="0"/>
-          </a:p>
-          <a:p>
             <a:r>
               <a:rPr lang="en-US" dirty="0"/>
-              <a:t>             should match /Welcome </a:t>
-            </a:r>
-            <a:r>
-              <a:rPr lang="en-US" dirty="0" smtClean="0"/>
-              <a:t>home</a:t>
-            </a:r>
+              <a:t> should match /Welcome home/</a:t>
+            </a:r>
+          </a:p>
+          <a:p>
             <a:r>
               <a:rPr lang="en-US" dirty="0"/>
-              <a:t>/</a:t>
-            </a:r>
-          </a:p>
-          <a:p>
-            <a:r>
-              <a:rPr lang="en-US" dirty="0"/>
-              <a:t>         Command "curl http://localhost:8080"</a:t>
-            </a:r>
-          </a:p>
-          <a:p>
-            <a:r>
-              <a:rPr lang="en-US" dirty="0"/>
-              <a:t>           </a:t>
+              <a:t>  ✔  Command curl http://localhost:8080 </a:t>
             </a:r>
             <a:r>
               <a:rPr lang="en-US" dirty="0" err="1"/>
               <a:t>stdout</a:t>
             </a:r>
+            <a:r>
+              <a:rPr lang="en-US" dirty="0"/>
+              <a:t> should match /Welcome admins/</a:t>
+            </a:r>
+          </a:p>
+          <a:p>
             <a:endParaRPr lang="en-US" dirty="0"/>
           </a:p>
           <a:p>
             <a:r>
               <a:rPr lang="en-US" dirty="0"/>
-              <a:t>             should match </a:t>
-            </a:r>
-            <a:r>
-              <a:rPr lang="en-US" dirty="0" smtClean="0"/>
-              <a:t>/</a:t>
-            </a:r>
-            <a:r>
-              <a:rPr lang="en-US" smtClean="0"/>
-              <a:t>Welcome admins/</a:t>
-            </a:r>
-            <a:endParaRPr lang="en-US" dirty="0"/>
-          </a:p>
-          <a:p>
-            <a:endParaRPr lang="en-US" dirty="0"/>
+              <a:t>Summary: 2 successful, 0 failures, 0 skipped</a:t>
+            </a:r>
           </a:p>
           <a:p>
             <a:r>
               <a:rPr lang="en-US" dirty="0"/>
-              <a:t>       Finished in 0.06244 seconds (files took 0.25555 seconds </a:t>
-            </a:r>
-            <a:r>
-              <a:rPr lang="en-US" dirty="0" smtClean="0"/>
-              <a:t>...</a:t>
-            </a:r>
-            <a:endParaRPr lang="en-US" dirty="0"/>
+              <a:t>       Finished verifying &lt;default-centos-67&gt; (0m0.74s).</a:t>
+            </a:r>
           </a:p>
           <a:p>
             <a:r>
               <a:rPr lang="en-US" dirty="0"/>
-              <a:t>       2 examples, 0 </a:t>
-            </a:r>
-            <a:r>
-              <a:rPr lang="en-US" dirty="0" smtClean="0"/>
-              <a:t>failures</a:t>
+              <a:t>-----&gt; Kitchen is finished. (0m7.37s)</a:t>
             </a:r>
             <a:endParaRPr lang="en-US" dirty="0"/>
           </a:p>
@@ -30075,13 +30516,13 @@
   <p:clrMapOvr>
     <a:masterClrMapping/>
   </p:clrMapOvr>
-  <p:transition spd="med">
+  <p:transition xmlns:p14="http://schemas.microsoft.com/office/powerpoint/2010/main" spd="med">
     <p:fade/>
   </p:transition>
   <p:timing>
     <p:tnLst>
       <p:par>
-        <p:cTn id="1" dur="indefinite" restart="never" nodeType="tmRoot"/>
+        <p:cTn xmlns:p14="http://schemas.microsoft.com/office/powerpoint/2010/main" id="1" dur="indefinite" restart="never" nodeType="tmRoot"/>
       </p:par>
     </p:tnLst>
   </p:timing>
@@ -30325,7 +30766,23 @@
           <a:p>
             <a:r>
               <a:rPr lang="en-US" dirty="0" smtClean="0"/>
-              <a:t>~/apache/spec/unit/recipes/</a:t>
+              <a:t>~</a:t>
+            </a:r>
+            <a:r>
+              <a:rPr lang="en-US" dirty="0" smtClean="0"/>
+              <a:t>/</a:t>
+            </a:r>
+            <a:r>
+              <a:rPr lang="en-US" dirty="0" err="1" smtClean="0"/>
+              <a:t>httpd</a:t>
+            </a:r>
+            <a:r>
+              <a:rPr lang="en-US" dirty="0" smtClean="0"/>
+              <a:t>/</a:t>
+            </a:r>
+            <a:r>
+              <a:rPr lang="en-US" dirty="0" smtClean="0"/>
+              <a:t>spec/unit/recipes/</a:t>
             </a:r>
             <a:r>
               <a:rPr lang="en-US" dirty="0" err="1" smtClean="0"/>
@@ -30369,7 +30826,7 @@
   <p:clrMapOvr>
     <a:masterClrMapping/>
   </p:clrMapOvr>
-  <p:transition spd="med">
+  <p:transition xmlns:p14="http://schemas.microsoft.com/office/powerpoint/2010/main" spd="med">
     <p:fade/>
   </p:transition>
 </p:sld>
@@ -30452,7 +30909,11 @@
             </a:r>
             <a:r>
               <a:rPr lang="en-US" sz="2000" dirty="0" smtClean="0"/>
-              <a:t>user site</a:t>
+              <a:t>users </a:t>
+            </a:r>
+            <a:r>
+              <a:rPr lang="en-US" sz="2000" dirty="0" smtClean="0"/>
+              <a:t>site</a:t>
             </a:r>
             <a:r>
               <a:rPr lang="en-US" sz="2000" dirty="0"/>
@@ -30707,7 +31168,23 @@
           <a:p>
             <a:r>
               <a:rPr lang="en-US" dirty="0" smtClean="0"/>
-              <a:t>~/apache/spec/unit/recipes/</a:t>
+              <a:t>~</a:t>
+            </a:r>
+            <a:r>
+              <a:rPr lang="en-US" dirty="0" smtClean="0"/>
+              <a:t>/</a:t>
+            </a:r>
+            <a:r>
+              <a:rPr lang="en-US" dirty="0" err="1" smtClean="0"/>
+              <a:t>httpd</a:t>
+            </a:r>
+            <a:r>
+              <a:rPr lang="en-US" dirty="0" smtClean="0"/>
+              <a:t>/</a:t>
+            </a:r>
+            <a:r>
+              <a:rPr lang="en-US" dirty="0" smtClean="0"/>
+              <a:t>spec/unit/recipes/</a:t>
             </a:r>
             <a:r>
               <a:rPr lang="en-US" dirty="0" err="1" smtClean="0"/>
@@ -30751,13 +31228,13 @@
   <p:clrMapOvr>
     <a:masterClrMapping/>
   </p:clrMapOvr>
-  <p:transition spd="med">
+  <p:transition xmlns:p14="http://schemas.microsoft.com/office/powerpoint/2010/main" spd="med">
     <p:fade/>
   </p:transition>
   <p:timing>
     <p:tnLst>
       <p:par>
-        <p:cTn id="1" dur="indefinite" restart="never" nodeType="tmRoot"/>
+        <p:cTn xmlns:p14="http://schemas.microsoft.com/office/powerpoint/2010/main" id="1" dur="indefinite" restart="never" nodeType="tmRoot"/>
       </p:par>
     </p:tnLst>
   </p:timing>
@@ -30797,7 +31274,7 @@
           <a:lstStyle/>
           <a:p>
             <a:r>
-              <a:rPr lang="en-US" dirty="0" smtClean="0"/>
+              <a:rPr lang="en-US" dirty="0"/>
               <a:t>..........</a:t>
             </a:r>
           </a:p>
@@ -30807,7 +31284,7 @@
           <a:p>
             <a:r>
               <a:rPr lang="en-US" dirty="0"/>
-              <a:t>Finished in 2.8 seconds (files took 4.67 seconds to load)</a:t>
+              <a:t>Finished in 1.22 seconds (files took 2.56 seconds to load)</a:t>
             </a:r>
           </a:p>
           <a:p>
@@ -30815,8 +31292,6 @@
               <a:rPr lang="en-US" dirty="0"/>
               <a:t>10 examples, 0 failures</a:t>
             </a:r>
-          </a:p>
-          <a:p>
             <a:endParaRPr lang="en-US" dirty="0"/>
           </a:p>
         </p:txBody>
@@ -30881,13 +31356,13 @@
   <p:clrMapOvr>
     <a:masterClrMapping/>
   </p:clrMapOvr>
-  <p:transition spd="med">
+  <p:transition xmlns:p14="http://schemas.microsoft.com/office/powerpoint/2010/main" spd="med">
     <p:fade/>
   </p:transition>
   <p:timing>
     <p:tnLst>
       <p:par>
-        <p:cTn id="1" dur="indefinite" restart="never" nodeType="tmRoot"/>
+        <p:cTn xmlns:p14="http://schemas.microsoft.com/office/powerpoint/2010/main" id="1" dur="indefinite" restart="never" nodeType="tmRoot"/>
       </p:par>
     </p:tnLst>
   </p:timing>
@@ -30954,111 +31429,67 @@
           <a:lstStyle/>
           <a:p>
             <a:r>
-              <a:rPr lang="en-US" sz="2000" dirty="0"/>
-              <a:t>require '</a:t>
-            </a:r>
-            <a:r>
-              <a:rPr lang="en-US" sz="2000" dirty="0" err="1"/>
-              <a:t>spec_helper</a:t>
-            </a:r>
-            <a:r>
-              <a:rPr lang="en-US" sz="2000" dirty="0"/>
-              <a:t>'</a:t>
-            </a:r>
-          </a:p>
-          <a:p>
-            <a:endParaRPr lang="en-US" sz="2000" dirty="0"/>
-          </a:p>
-          <a:p>
-            <a:r>
-              <a:rPr lang="en-US" sz="2000" dirty="0"/>
-              <a:t>describe 'apache::default' do</a:t>
-            </a:r>
-          </a:p>
-          <a:p>
-            <a:r>
-              <a:rPr lang="en-US" sz="2000" dirty="0"/>
-              <a:t>  describe command('curl http://</a:t>
-            </a:r>
-            <a:r>
-              <a:rPr lang="en-US" sz="2000" dirty="0" err="1"/>
+              <a:rPr lang="en-US" dirty="0"/>
+              <a:t>describe command('curl http://</a:t>
+            </a:r>
+            <a:r>
+              <a:rPr lang="en-US" dirty="0" err="1"/>
               <a:t>localhost</a:t>
             </a:r>
             <a:r>
-              <a:rPr lang="en-US" sz="2000" dirty="0"/>
+              <a:rPr lang="en-US" dirty="0"/>
               <a:t>') do</a:t>
             </a:r>
           </a:p>
           <a:p>
             <a:r>
-              <a:rPr lang="en-US" sz="2000" dirty="0"/>
-              <a:t>    its(:</a:t>
-            </a:r>
-            <a:r>
-              <a:rPr lang="en-US" sz="2000" dirty="0" err="1"/>
+              <a:rPr lang="en-US" dirty="0"/>
+              <a:t>  its(:</a:t>
+            </a:r>
+            <a:r>
+              <a:rPr lang="en-US" dirty="0" err="1"/>
               <a:t>stdout</a:t>
             </a:r>
             <a:r>
-              <a:rPr lang="en-US" sz="2000" dirty="0"/>
-              <a:t>) { should </a:t>
-            </a:r>
-            <a:r>
-              <a:rPr lang="en-US" sz="2000" dirty="0" smtClean="0"/>
-              <a:t>match(/Welcome users/) </a:t>
-            </a:r>
-            <a:r>
-              <a:rPr lang="en-US" sz="2000" dirty="0"/>
-              <a:t>}</a:t>
-            </a:r>
-          </a:p>
-          <a:p>
-            <a:r>
-              <a:rPr lang="en-US" sz="2000" dirty="0"/>
-              <a:t>  end</a:t>
-            </a:r>
-          </a:p>
-          <a:p>
-            <a:endParaRPr lang="en-US" sz="2000" dirty="0"/>
-          </a:p>
-          <a:p>
-            <a:r>
-              <a:rPr lang="en-US" sz="2000" dirty="0"/>
-              <a:t>  describe command('curl http://localhost:8080') do</a:t>
-            </a:r>
-          </a:p>
-          <a:p>
-            <a:r>
-              <a:rPr lang="en-US" sz="2000" dirty="0"/>
-              <a:t>    its(:</a:t>
-            </a:r>
-            <a:r>
-              <a:rPr lang="en-US" sz="2000" dirty="0" err="1"/>
+              <a:rPr lang="en-US" dirty="0"/>
+              <a:t>) { should match(/Welcome users/) }</a:t>
+            </a:r>
+          </a:p>
+          <a:p>
+            <a:r>
+              <a:rPr lang="en-US" dirty="0"/>
+              <a:t>end</a:t>
+            </a:r>
+          </a:p>
+          <a:p>
+            <a:endParaRPr lang="en-US" dirty="0"/>
+          </a:p>
+          <a:p>
+            <a:r>
+              <a:rPr lang="en-US" dirty="0"/>
+              <a:t>describe command('curl http://localhost:8080') do</a:t>
+            </a:r>
+          </a:p>
+          <a:p>
+            <a:r>
+              <a:rPr lang="en-US" dirty="0"/>
+              <a:t>  its(:</a:t>
+            </a:r>
+            <a:r>
+              <a:rPr lang="en-US" dirty="0" err="1"/>
               <a:t>stdout</a:t>
             </a:r>
             <a:r>
-              <a:rPr lang="en-US" sz="2000" dirty="0"/>
-              <a:t>) { should match</a:t>
-            </a:r>
-            <a:r>
-              <a:rPr lang="en-US" sz="2000" dirty="0" smtClean="0"/>
-              <a:t>(/Welcome admins/) </a:t>
-            </a:r>
-            <a:r>
-              <a:rPr lang="en-US" sz="2000" dirty="0"/>
-              <a:t>}</a:t>
-            </a:r>
-          </a:p>
-          <a:p>
-            <a:r>
-              <a:rPr lang="en-US" sz="2000" dirty="0"/>
-              <a:t>  end</a:t>
-            </a:r>
-          </a:p>
-          <a:p>
-            <a:r>
-              <a:rPr lang="en-US" sz="2000" dirty="0"/>
+              <a:rPr lang="en-US" dirty="0"/>
+              <a:t>) { should match(/Welcome admins/) }</a:t>
+            </a:r>
+          </a:p>
+          <a:p>
+            <a:r>
+              <a:rPr lang="en-US" dirty="0"/>
               <a:t>end</a:t>
             </a:r>
+            <a:endParaRPr lang="en-US" dirty="0"/>
           </a:p>
         </p:txBody>
       </p:sp>
@@ -31079,19 +31510,31 @@
           <a:p>
             <a:r>
               <a:rPr lang="en-US" dirty="0" smtClean="0"/>
-              <a:t>~/apache/test/integration/default/</a:t>
+              <a:t>~</a:t>
+            </a:r>
+            <a:r>
+              <a:rPr lang="en-US" dirty="0" smtClean="0"/>
+              <a:t>/</a:t>
             </a:r>
             <a:r>
               <a:rPr lang="en-US" dirty="0" err="1" smtClean="0"/>
-              <a:t>serverspec</a:t>
+              <a:t>httpd</a:t>
             </a:r>
             <a:r>
               <a:rPr lang="en-US" dirty="0" smtClean="0"/>
               <a:t>/</a:t>
             </a:r>
             <a:r>
+              <a:rPr lang="en-US" dirty="0" smtClean="0"/>
+              <a:t>test</a:t>
+            </a:r>
+            <a:r>
+              <a:rPr lang="en-US" dirty="0" smtClean="0"/>
+              <a:t>/recipes/</a:t>
+            </a:r>
+            <a:r>
               <a:rPr lang="en-US" dirty="0" err="1" smtClean="0"/>
-              <a:t>default_spec.rb</a:t>
+              <a:t>default_test.rb</a:t>
             </a:r>
             <a:endParaRPr lang="en-US" dirty="0"/>
           </a:p>
@@ -31109,7 +31552,7 @@
         </p:nvSpPr>
         <p:spPr>
           <a:xfrm>
-            <a:off x="1135042" y="3729212"/>
+            <a:off x="1135042" y="2713213"/>
             <a:ext cx="14404273" cy="486419"/>
           </a:xfrm>
         </p:spPr>
@@ -31131,7 +31574,7 @@
   <p:clrMapOvr>
     <a:masterClrMapping/>
   </p:clrMapOvr>
-  <p:transition spd="med">
+  <p:transition xmlns:p14="http://schemas.microsoft.com/office/powerpoint/2010/main" spd="med">
     <p:fade/>
   </p:transition>
 </p:sld>
@@ -31181,11 +31624,7 @@
             </a:pPr>
             <a:r>
               <a:rPr lang="en-US" sz="2000" dirty="0"/>
-              <a:t>Synchronizing Cookbooks</a:t>
-            </a:r>
-            <a:r>
-              <a:rPr lang="en-US" sz="2000" dirty="0" smtClean="0"/>
-              <a:t>:</a:t>
+              <a:t>-----&gt; Verifying &lt;default-centos-67&gt;...</a:t>
             </a:r>
           </a:p>
           <a:p>
@@ -31195,20 +31634,24 @@
               </a:lnSpc>
             </a:pPr>
             <a:r>
-              <a:rPr lang="it-IT" sz="2000" dirty="0"/>
-              <a:t> </a:t>
-            </a:r>
-            <a:r>
-              <a:rPr lang="it-IT" sz="2000" dirty="0" smtClean="0"/>
-              <a:t>- </a:t>
-            </a:r>
-            <a:r>
-              <a:rPr lang="it-IT" sz="2000" dirty="0"/>
-              <a:t>apache (0.1.0</a:t>
-            </a:r>
-            <a:r>
-              <a:rPr lang="it-IT" sz="2000" dirty="0" smtClean="0"/>
-              <a:t>)</a:t>
+              <a:rPr lang="en-US" sz="2000" dirty="0"/>
+              <a:t>       Use `/Users/</a:t>
+            </a:r>
+            <a:r>
+              <a:rPr lang="en-US" sz="2000" dirty="0" err="1"/>
+              <a:t>franklinwebber</a:t>
+            </a:r>
+            <a:r>
+              <a:rPr lang="en-US" sz="2000" dirty="0"/>
+              <a:t>/scratch/</a:t>
+            </a:r>
+            <a:r>
+              <a:rPr lang="en-US" sz="2000" dirty="0" err="1"/>
+              <a:t>httpd</a:t>
+            </a:r>
+            <a:r>
+              <a:rPr lang="en-US" sz="2000" dirty="0"/>
+              <a:t>/test/recipes/default` for testing</a:t>
             </a:r>
           </a:p>
           <a:p>
@@ -31217,30 +31660,7 @@
                 <a:spcPct val="80000"/>
               </a:lnSpc>
             </a:pPr>
-            <a:r>
-              <a:rPr lang="it-IT" sz="2000" dirty="0" err="1"/>
-              <a:t>Installing</a:t>
-            </a:r>
-            <a:r>
-              <a:rPr lang="it-IT" sz="2000" dirty="0"/>
-              <a:t> </a:t>
-            </a:r>
-            <a:r>
-              <a:rPr lang="it-IT" sz="2000" dirty="0" err="1"/>
-              <a:t>Cookbook</a:t>
-            </a:r>
-            <a:r>
-              <a:rPr lang="it-IT" sz="2000" dirty="0"/>
-              <a:t> </a:t>
-            </a:r>
-            <a:r>
-              <a:rPr lang="it-IT" sz="2000" dirty="0" err="1"/>
-              <a:t>Gems</a:t>
-            </a:r>
-            <a:r>
-              <a:rPr lang="it-IT" sz="2000" dirty="0" smtClean="0"/>
-              <a:t>:</a:t>
-            </a:r>
+            <a:endParaRPr lang="en-US" sz="2000" dirty="0"/>
           </a:p>
           <a:p>
             <a:pPr>
@@ -31249,20 +31669,16 @@
               </a:lnSpc>
             </a:pPr>
             <a:r>
-              <a:rPr lang="it-IT" sz="2000" dirty="0" err="1"/>
-              <a:t>Compiling</a:t>
-            </a:r>
-            <a:r>
-              <a:rPr lang="it-IT" sz="2000" dirty="0"/>
-              <a:t> </a:t>
-            </a:r>
-            <a:r>
-              <a:rPr lang="it-IT" sz="2000" dirty="0" err="1"/>
-              <a:t>Cookbooks</a:t>
-            </a:r>
-            <a:r>
-              <a:rPr lang="it-IT" sz="2000" dirty="0" smtClean="0"/>
-              <a:t>...</a:t>
+              <a:rPr lang="en-US" sz="2000" dirty="0"/>
+              <a:t>Target:  </a:t>
+            </a:r>
+            <a:r>
+              <a:rPr lang="en-US" sz="2000" dirty="0" err="1"/>
+              <a:t>ssh</a:t>
+            </a:r>
+            <a:r>
+              <a:rPr lang="en-US" sz="2000" dirty="0"/>
+              <a:t>://vagrant@127.0.0.1:2222</a:t>
             </a:r>
           </a:p>
           <a:p>
@@ -31271,19 +31687,7 @@
                 <a:spcPct val="80000"/>
               </a:lnSpc>
             </a:pPr>
-            <a:r>
-              <a:rPr lang="it-IT" sz="2000" dirty="0" err="1"/>
-              <a:t>Converging</a:t>
-            </a:r>
-            <a:r>
-              <a:rPr lang="it-IT" sz="2000" dirty="0"/>
-              <a:t> 5 </a:t>
-            </a:r>
-            <a:r>
-              <a:rPr lang="it-IT" sz="2000" dirty="0" err="1" smtClean="0"/>
-              <a:t>resources</a:t>
-            </a:r>
-            <a:endParaRPr lang="it-IT" sz="2000" dirty="0" smtClean="0"/>
+            <a:endParaRPr lang="en-US" sz="2000" dirty="0"/>
           </a:p>
           <a:p>
             <a:pPr>
@@ -31292,16 +31696,24 @@
               </a:lnSpc>
             </a:pPr>
             <a:r>
-              <a:rPr lang="it-IT" sz="2000" dirty="0" err="1"/>
-              <a:t>Recipe</a:t>
-            </a:r>
-            <a:r>
-              <a:rPr lang="it-IT" sz="2000" dirty="0"/>
-              <a:t>: apache::</a:t>
-            </a:r>
-            <a:r>
-              <a:rPr lang="it-IT" sz="2000" dirty="0" smtClean="0"/>
-              <a:t>default</a:t>
+              <a:rPr lang="en-US" sz="2000" dirty="0"/>
+              <a:t>  ✔  Command curl http://</a:t>
+            </a:r>
+            <a:r>
+              <a:rPr lang="en-US" sz="2000" dirty="0" err="1"/>
+              <a:t>localhost</a:t>
+            </a:r>
+            <a:r>
+              <a:rPr lang="en-US" sz="2000" dirty="0"/>
+              <a:t> </a:t>
+            </a:r>
+            <a:r>
+              <a:rPr lang="en-US" sz="2000" dirty="0" err="1"/>
+              <a:t>stdout</a:t>
+            </a:r>
+            <a:r>
+              <a:rPr lang="en-US" sz="2000" dirty="0"/>
+              <a:t> should match /Welcome home/</a:t>
             </a:r>
           </a:p>
           <a:p>
@@ -31311,44 +31723,16 @@
               </a:lnSpc>
             </a:pPr>
             <a:r>
-              <a:rPr lang="it-IT" sz="2000" dirty="0"/>
-              <a:t> * </a:t>
-            </a:r>
-            <a:r>
-              <a:rPr lang="it-IT" sz="2000" dirty="0" err="1"/>
-              <a:t>yum_package</a:t>
-            </a:r>
-            <a:r>
-              <a:rPr lang="it-IT" sz="2000" dirty="0"/>
-              <a:t>[</a:t>
-            </a:r>
-            <a:r>
-              <a:rPr lang="it-IT" sz="2000" dirty="0" err="1"/>
-              <a:t>httpd</a:t>
-            </a:r>
-            <a:r>
-              <a:rPr lang="it-IT" sz="2000" dirty="0"/>
-              <a:t>] </a:t>
-            </a:r>
-            <a:r>
-              <a:rPr lang="it-IT" sz="2000" dirty="0" err="1"/>
-              <a:t>action</a:t>
-            </a:r>
-            <a:r>
-              <a:rPr lang="it-IT" sz="2000" dirty="0"/>
-              <a:t> </a:t>
-            </a:r>
-            <a:r>
-              <a:rPr lang="it-IT" sz="2000" dirty="0" err="1"/>
-              <a:t>install</a:t>
-            </a:r>
-            <a:r>
-              <a:rPr lang="it-IT" sz="2000" dirty="0"/>
-              <a:t> (up to date</a:t>
-            </a:r>
-            <a:r>
-              <a:rPr lang="it-IT" sz="2000" dirty="0" smtClean="0"/>
-              <a:t>)</a:t>
+              <a:rPr lang="en-US" sz="2000" dirty="0"/>
+              <a:t>  ✔  Command curl http://localhost:8080 </a:t>
+            </a:r>
+            <a:r>
+              <a:rPr lang="en-US" sz="2000" dirty="0" err="1"/>
+              <a:t>stdout</a:t>
+            </a:r>
+            <a:r>
+              <a:rPr lang="en-US" sz="2000" dirty="0"/>
+              <a:t> should match /Welcome admins/</a:t>
             </a:r>
           </a:p>
           <a:p>
@@ -31357,31 +31741,7 @@
                 <a:spcPct val="80000"/>
               </a:lnSpc>
             </a:pPr>
-            <a:r>
-              <a:rPr lang="it-IT" sz="2000" dirty="0"/>
-              <a:t> * </a:t>
-            </a:r>
-            <a:r>
-              <a:rPr lang="it-IT" sz="2000" dirty="0" err="1"/>
-              <a:t>apache_vhost</a:t>
-            </a:r>
-            <a:r>
-              <a:rPr lang="it-IT" sz="2000" dirty="0"/>
-              <a:t>[welcome] </a:t>
-            </a:r>
-            <a:r>
-              <a:rPr lang="it-IT" sz="2000" dirty="0" err="1"/>
-              <a:t>action</a:t>
-            </a:r>
-            <a:r>
-              <a:rPr lang="it-IT" sz="2000" dirty="0"/>
-              <a:t> </a:t>
-            </a:r>
-            <a:r>
-              <a:rPr lang="it-IT" sz="2000" dirty="0" err="1" smtClean="0"/>
-              <a:t>remove</a:t>
-            </a:r>
-            <a:endParaRPr lang="it-IT" sz="2000" dirty="0" smtClean="0"/>
+            <a:endParaRPr lang="en-US" sz="2000" dirty="0"/>
           </a:p>
           <a:p>
             <a:pPr>
@@ -31390,12 +31750,8 @@
               </a:lnSpc>
             </a:pPr>
             <a:r>
-              <a:rPr lang="it-IT" sz="2000" dirty="0"/>
-              <a:t> (up to date</a:t>
-            </a:r>
-            <a:r>
-              <a:rPr lang="it-IT" sz="2000" dirty="0" smtClean="0"/>
-              <a:t>)</a:t>
+              <a:rPr lang="en-US" sz="2000" dirty="0"/>
+              <a:t>Summary: 2 successful, 0 failures, 0 skipped</a:t>
             </a:r>
           </a:p>
           <a:p>
@@ -31405,10 +31761,9 @@
               </a:lnSpc>
             </a:pPr>
             <a:r>
-              <a:rPr lang="it-IT" sz="2000" dirty="0"/>
-              <a:t> (up to date)</a:t>
-            </a:r>
-            <a:endParaRPr lang="en-US" sz="2000" dirty="0"/>
+              <a:rPr lang="en-US" sz="2000" dirty="0"/>
+              <a:t>       Finished verifying &lt;default-centos-67&gt; (0m0.77s).</a:t>
+            </a:r>
           </a:p>
           <a:p>
             <a:pPr>
@@ -31417,84 +31772,9 @@
               </a:lnSpc>
             </a:pPr>
             <a:r>
-              <a:rPr lang="it-IT" sz="2000" dirty="0" smtClean="0"/>
-              <a:t>     </a:t>
-            </a:r>
-            <a:r>
-              <a:rPr lang="it-IT" sz="2000" dirty="0"/>
-              <a:t>(up to date</a:t>
-            </a:r>
-            <a:r>
-              <a:rPr lang="it-IT" sz="2000" dirty="0" smtClean="0"/>
-              <a:t>)</a:t>
-            </a:r>
-          </a:p>
-          <a:p>
-            <a:pPr>
-              <a:lnSpc>
-                <a:spcPct val="80000"/>
-              </a:lnSpc>
-            </a:pPr>
-            <a:endParaRPr lang="it-IT" sz="2000" dirty="0"/>
-          </a:p>
-          <a:p>
-            <a:pPr>
-              <a:lnSpc>
-                <a:spcPct val="80000"/>
-              </a:lnSpc>
-            </a:pPr>
-            <a:r>
-              <a:rPr lang="it-IT" sz="2000" dirty="0"/>
-              <a:t> (up to date)</a:t>
-            </a:r>
-            <a:endParaRPr lang="en-US" sz="2000" dirty="0"/>
-          </a:p>
-          <a:p>
-            <a:pPr>
-              <a:lnSpc>
-                <a:spcPct val="80000"/>
-              </a:lnSpc>
-            </a:pPr>
-            <a:r>
-              <a:rPr lang="it-IT" sz="2000" dirty="0"/>
-              <a:t> (up to date)</a:t>
-            </a:r>
-            <a:endParaRPr lang="en-US" sz="2000" dirty="0"/>
-          </a:p>
-          <a:p>
-            <a:pPr>
-              <a:lnSpc>
-                <a:spcPct val="80000"/>
-              </a:lnSpc>
-            </a:pPr>
-            <a:r>
-              <a:rPr lang="it-IT" sz="2000" dirty="0"/>
-              <a:t> (up to date)</a:t>
-            </a:r>
-            <a:endParaRPr lang="en-US" sz="2000" dirty="0"/>
-          </a:p>
-          <a:p>
-            <a:pPr>
-              <a:lnSpc>
-                <a:spcPct val="80000"/>
-              </a:lnSpc>
-            </a:pPr>
-            <a:r>
-              <a:rPr lang="en-US" sz="2000" dirty="0" smtClean="0"/>
-              <a:t>    </a:t>
-            </a:r>
-            <a:r>
-              <a:rPr lang="it-IT" sz="2000" dirty="0"/>
-              <a:t> (up to date)</a:t>
-            </a:r>
-            <a:endParaRPr lang="en-US" sz="2000" dirty="0"/>
-          </a:p>
-          <a:p>
-            <a:pPr>
-              <a:lnSpc>
-                <a:spcPct val="80000"/>
-              </a:lnSpc>
-            </a:pPr>
+              <a:rPr lang="en-US" sz="2000" dirty="0"/>
+              <a:t>-----&gt; Kitchen is finished. (2m42.37s)</a:t>
+            </a:r>
             <a:endParaRPr lang="en-US" sz="2000" dirty="0"/>
           </a:p>
         </p:txBody>
@@ -31557,7 +31837,7 @@
   <p:clrMapOvr>
     <a:masterClrMapping/>
   </p:clrMapOvr>
-  <p:transition spd="med">
+  <p:transition xmlns:p14="http://schemas.microsoft.com/office/powerpoint/2010/main" spd="med">
     <p:fade/>
   </p:transition>
 </p:sld>
@@ -31598,16 +31878,16 @@
           <a:lstStyle/>
           <a:p>
             <a:r>
-              <a:rPr lang="en-US" dirty="0" smtClean="0"/>
-              <a:t>Apache </a:t>
-            </a:r>
-            <a:r>
               <a:rPr lang="en-US" dirty="0" err="1" smtClean="0"/>
-              <a:t>Vhost</a:t>
-            </a:r>
-            <a:r>
-              <a:rPr lang="en-US" dirty="0" smtClean="0"/>
-              <a:t> Remove Action</a:t>
+              <a:t>httpd_vhost</a:t>
+            </a:r>
+            <a:r>
+              <a:rPr lang="en-US" dirty="0" smtClean="0"/>
+              <a:t> </a:t>
+            </a:r>
+            <a:r>
+              <a:rPr lang="en-US" dirty="0" smtClean="0"/>
+              <a:t>Remove Action</a:t>
             </a:r>
             <a:endParaRPr lang="en-US" dirty="0"/>
           </a:p>
@@ -31646,11 +31926,15 @@
             </a:r>
             <a:r>
               <a:rPr lang="en-US" dirty="0" err="1" smtClean="0"/>
-              <a:t>apache_vhost</a:t>
-            </a:r>
-            <a:r>
-              <a:rPr lang="en-US" dirty="0" smtClean="0"/>
-              <a:t> resource that:</a:t>
+              <a:t>httpd_vhost</a:t>
+            </a:r>
+            <a:r>
+              <a:rPr lang="en-US" dirty="0" smtClean="0"/>
+              <a:t> </a:t>
+            </a:r>
+            <a:r>
+              <a:rPr lang="en-US" dirty="0" smtClean="0"/>
+              <a:t>resource that:</a:t>
             </a:r>
           </a:p>
           <a:p>
@@ -31694,7 +31978,15 @@
             </a:pPr>
             <a:r>
               <a:rPr lang="en-US" dirty="0" smtClean="0"/>
-              <a:t>Remove the default site by removing the 'welcome' apache </a:t>
+              <a:t>Remove the default site by removing the 'welcome' </a:t>
+            </a:r>
+            <a:r>
+              <a:rPr lang="en-US" dirty="0" err="1" smtClean="0"/>
+              <a:t>httpd</a:t>
+            </a:r>
+            <a:r>
+              <a:rPr lang="en-US" dirty="0" smtClean="0"/>
+              <a:t> </a:t>
             </a:r>
             <a:r>
               <a:rPr lang="en-US" dirty="0" err="1" smtClean="0"/>
@@ -31747,7 +32039,15 @@
             </a:pPr>
             <a:r>
               <a:rPr lang="en-US" dirty="0" smtClean="0"/>
-              <a:t>Add a 'users' apache </a:t>
+              <a:t>Add a 'users' </a:t>
+            </a:r>
+            <a:r>
+              <a:rPr lang="en-US" dirty="0" err="1" smtClean="0"/>
+              <a:t>httpd</a:t>
+            </a:r>
+            <a:r>
+              <a:rPr lang="en-US" dirty="0" smtClean="0"/>
+              <a:t> </a:t>
             </a:r>
             <a:r>
               <a:rPr lang="en-US" dirty="0" err="1" smtClean="0"/>
@@ -31796,7 +32096,7 @@
   <p:clrMapOvr>
     <a:masterClrMapping/>
   </p:clrMapOvr>
-  <p:transition spd="med">
+  <p:transition xmlns:p14="http://schemas.microsoft.com/office/powerpoint/2010/main" spd="med">
     <p:fade/>
   </p:transition>
 </p:sld>
@@ -31897,13 +32197,13 @@
   <p:clrMapOvr>
     <a:masterClrMapping/>
   </p:clrMapOvr>
-  <p:transition spd="med">
+  <p:transition xmlns:p14="http://schemas.microsoft.com/office/powerpoint/2010/main" spd="med">
     <p:fade/>
   </p:transition>
   <p:timing>
     <p:tnLst>
       <p:par>
-        <p:cTn id="1" dur="indefinite" restart="never" nodeType="tmRoot"/>
+        <p:cTn xmlns:p14="http://schemas.microsoft.com/office/powerpoint/2010/main" id="1" dur="indefinite" restart="never" nodeType="tmRoot"/>
       </p:par>
     </p:tnLst>
   </p:timing>
@@ -31985,13 +32285,13 @@
   <p:clrMapOvr>
     <a:masterClrMapping/>
   </p:clrMapOvr>
-  <p:transition spd="med">
+  <p:transition xmlns:p14="http://schemas.microsoft.com/office/powerpoint/2010/main" spd="med">
     <p:fade/>
   </p:transition>
   <p:timing>
     <p:tnLst>
       <p:par>
-        <p:cTn id="1" dur="indefinite" restart="never" nodeType="tmRoot"/>
+        <p:cTn xmlns:p14="http://schemas.microsoft.com/office/powerpoint/2010/main" id="1" dur="indefinite" restart="never" nodeType="tmRoot"/>
       </p:par>
     </p:tnLst>
   </p:timing>
@@ -32025,7 +32325,7 @@
   <p:clrMapOvr>
     <a:masterClrMapping/>
   </p:clrMapOvr>
-  <p:transition spd="med">
+  <p:transition xmlns:p14="http://schemas.microsoft.com/office/powerpoint/2010/main" spd="med">
     <p:fade/>
   </p:transition>
 </p:sld>
@@ -32166,13 +32466,13 @@
   <p:clrMapOvr>
     <a:masterClrMapping/>
   </p:clrMapOvr>
-  <p:transition spd="med">
+  <p:transition xmlns:p14="http://schemas.microsoft.com/office/powerpoint/2010/main" spd="med">
     <p:fade/>
   </p:transition>
   <p:timing>
     <p:tnLst>
       <p:par>
-        <p:cTn id="1" dur="indefinite" restart="never" nodeType="tmRoot"/>
+        <p:cTn xmlns:p14="http://schemas.microsoft.com/office/powerpoint/2010/main" id="1" dur="indefinite" restart="never" nodeType="tmRoot"/>
       </p:par>
     </p:tnLst>
   </p:timing>
@@ -32260,7 +32560,23 @@
           <a:p>
             <a:r>
               <a:rPr lang="en-US" sz="2000" dirty="0"/>
-              <a:t>describe 'apache::default' do</a:t>
+              <a:t>describe </a:t>
+            </a:r>
+            <a:r>
+              <a:rPr lang="en-US" sz="2000" dirty="0" smtClean="0"/>
+              <a:t>'</a:t>
+            </a:r>
+            <a:r>
+              <a:rPr lang="en-US" sz="2000" dirty="0" err="1" smtClean="0"/>
+              <a:t>httpd</a:t>
+            </a:r>
+            <a:r>
+              <a:rPr lang="en-US" sz="2000" dirty="0" smtClean="0"/>
+              <a:t>:</a:t>
+            </a:r>
+            <a:r>
+              <a:rPr lang="en-US" sz="2000" dirty="0"/>
+              <a:t>:default' do</a:t>
             </a:r>
           </a:p>
           <a:p>
@@ -32420,7 +32736,23 @@
           <a:p>
             <a:r>
               <a:rPr lang="en-US" dirty="0" smtClean="0"/>
-              <a:t>~/apache/spec/unit/recipes/</a:t>
+              <a:t>~</a:t>
+            </a:r>
+            <a:r>
+              <a:rPr lang="en-US" dirty="0" smtClean="0"/>
+              <a:t>/</a:t>
+            </a:r>
+            <a:r>
+              <a:rPr lang="en-US" dirty="0" err="1" smtClean="0"/>
+              <a:t>httpd</a:t>
+            </a:r>
+            <a:r>
+              <a:rPr lang="en-US" dirty="0" smtClean="0"/>
+              <a:t>/</a:t>
+            </a:r>
+            <a:r>
+              <a:rPr lang="en-US" dirty="0" smtClean="0"/>
+              <a:t>spec/unit/recipes/</a:t>
             </a:r>
             <a:r>
               <a:rPr lang="en-US" dirty="0" err="1" smtClean="0"/>
@@ -32440,13 +32772,13 @@
   <p:clrMapOvr>
     <a:masterClrMapping/>
   </p:clrMapOvr>
-  <p:transition spd="med">
+  <p:transition xmlns:p14="http://schemas.microsoft.com/office/powerpoint/2010/main" spd="med">
     <p:fade/>
   </p:transition>
   <p:timing>
     <p:tnLst>
       <p:par>
-        <p:cTn id="1" dur="indefinite" restart="never" nodeType="tmRoot"/>
+        <p:cTn xmlns:p14="http://schemas.microsoft.com/office/powerpoint/2010/main" id="1" dur="indefinite" restart="never" nodeType="tmRoot"/>
       </p:par>
     </p:tnLst>
   </p:timing>
@@ -32707,7 +33039,23 @@
           <a:p>
             <a:r>
               <a:rPr lang="en-US" dirty="0" smtClean="0"/>
-              <a:t>~/apache/spec/unit/recipes/</a:t>
+              <a:t>~</a:t>
+            </a:r>
+            <a:r>
+              <a:rPr lang="en-US" dirty="0" smtClean="0"/>
+              <a:t>/</a:t>
+            </a:r>
+            <a:r>
+              <a:rPr lang="en-US" dirty="0" err="1" smtClean="0"/>
+              <a:t>httpd</a:t>
+            </a:r>
+            <a:r>
+              <a:rPr lang="en-US" dirty="0" smtClean="0"/>
+              <a:t>/</a:t>
+            </a:r>
+            <a:r>
+              <a:rPr lang="en-US" dirty="0" smtClean="0"/>
+              <a:t>spec/unit/recipes/</a:t>
             </a:r>
             <a:r>
               <a:rPr lang="en-US" dirty="0" err="1" smtClean="0"/>
@@ -32727,13 +33075,13 @@
   <p:clrMapOvr>
     <a:masterClrMapping/>
   </p:clrMapOvr>
-  <p:transition spd="med">
+  <p:transition xmlns:p14="http://schemas.microsoft.com/office/powerpoint/2010/main" spd="med">
     <p:fade/>
   </p:transition>
   <p:timing>
     <p:tnLst>
       <p:par>
-        <p:cTn id="1" dur="indefinite" restart="never" nodeType="tmRoot"/>
+        <p:cTn xmlns:p14="http://schemas.microsoft.com/office/powerpoint/2010/main" id="1" dur="indefinite" restart="never" nodeType="tmRoot"/>
       </p:par>
     </p:tnLst>
   </p:timing>
@@ -32937,7 +33285,23 @@
           <a:p>
             <a:r>
               <a:rPr lang="en-US" dirty="0" smtClean="0"/>
-              <a:t>~/apache/spec/unit/recipes/</a:t>
+              <a:t>~</a:t>
+            </a:r>
+            <a:r>
+              <a:rPr lang="en-US" dirty="0" smtClean="0"/>
+              <a:t>/</a:t>
+            </a:r>
+            <a:r>
+              <a:rPr lang="en-US" dirty="0" err="1" smtClean="0"/>
+              <a:t>httpd</a:t>
+            </a:r>
+            <a:r>
+              <a:rPr lang="en-US" dirty="0" smtClean="0"/>
+              <a:t>/</a:t>
+            </a:r>
+            <a:r>
+              <a:rPr lang="en-US" dirty="0" smtClean="0"/>
+              <a:t>spec/unit/recipes/</a:t>
             </a:r>
             <a:r>
               <a:rPr lang="en-US" dirty="0" err="1" smtClean="0"/>
@@ -32957,13 +33321,13 @@
   <p:clrMapOvr>
     <a:masterClrMapping/>
   </p:clrMapOvr>
-  <p:transition spd="med">
+  <p:transition xmlns:p14="http://schemas.microsoft.com/office/powerpoint/2010/main" spd="med">
     <p:fade/>
   </p:transition>
   <p:timing>
     <p:tnLst>
       <p:par>
-        <p:cTn id="1" dur="indefinite" restart="never" nodeType="tmRoot"/>
+        <p:cTn xmlns:p14="http://schemas.microsoft.com/office/powerpoint/2010/main" id="1" dur="indefinite" restart="never" nodeType="tmRoot"/>
       </p:par>
     </p:tnLst>
   </p:timing>
@@ -33346,7 +33710,7 @@
   <a:extraClrSchemeLst/>
   <a:extLst>
     <a:ext uri="{05A4C25C-085E-4340-85A3-A5531E510DB2}">
-      <thm15:themeFamily xmlns:thm15="http://schemas.microsoft.com/office/thememl/2012/main" name="Chef-TemplateComps_v09-16x9-Light.potx" id="{078CEFDB-FA7A-4E36-9964-13EF367585CB}" vid="{8B87B0F3-7308-43D5-8388-E1B49EA02652}"/>
+      <thm15:themeFamily xmlns:thm15="http://schemas.microsoft.com/office/thememl/2012/main" xmlns="" name="Chef-TemplateComps_v09-16x9-Light.potx" id="{078CEFDB-FA7A-4E36-9964-13EF367585CB}" vid="{8B87B0F3-7308-43D5-8388-E1B49EA02652}"/>
     </a:ext>
   </a:extLst>
 </a:theme>
@@ -33728,7 +34092,7 @@
   <a:extraClrSchemeLst/>
   <a:extLst>
     <a:ext uri="{05A4C25C-085E-4340-85A3-A5531E510DB2}">
-      <thm15:themeFamily xmlns:thm15="http://schemas.microsoft.com/office/thememl/2012/main" name="Chef-TemplateComps_v09-16x9-Light.potx" id="{078CEFDB-FA7A-4E36-9964-13EF367585CB}" vid="{8B87B0F3-7308-43D5-8388-E1B49EA02652}"/>
+      <thm15:themeFamily xmlns:thm15="http://schemas.microsoft.com/office/thememl/2012/main" xmlns="" name="Chef-TemplateComps_v09-16x9-Light.potx" id="{078CEFDB-FA7A-4E36-9964-13EF367585CB}" vid="{8B87B0F3-7308-43D5-8388-E1B49EA02652}"/>
     </a:ext>
   </a:extLst>
 </a:theme>
